--- a/Diapositivas/FDTD.pptx
+++ b/Diapositivas/FDTD.pptx
@@ -10,28 +10,27 @@
     <p:sldId id="258" r:id="rId4"/>
     <p:sldId id="286" r:id="rId5"/>
     <p:sldId id="285" r:id="rId6"/>
-    <p:sldId id="259" r:id="rId7"/>
-    <p:sldId id="271" r:id="rId8"/>
-    <p:sldId id="274" r:id="rId9"/>
-    <p:sldId id="275" r:id="rId10"/>
-    <p:sldId id="273" r:id="rId11"/>
-    <p:sldId id="261" r:id="rId12"/>
-    <p:sldId id="276" r:id="rId13"/>
-    <p:sldId id="262" r:id="rId14"/>
-    <p:sldId id="277" r:id="rId15"/>
-    <p:sldId id="263" r:id="rId16"/>
-    <p:sldId id="264" r:id="rId17"/>
-    <p:sldId id="278" r:id="rId18"/>
-    <p:sldId id="279" r:id="rId19"/>
-    <p:sldId id="265" r:id="rId20"/>
-    <p:sldId id="280" r:id="rId21"/>
-    <p:sldId id="266" r:id="rId22"/>
-    <p:sldId id="281" r:id="rId23"/>
-    <p:sldId id="282" r:id="rId24"/>
-    <p:sldId id="283" r:id="rId25"/>
-    <p:sldId id="284" r:id="rId26"/>
-    <p:sldId id="267" r:id="rId27"/>
-    <p:sldId id="268" r:id="rId28"/>
+    <p:sldId id="287" r:id="rId7"/>
+    <p:sldId id="259" r:id="rId8"/>
+    <p:sldId id="288" r:id="rId9"/>
+    <p:sldId id="274" r:id="rId10"/>
+    <p:sldId id="289" r:id="rId11"/>
+    <p:sldId id="276" r:id="rId12"/>
+    <p:sldId id="262" r:id="rId13"/>
+    <p:sldId id="263" r:id="rId14"/>
+    <p:sldId id="264" r:id="rId15"/>
+    <p:sldId id="278" r:id="rId16"/>
+    <p:sldId id="279" r:id="rId17"/>
+    <p:sldId id="265" r:id="rId18"/>
+    <p:sldId id="280" r:id="rId19"/>
+    <p:sldId id="290" r:id="rId20"/>
+    <p:sldId id="266" r:id="rId21"/>
+    <p:sldId id="281" r:id="rId22"/>
+    <p:sldId id="282" r:id="rId23"/>
+    <p:sldId id="283" r:id="rId24"/>
+    <p:sldId id="284" r:id="rId25"/>
+    <p:sldId id="267" r:id="rId26"/>
+    <p:sldId id="268" r:id="rId27"/>
   </p:sldIdLst>
   <p:sldSz cx="12192000" cy="6858000"/>
   <p:notesSz cx="6858000" cy="9144000"/>
@@ -140,21 +139,20 @@
             <p14:sldId id="258"/>
             <p14:sldId id="286"/>
             <p14:sldId id="285"/>
+            <p14:sldId id="287"/>
             <p14:sldId id="259"/>
-            <p14:sldId id="271"/>
+            <p14:sldId id="288"/>
             <p14:sldId id="274"/>
-            <p14:sldId id="275"/>
-            <p14:sldId id="273"/>
-            <p14:sldId id="261"/>
+            <p14:sldId id="289"/>
             <p14:sldId id="276"/>
             <p14:sldId id="262"/>
-            <p14:sldId id="277"/>
             <p14:sldId id="263"/>
             <p14:sldId id="264"/>
             <p14:sldId id="278"/>
             <p14:sldId id="279"/>
             <p14:sldId id="265"/>
             <p14:sldId id="280"/>
+            <p14:sldId id="290"/>
             <p14:sldId id="266"/>
             <p14:sldId id="281"/>
             <p14:sldId id="282"/>
@@ -411,7 +409,7 @@
           <a:p>
             <a:fld id="{733945E4-D158-4B9F-A4A8-6C5D2482C5ED}" type="datetimeFigureOut">
               <a:rPr lang="es-ES" smtClean="0"/>
-              <a:t>26/06/2022</a:t>
+              <a:t>28/06/2022</a:t>
             </a:fld>
             <a:endParaRPr lang="es-ES"/>
           </a:p>
@@ -619,7 +617,7 @@
           <a:p>
             <a:fld id="{733945E4-D158-4B9F-A4A8-6C5D2482C5ED}" type="datetimeFigureOut">
               <a:rPr lang="es-ES" smtClean="0"/>
-              <a:t>26/06/2022</a:t>
+              <a:t>28/06/2022</a:t>
             </a:fld>
             <a:endParaRPr lang="es-ES"/>
           </a:p>
@@ -875,7 +873,7 @@
           <a:p>
             <a:fld id="{733945E4-D158-4B9F-A4A8-6C5D2482C5ED}" type="datetimeFigureOut">
               <a:rPr lang="es-ES" smtClean="0"/>
-              <a:t>26/06/2022</a:t>
+              <a:t>28/06/2022</a:t>
             </a:fld>
             <a:endParaRPr lang="es-ES"/>
           </a:p>
@@ -1049,7 +1047,7 @@
           <a:p>
             <a:fld id="{733945E4-D158-4B9F-A4A8-6C5D2482C5ED}" type="datetimeFigureOut">
               <a:rPr lang="es-ES" smtClean="0"/>
-              <a:t>26/06/2022</a:t>
+              <a:t>28/06/2022</a:t>
             </a:fld>
             <a:endParaRPr lang="es-ES"/>
           </a:p>
@@ -1392,7 +1390,7 @@
           <a:p>
             <a:fld id="{733945E4-D158-4B9F-A4A8-6C5D2482C5ED}" type="datetimeFigureOut">
               <a:rPr lang="es-ES" smtClean="0"/>
-              <a:t>26/06/2022</a:t>
+              <a:t>28/06/2022</a:t>
             </a:fld>
             <a:endParaRPr lang="es-ES"/>
           </a:p>
@@ -1667,7 +1665,7 @@
           <a:p>
             <a:fld id="{733945E4-D158-4B9F-A4A8-6C5D2482C5ED}" type="datetimeFigureOut">
               <a:rPr lang="es-ES" smtClean="0"/>
-              <a:t>26/06/2022</a:t>
+              <a:t>28/06/2022</a:t>
             </a:fld>
             <a:endParaRPr lang="es-ES"/>
           </a:p>
@@ -2046,7 +2044,7 @@
           <a:p>
             <a:fld id="{733945E4-D158-4B9F-A4A8-6C5D2482C5ED}" type="datetimeFigureOut">
               <a:rPr lang="es-ES" smtClean="0"/>
-              <a:t>26/06/2022</a:t>
+              <a:t>28/06/2022</a:t>
             </a:fld>
             <a:endParaRPr lang="es-ES"/>
           </a:p>
@@ -2164,7 +2162,7 @@
           <a:p>
             <a:fld id="{733945E4-D158-4B9F-A4A8-6C5D2482C5ED}" type="datetimeFigureOut">
               <a:rPr lang="es-ES" smtClean="0"/>
-              <a:t>26/06/2022</a:t>
+              <a:t>28/06/2022</a:t>
             </a:fld>
             <a:endParaRPr lang="es-ES"/>
           </a:p>
@@ -2335,7 +2333,7 @@
           <a:p>
             <a:fld id="{733945E4-D158-4B9F-A4A8-6C5D2482C5ED}" type="datetimeFigureOut">
               <a:rPr lang="es-ES" smtClean="0"/>
-              <a:t>26/06/2022</a:t>
+              <a:t>28/06/2022</a:t>
             </a:fld>
             <a:endParaRPr lang="es-ES"/>
           </a:p>
@@ -2689,7 +2687,7 @@
           <a:p>
             <a:fld id="{733945E4-D158-4B9F-A4A8-6C5D2482C5ED}" type="datetimeFigureOut">
               <a:rPr lang="es-ES" smtClean="0"/>
-              <a:t>26/06/2022</a:t>
+              <a:t>28/06/2022</a:t>
             </a:fld>
             <a:endParaRPr lang="es-ES"/>
           </a:p>
@@ -3071,7 +3069,7 @@
           <a:p>
             <a:fld id="{733945E4-D158-4B9F-A4A8-6C5D2482C5ED}" type="datetimeFigureOut">
               <a:rPr lang="es-ES" smtClean="0"/>
-              <a:t>26/06/2022</a:t>
+              <a:t>28/06/2022</a:t>
             </a:fld>
             <a:endParaRPr lang="es-ES"/>
           </a:p>
@@ -3358,7 +3356,7 @@
           <a:p>
             <a:fld id="{733945E4-D158-4B9F-A4A8-6C5D2482C5ED}" type="datetimeFigureOut">
               <a:rPr lang="es-ES" smtClean="0"/>
-              <a:t>26/06/2022</a:t>
+              <a:t>28/06/2022</a:t>
             </a:fld>
             <a:endParaRPr lang="es-ES"/>
           </a:p>
@@ -4042,17 +4040,52 @@
         </p:blipFill>
         <p:spPr>
           <a:xfrm>
-            <a:off x="1341582" y="1973118"/>
-            <a:ext cx="2962563" cy="1948708"/>
+            <a:off x="1289628" y="3028888"/>
+            <a:ext cx="4215245" cy="2772694"/>
           </a:xfrm>
         </p:spPr>
       </p:pic>
+      <p:sp>
+        <p:nvSpPr>
+          <p:cNvPr id="3" name="CuadroTexto 2">
+            <a:extLst>
+              <a:ext uri="{FF2B5EF4-FFF2-40B4-BE49-F238E27FC236}">
+                <a16:creationId xmlns:a16="http://schemas.microsoft.com/office/drawing/2014/main" id="{D32FD2E6-BD13-C9AE-8ACA-186A5C31DCE4}"/>
+              </a:ext>
+            </a:extLst>
+          </p:cNvPr>
+          <p:cNvSpPr txBox="1"/>
+          <p:nvPr/>
+        </p:nvSpPr>
+        <p:spPr>
+          <a:xfrm>
+            <a:off x="1289628" y="2029181"/>
+            <a:ext cx="5360554" cy="707886"/>
+          </a:xfrm>
+          <a:prstGeom prst="rect">
+            <a:avLst/>
+          </a:prstGeom>
+          <a:noFill/>
+        </p:spPr>
+        <p:txBody>
+          <a:bodyPr wrap="square" rtlCol="0">
+            <a:spAutoFit/>
+          </a:bodyPr>
+          <a:lstStyle/>
+          <a:p>
+            <a:r>
+              <a:rPr lang="es-ES" sz="2000" dirty="0"/>
+              <a:t>Ecuaciones rotacionales de Maxwell para el campo electromagnético:</a:t>
+            </a:r>
+          </a:p>
+        </p:txBody>
+      </p:sp>
       <p:pic>
         <p:nvPicPr>
-          <p:cNvPr id="7" name="Imagen 6">
-            <a:extLst>
-              <a:ext uri="{FF2B5EF4-FFF2-40B4-BE49-F238E27FC236}">
-                <a16:creationId xmlns:a16="http://schemas.microsoft.com/office/drawing/2014/main" id="{3400FA7C-DF5D-E96A-E8E6-F73277B4B472}"/>
+          <p:cNvPr id="6" name="Imagen 5">
+            <a:extLst>
+              <a:ext uri="{FF2B5EF4-FFF2-40B4-BE49-F238E27FC236}">
+                <a16:creationId xmlns:a16="http://schemas.microsoft.com/office/drawing/2014/main" id="{115E08D9-6CEA-551B-C5F5-2C5492D19CCD}"/>
               </a:ext>
             </a:extLst>
           </p:cNvPr>
@@ -4075,56 +4108,20 @@
         </p:blipFill>
         <p:spPr>
           <a:xfrm>
-            <a:off x="1692564" y="4367299"/>
-            <a:ext cx="2143126" cy="1506683"/>
+            <a:off x="6465455" y="2795870"/>
+            <a:ext cx="4680355" cy="3309783"/>
           </a:xfrm>
           <a:prstGeom prst="rect">
             <a:avLst/>
           </a:prstGeom>
         </p:spPr>
       </p:pic>
-      <p:pic>
-        <p:nvPicPr>
-          <p:cNvPr id="9" name="Imagen 8">
-            <a:extLst>
-              <a:ext uri="{FF2B5EF4-FFF2-40B4-BE49-F238E27FC236}">
-                <a16:creationId xmlns:a16="http://schemas.microsoft.com/office/drawing/2014/main" id="{0D6EE661-A9AC-6B13-CC5C-F0349EDD29FC}"/>
-              </a:ext>
-            </a:extLst>
-          </p:cNvPr>
-          <p:cNvPicPr>
-            <a:picLocks noChangeAspect="1"/>
-          </p:cNvPicPr>
-          <p:nvPr/>
-        </p:nvPicPr>
-        <p:blipFill>
-          <a:blip r:embed="rId4">
-            <a:extLst>
-              <a:ext uri="{28A0092B-C50C-407E-A947-70E740481C1C}">
-                <a14:useLocalDpi xmlns:a14="http://schemas.microsoft.com/office/drawing/2010/main" val="0"/>
-              </a:ext>
-            </a:extLst>
-          </a:blip>
-          <a:stretch>
-            <a:fillRect/>
-          </a:stretch>
-        </p:blipFill>
-        <p:spPr>
-          <a:xfrm>
-            <a:off x="6504421" y="3054140"/>
-            <a:ext cx="3703782" cy="2626318"/>
-          </a:xfrm>
-          <a:prstGeom prst="rect">
-            <a:avLst/>
-          </a:prstGeom>
-        </p:spPr>
-      </p:pic>
-      <p:sp>
-        <p:nvSpPr>
-          <p:cNvPr id="3" name="CuadroTexto 2">
-            <a:extLst>
-              <a:ext uri="{FF2B5EF4-FFF2-40B4-BE49-F238E27FC236}">
-                <a16:creationId xmlns:a16="http://schemas.microsoft.com/office/drawing/2014/main" id="{BD13EBF7-D0C4-B0FF-A412-75897C579A62}"/>
+      <p:sp>
+        <p:nvSpPr>
+          <p:cNvPr id="7" name="CuadroTexto 6">
+            <a:extLst>
+              <a:ext uri="{FF2B5EF4-FFF2-40B4-BE49-F238E27FC236}">
+                <a16:creationId xmlns:a16="http://schemas.microsoft.com/office/drawing/2014/main" id="{44EC1E49-47C3-94B9-F31B-23046AE736F5}"/>
               </a:ext>
             </a:extLst>
           </p:cNvPr>
@@ -4133,8 +4130,8 @@
         </p:nvSpPr>
         <p:spPr>
           <a:xfrm>
-            <a:off x="6461979" y="2155665"/>
-            <a:ext cx="3788666" cy="646331"/>
+            <a:off x="7333673" y="2066560"/>
+            <a:ext cx="4252190" cy="400110"/>
           </a:xfrm>
           <a:prstGeom prst="rect">
             <a:avLst/>
@@ -4142,20 +4139,22 @@
           <a:noFill/>
         </p:spPr>
         <p:txBody>
-          <a:bodyPr wrap="none" rtlCol="0">
+          <a:bodyPr wrap="square">
             <a:spAutoFit/>
           </a:bodyPr>
           <a:lstStyle/>
           <a:p>
             <a:r>
               <a:rPr lang="es-ES" dirty="0"/>
-              <a:t>Ecuaciones de Maxwell para el campo </a:t>
-            </a:r>
-          </a:p>
-          <a:p>
+              <a:t>Modo </a:t>
+            </a:r>
+            <a:r>
+              <a:rPr lang="es-ES" sz="2000" dirty="0"/>
+              <a:t>transversal</a:t>
+            </a:r>
             <a:r>
               <a:rPr lang="es-ES" dirty="0"/>
-              <a:t>electromagnético normalizadas</a:t>
+              <a:t> magnético</a:t>
             </a:r>
           </a:p>
         </p:txBody>
@@ -4163,7 +4162,7 @@
     </p:spTree>
     <p:extLst>
       <p:ext uri="{BB962C8B-B14F-4D97-AF65-F5344CB8AC3E}">
-        <p14:creationId xmlns:p14="http://schemas.microsoft.com/office/powerpoint/2010/main" val="137318499"/>
+        <p14:creationId xmlns:p14="http://schemas.microsoft.com/office/powerpoint/2010/main" val="3850569127"/>
       </p:ext>
     </p:extLst>
   </p:cSld>
@@ -4236,8 +4235,8 @@
         </p:nvSpPr>
         <p:spPr>
           <a:xfrm>
-            <a:off x="1255076" y="2083333"/>
-            <a:ext cx="3663695" cy="613563"/>
+            <a:off x="1289429" y="2036241"/>
+            <a:ext cx="3646516" cy="416113"/>
           </a:xfrm>
         </p:spPr>
         <p:txBody>
@@ -4250,9 +4249,6 @@
               <a:rPr lang="es-ES" dirty="0"/>
               <a:t>Modo transversal magnético</a:t>
             </a:r>
-          </a:p>
-          <a:p>
-            <a:endParaRPr lang="es-ES" dirty="0"/>
           </a:p>
         </p:txBody>
       </p:sp>
@@ -4284,7 +4280,7 @@
         </p:blipFill>
         <p:spPr>
           <a:xfrm>
-            <a:off x="907645" y="2696896"/>
+            <a:off x="852227" y="2639319"/>
             <a:ext cx="3664354" cy="2591303"/>
           </a:xfrm>
           <a:prstGeom prst="rect">
@@ -4294,10 +4290,10 @@
       </p:pic>
       <p:pic>
         <p:nvPicPr>
-          <p:cNvPr id="8" name="Imagen 7">
-            <a:extLst>
-              <a:ext uri="{FF2B5EF4-FFF2-40B4-BE49-F238E27FC236}">
-                <a16:creationId xmlns:a16="http://schemas.microsoft.com/office/drawing/2014/main" id="{B901AE19-8403-A0BB-8AE5-E8878FE83FC9}"/>
+          <p:cNvPr id="7" name="Imagen 6">
+            <a:extLst>
+              <a:ext uri="{FF2B5EF4-FFF2-40B4-BE49-F238E27FC236}">
+                <a16:creationId xmlns:a16="http://schemas.microsoft.com/office/drawing/2014/main" id="{E5A4D28C-9CFC-E90A-182E-8CABEFE792AA}"/>
               </a:ext>
             </a:extLst>
           </p:cNvPr>
@@ -4320,8 +4316,8 @@
         </p:blipFill>
         <p:spPr>
           <a:xfrm>
-            <a:off x="6591985" y="2798638"/>
-            <a:ext cx="3290924" cy="613562"/>
+            <a:off x="5355308" y="2639319"/>
+            <a:ext cx="5289233" cy="3036020"/>
           </a:xfrm>
           <a:prstGeom prst="rect">
             <a:avLst/>
@@ -4333,7 +4329,7 @@
           <p:cNvPr id="4" name="CuadroTexto 3">
             <a:extLst>
               <a:ext uri="{FF2B5EF4-FFF2-40B4-BE49-F238E27FC236}">
-                <a16:creationId xmlns:a16="http://schemas.microsoft.com/office/drawing/2014/main" id="{F3A53478-53CF-AC7F-240E-B5BDA6D24BD8}"/>
+                <a16:creationId xmlns:a16="http://schemas.microsoft.com/office/drawing/2014/main" id="{FC814BFB-B1E5-26A9-7EC6-99CA6D43AC80}"/>
               </a:ext>
             </a:extLst>
           </p:cNvPr>
@@ -4342,8 +4338,8 @@
         </p:nvSpPr>
         <p:spPr>
           <a:xfrm>
-            <a:off x="6511636" y="2083333"/>
-            <a:ext cx="3663695" cy="369332"/>
+            <a:off x="5855858" y="2036241"/>
+            <a:ext cx="4765535" cy="646331"/>
           </a:xfrm>
           <a:prstGeom prst="rect">
             <a:avLst/>
@@ -4358,7 +4354,13 @@
           <a:p>
             <a:r>
               <a:rPr lang="es-ES" dirty="0"/>
-              <a:t>Método de la diferencia central finita</a:t>
+              <a:t>Modo transversal magnético al aplicar el método</a:t>
+            </a:r>
+          </a:p>
+          <a:p>
+            <a:r>
+              <a:rPr lang="es-ES" dirty="0"/>
+              <a:t> de la diferencia central finita</a:t>
             </a:r>
           </a:p>
         </p:txBody>
@@ -4366,7 +4368,7 @@
     </p:spTree>
     <p:extLst>
       <p:ext uri="{BB962C8B-B14F-4D97-AF65-F5344CB8AC3E}">
-        <p14:creationId xmlns:p14="http://schemas.microsoft.com/office/powerpoint/2010/main" val="2215343986"/>
+        <p14:creationId xmlns:p14="http://schemas.microsoft.com/office/powerpoint/2010/main" val="4193368062"/>
       </p:ext>
     </p:extLst>
   </p:cSld>
@@ -4398,7 +4400,7 @@
           <p:cNvPr id="2" name="Título 1">
             <a:extLst>
               <a:ext uri="{FF2B5EF4-FFF2-40B4-BE49-F238E27FC236}">
-                <a16:creationId xmlns:a16="http://schemas.microsoft.com/office/drawing/2014/main" id="{088C8544-1787-CA9B-1CEB-98AB49542484}"/>
+                <a16:creationId xmlns:a16="http://schemas.microsoft.com/office/drawing/2014/main" id="{19B35C62-E1A1-3267-E548-3971B9D2D9CA}"/>
               </a:ext>
             </a:extLst>
           </p:cNvPr>
@@ -4421,54 +4423,21 @@
           </a:p>
         </p:txBody>
       </p:sp>
-      <p:sp>
-        <p:nvSpPr>
-          <p:cNvPr id="3" name="Marcador de contenido 2">
-            <a:extLst>
-              <a:ext uri="{FF2B5EF4-FFF2-40B4-BE49-F238E27FC236}">
-                <a16:creationId xmlns:a16="http://schemas.microsoft.com/office/drawing/2014/main" id="{BDA16B5B-9EBB-4DB8-F5C0-24EA4213EF56}"/>
-              </a:ext>
-            </a:extLst>
-          </p:cNvPr>
-          <p:cNvSpPr>
-            <a:spLocks noGrp="1"/>
-          </p:cNvSpPr>
-          <p:nvPr>
-            <p:ph idx="1"/>
-          </p:nvPr>
-        </p:nvSpPr>
-        <p:spPr>
-          <a:xfrm>
-            <a:off x="1289429" y="2036241"/>
-            <a:ext cx="3646516" cy="416113"/>
-          </a:xfrm>
-        </p:spPr>
-        <p:txBody>
-          <a:bodyPr>
-            <a:normAutofit/>
-          </a:bodyPr>
-          <a:lstStyle/>
-          <a:p>
-            <a:r>
-              <a:rPr lang="es-ES" dirty="0"/>
-              <a:t>Modo transversal magnético</a:t>
-            </a:r>
-          </a:p>
-        </p:txBody>
-      </p:sp>
       <p:pic>
         <p:nvPicPr>
-          <p:cNvPr id="5" name="Imagen 4">
-            <a:extLst>
-              <a:ext uri="{FF2B5EF4-FFF2-40B4-BE49-F238E27FC236}">
-                <a16:creationId xmlns:a16="http://schemas.microsoft.com/office/drawing/2014/main" id="{48274402-67C8-8944-038B-B2E315663BA3}"/>
+          <p:cNvPr id="4" name="Marcador de contenido 3">
+            <a:extLst>
+              <a:ext uri="{FF2B5EF4-FFF2-40B4-BE49-F238E27FC236}">
+                <a16:creationId xmlns:a16="http://schemas.microsoft.com/office/drawing/2014/main" id="{3024CD9F-0692-5821-162D-2EDD7115358F}"/>
               </a:ext>
             </a:extLst>
           </p:cNvPr>
           <p:cNvPicPr>
-            <a:picLocks noChangeAspect="1"/>
+            <a:picLocks noGrp="1" noChangeAspect="1"/>
           </p:cNvPicPr>
-          <p:nvPr/>
+          <p:nvPr>
+            <p:ph idx="1"/>
+          </p:nvPr>
         </p:nvPicPr>
         <p:blipFill>
           <a:blip r:embed="rId2">
@@ -4484,8 +4453,8 @@
         </p:blipFill>
         <p:spPr>
           <a:xfrm>
-            <a:off x="852227" y="2639319"/>
-            <a:ext cx="3664354" cy="2591303"/>
+            <a:off x="902277" y="2645496"/>
+            <a:ext cx="4762500" cy="2733675"/>
           </a:xfrm>
           <a:prstGeom prst="rect">
             <a:avLst/>
@@ -4494,10 +4463,10 @@
       </p:pic>
       <p:pic>
         <p:nvPicPr>
-          <p:cNvPr id="7" name="Imagen 6">
-            <a:extLst>
-              <a:ext uri="{FF2B5EF4-FFF2-40B4-BE49-F238E27FC236}">
-                <a16:creationId xmlns:a16="http://schemas.microsoft.com/office/drawing/2014/main" id="{E5A4D28C-9CFC-E90A-182E-8CABEFE792AA}"/>
+          <p:cNvPr id="6" name="Imagen 5">
+            <a:extLst>
+              <a:ext uri="{FF2B5EF4-FFF2-40B4-BE49-F238E27FC236}">
+                <a16:creationId xmlns:a16="http://schemas.microsoft.com/office/drawing/2014/main" id="{48AD936C-F111-5C6F-D94F-9E59788F7191}"/>
               </a:ext>
             </a:extLst>
           </p:cNvPr>
@@ -4520,8 +4489,8 @@
         </p:blipFill>
         <p:spPr>
           <a:xfrm>
-            <a:off x="5355308" y="2639319"/>
-            <a:ext cx="5289233" cy="3036020"/>
+            <a:off x="6225309" y="2649392"/>
+            <a:ext cx="4273261" cy="2929089"/>
           </a:xfrm>
           <a:prstGeom prst="rect">
             <a:avLst/>
@@ -4530,10 +4499,10 @@
       </p:pic>
       <p:sp>
         <p:nvSpPr>
-          <p:cNvPr id="4" name="CuadroTexto 3">
-            <a:extLst>
-              <a:ext uri="{FF2B5EF4-FFF2-40B4-BE49-F238E27FC236}">
-                <a16:creationId xmlns:a16="http://schemas.microsoft.com/office/drawing/2014/main" id="{FC814BFB-B1E5-26A9-7EC6-99CA6D43AC80}"/>
+          <p:cNvPr id="7" name="CuadroTexto 6">
+            <a:extLst>
+              <a:ext uri="{FF2B5EF4-FFF2-40B4-BE49-F238E27FC236}">
+                <a16:creationId xmlns:a16="http://schemas.microsoft.com/office/drawing/2014/main" id="{652F3191-1B8F-AB35-B072-3D23DF81807A}"/>
               </a:ext>
             </a:extLst>
           </p:cNvPr>
@@ -4542,8 +4511,8 @@
         </p:nvSpPr>
         <p:spPr>
           <a:xfrm>
-            <a:off x="5855858" y="2036241"/>
-            <a:ext cx="4765535" cy="646331"/>
+            <a:off x="1662545" y="2099126"/>
+            <a:ext cx="3241964" cy="369332"/>
           </a:xfrm>
           <a:prstGeom prst="rect">
             <a:avLst/>
@@ -4551,6 +4520,41 @@
           <a:noFill/>
         </p:spPr>
         <p:txBody>
+          <a:bodyPr wrap="square">
+            <a:spAutoFit/>
+          </a:bodyPr>
+          <a:lstStyle/>
+          <a:p>
+            <a:r>
+              <a:rPr lang="es-ES" dirty="0"/>
+              <a:t>Modo transversal magnético</a:t>
+            </a:r>
+          </a:p>
+        </p:txBody>
+      </p:sp>
+      <p:sp>
+        <p:nvSpPr>
+          <p:cNvPr id="5" name="CuadroTexto 4">
+            <a:extLst>
+              <a:ext uri="{FF2B5EF4-FFF2-40B4-BE49-F238E27FC236}">
+                <a16:creationId xmlns:a16="http://schemas.microsoft.com/office/drawing/2014/main" id="{0EDAE0E5-EB04-5F62-FE3E-CAF696266619}"/>
+              </a:ext>
+            </a:extLst>
+          </p:cNvPr>
+          <p:cNvSpPr txBox="1"/>
+          <p:nvPr/>
+        </p:nvSpPr>
+        <p:spPr>
+          <a:xfrm>
+            <a:off x="6825672" y="2099126"/>
+            <a:ext cx="3406382" cy="369332"/>
+          </a:xfrm>
+          <a:prstGeom prst="rect">
+            <a:avLst/>
+          </a:prstGeom>
+          <a:noFill/>
+        </p:spPr>
+        <p:txBody>
           <a:bodyPr wrap="none" rtlCol="0">
             <a:spAutoFit/>
           </a:bodyPr>
@@ -4558,13 +4562,7 @@
           <a:p>
             <a:r>
               <a:rPr lang="es-ES" dirty="0"/>
-              <a:t>Modo transversal magnético al aplicar el método</a:t>
-            </a:r>
-          </a:p>
-          <a:p>
-            <a:r>
-              <a:rPr lang="es-ES" dirty="0"/>
-              <a:t> de la diferencia central finita</a:t>
+              <a:t>Campos intercalados en el espacio</a:t>
             </a:r>
           </a:p>
         </p:txBody>
@@ -4572,7 +4570,7 @@
     </p:spTree>
     <p:extLst>
       <p:ext uri="{BB962C8B-B14F-4D97-AF65-F5344CB8AC3E}">
-        <p14:creationId xmlns:p14="http://schemas.microsoft.com/office/powerpoint/2010/main" val="4193368062"/>
+        <p14:creationId xmlns:p14="http://schemas.microsoft.com/office/powerpoint/2010/main" val="1227228958"/>
       </p:ext>
     </p:extLst>
   </p:cSld>
@@ -4604,7 +4602,7 @@
           <p:cNvPr id="2" name="Título 1">
             <a:extLst>
               <a:ext uri="{FF2B5EF4-FFF2-40B4-BE49-F238E27FC236}">
-                <a16:creationId xmlns:a16="http://schemas.microsoft.com/office/drawing/2014/main" id="{19B35C62-E1A1-3267-E548-3971B9D2D9CA}"/>
+                <a16:creationId xmlns:a16="http://schemas.microsoft.com/office/drawing/2014/main" id="{CB15EEC0-2F32-9869-0402-4C55FBABA7AE}"/>
               </a:ext>
             </a:extLst>
           </p:cNvPr>
@@ -4622,17 +4620,17 @@
           <a:p>
             <a:r>
               <a:rPr lang="es-ES" dirty="0"/>
-              <a:t>MÉTODO DE LAS DIFERENCIAS FINITAS EN EL DOMINIO DEL TIEMPO</a:t>
+              <a:t>GPU</a:t>
             </a:r>
           </a:p>
         </p:txBody>
       </p:sp>
       <p:pic>
         <p:nvPicPr>
-          <p:cNvPr id="4" name="Marcador de contenido 3">
-            <a:extLst>
-              <a:ext uri="{FF2B5EF4-FFF2-40B4-BE49-F238E27FC236}">
-                <a16:creationId xmlns:a16="http://schemas.microsoft.com/office/drawing/2014/main" id="{3024CD9F-0692-5821-162D-2EDD7115358F}"/>
+          <p:cNvPr id="5" name="Marcador de contenido 4">
+            <a:extLst>
+              <a:ext uri="{FF2B5EF4-FFF2-40B4-BE49-F238E27FC236}">
+                <a16:creationId xmlns:a16="http://schemas.microsoft.com/office/drawing/2014/main" id="{C46A613E-8E42-9DA4-1F4E-E4682D3B3B7D}"/>
               </a:ext>
             </a:extLst>
           </p:cNvPr>
@@ -4657,56 +4655,17 @@
         </p:blipFill>
         <p:spPr>
           <a:xfrm>
-            <a:off x="902277" y="2645496"/>
-            <a:ext cx="4762500" cy="2733675"/>
-          </a:xfrm>
-          <a:prstGeom prst="rect">
-            <a:avLst/>
-          </a:prstGeom>
+            <a:off x="2851439" y="2582718"/>
+            <a:ext cx="6124575" cy="3067050"/>
+          </a:xfrm>
         </p:spPr>
       </p:pic>
-      <p:pic>
-        <p:nvPicPr>
-          <p:cNvPr id="6" name="Imagen 5">
-            <a:extLst>
-              <a:ext uri="{FF2B5EF4-FFF2-40B4-BE49-F238E27FC236}">
-                <a16:creationId xmlns:a16="http://schemas.microsoft.com/office/drawing/2014/main" id="{48AD936C-F111-5C6F-D94F-9E59788F7191}"/>
-              </a:ext>
-            </a:extLst>
-          </p:cNvPr>
-          <p:cNvPicPr>
-            <a:picLocks noChangeAspect="1"/>
-          </p:cNvPicPr>
-          <p:nvPr/>
-        </p:nvPicPr>
-        <p:blipFill>
-          <a:blip r:embed="rId3">
-            <a:extLst>
-              <a:ext uri="{28A0092B-C50C-407E-A947-70E740481C1C}">
-                <a14:useLocalDpi xmlns:a14="http://schemas.microsoft.com/office/drawing/2010/main" val="0"/>
-              </a:ext>
-            </a:extLst>
-          </a:blip>
-          <a:stretch>
-            <a:fillRect/>
-          </a:stretch>
-        </p:blipFill>
-        <p:spPr>
-          <a:xfrm>
-            <a:off x="6225309" y="2649392"/>
-            <a:ext cx="4273261" cy="2929089"/>
-          </a:xfrm>
-          <a:prstGeom prst="rect">
-            <a:avLst/>
-          </a:prstGeom>
-        </p:spPr>
-      </p:pic>
-      <p:sp>
-        <p:nvSpPr>
-          <p:cNvPr id="7" name="CuadroTexto 6">
-            <a:extLst>
-              <a:ext uri="{FF2B5EF4-FFF2-40B4-BE49-F238E27FC236}">
-                <a16:creationId xmlns:a16="http://schemas.microsoft.com/office/drawing/2014/main" id="{652F3191-1B8F-AB35-B072-3D23DF81807A}"/>
+      <p:sp>
+        <p:nvSpPr>
+          <p:cNvPr id="6" name="CuadroTexto 5">
+            <a:extLst>
+              <a:ext uri="{FF2B5EF4-FFF2-40B4-BE49-F238E27FC236}">
+                <a16:creationId xmlns:a16="http://schemas.microsoft.com/office/drawing/2014/main" id="{700CF258-4B8A-6FD4-284B-E8077BBA2532}"/>
               </a:ext>
             </a:extLst>
           </p:cNvPr>
@@ -4715,8 +4674,8 @@
         </p:nvSpPr>
         <p:spPr>
           <a:xfrm>
-            <a:off x="1662545" y="2099126"/>
-            <a:ext cx="3241964" cy="369332"/>
+            <a:off x="1508881" y="1975373"/>
+            <a:ext cx="3294028" cy="400110"/>
           </a:xfrm>
           <a:prstGeom prst="rect">
             <a:avLst/>
@@ -4724,49 +4683,14 @@
           <a:noFill/>
         </p:spPr>
         <p:txBody>
-          <a:bodyPr wrap="square">
+          <a:bodyPr wrap="square" rtlCol="0">
             <a:spAutoFit/>
           </a:bodyPr>
           <a:lstStyle/>
           <a:p>
             <a:r>
-              <a:rPr lang="es-ES" dirty="0"/>
-              <a:t>Modo transversal magnético</a:t>
-            </a:r>
-          </a:p>
-        </p:txBody>
-      </p:sp>
-      <p:sp>
-        <p:nvSpPr>
-          <p:cNvPr id="5" name="CuadroTexto 4">
-            <a:extLst>
-              <a:ext uri="{FF2B5EF4-FFF2-40B4-BE49-F238E27FC236}">
-                <a16:creationId xmlns:a16="http://schemas.microsoft.com/office/drawing/2014/main" id="{0EDAE0E5-EB04-5F62-FE3E-CAF696266619}"/>
-              </a:ext>
-            </a:extLst>
-          </p:cNvPr>
-          <p:cNvSpPr txBox="1"/>
-          <p:nvPr/>
-        </p:nvSpPr>
-        <p:spPr>
-          <a:xfrm>
-            <a:off x="6825672" y="2099126"/>
-            <a:ext cx="3406382" cy="369332"/>
-          </a:xfrm>
-          <a:prstGeom prst="rect">
-            <a:avLst/>
-          </a:prstGeom>
-          <a:noFill/>
-        </p:spPr>
-        <p:txBody>
-          <a:bodyPr wrap="none" rtlCol="0">
-            <a:spAutoFit/>
-          </a:bodyPr>
-          <a:lstStyle/>
-          <a:p>
-            <a:r>
-              <a:rPr lang="es-ES" dirty="0"/>
-              <a:t>Campos intercalados en el espacio</a:t>
+              <a:rPr lang="es-ES" sz="2000" dirty="0"/>
+              <a:t>Diferencias GPU-CPU</a:t>
             </a:r>
           </a:p>
         </p:txBody>
@@ -4774,7 +4698,7 @@
     </p:spTree>
     <p:extLst>
       <p:ext uri="{BB962C8B-B14F-4D97-AF65-F5344CB8AC3E}">
-        <p14:creationId xmlns:p14="http://schemas.microsoft.com/office/powerpoint/2010/main" val="1227228958"/>
+        <p14:creationId xmlns:p14="http://schemas.microsoft.com/office/powerpoint/2010/main" val="254445952"/>
       </p:ext>
     </p:extLst>
   </p:cSld>
@@ -4806,7 +4730,7 @@
           <p:cNvPr id="2" name="Título 1">
             <a:extLst>
               <a:ext uri="{FF2B5EF4-FFF2-40B4-BE49-F238E27FC236}">
-                <a16:creationId xmlns:a16="http://schemas.microsoft.com/office/drawing/2014/main" id="{19B35C62-E1A1-3267-E548-3971B9D2D9CA}"/>
+                <a16:creationId xmlns:a16="http://schemas.microsoft.com/office/drawing/2014/main" id="{D5D26131-75A9-E62C-0F0F-BEAD5153D68D}"/>
               </a:ext>
             </a:extLst>
           </p:cNvPr>
@@ -4824,17 +4748,17 @@
           <a:p>
             <a:r>
               <a:rPr lang="es-ES" dirty="0"/>
-              <a:t>MÉTODO DE LAS DIFERENCIAS FINITAS EN EL DOMINIO DEL TIEMPO</a:t>
+              <a:t>GPU</a:t>
             </a:r>
           </a:p>
         </p:txBody>
       </p:sp>
       <p:pic>
         <p:nvPicPr>
-          <p:cNvPr id="4" name="Marcador de contenido 3">
-            <a:extLst>
-              <a:ext uri="{FF2B5EF4-FFF2-40B4-BE49-F238E27FC236}">
-                <a16:creationId xmlns:a16="http://schemas.microsoft.com/office/drawing/2014/main" id="{3024CD9F-0692-5821-162D-2EDD7115358F}"/>
+          <p:cNvPr id="5" name="Marcador de contenido 4">
+            <a:extLst>
+              <a:ext uri="{FF2B5EF4-FFF2-40B4-BE49-F238E27FC236}">
+                <a16:creationId xmlns:a16="http://schemas.microsoft.com/office/drawing/2014/main" id="{8601063A-95FC-C887-FA4F-7F7D1B866887}"/>
               </a:ext>
             </a:extLst>
           </p:cNvPr>
@@ -4859,20 +4783,17 @@
         </p:blipFill>
         <p:spPr>
           <a:xfrm>
-            <a:off x="902277" y="2645496"/>
-            <a:ext cx="4762500" cy="2733675"/>
-          </a:xfrm>
-          <a:prstGeom prst="rect">
-            <a:avLst/>
-          </a:prstGeom>
+            <a:off x="1521547" y="2311689"/>
+            <a:ext cx="4315834" cy="3653237"/>
+          </a:xfrm>
         </p:spPr>
       </p:pic>
       <p:sp>
         <p:nvSpPr>
-          <p:cNvPr id="7" name="CuadroTexto 6">
-            <a:extLst>
-              <a:ext uri="{FF2B5EF4-FFF2-40B4-BE49-F238E27FC236}">
-                <a16:creationId xmlns:a16="http://schemas.microsoft.com/office/drawing/2014/main" id="{652F3191-1B8F-AB35-B072-3D23DF81807A}"/>
+          <p:cNvPr id="6" name="CuadroTexto 5">
+            <a:extLst>
+              <a:ext uri="{FF2B5EF4-FFF2-40B4-BE49-F238E27FC236}">
+                <a16:creationId xmlns:a16="http://schemas.microsoft.com/office/drawing/2014/main" id="{9C3F0DBE-8BB0-7B07-18E3-E667F1E3BA7F}"/>
               </a:ext>
             </a:extLst>
           </p:cNvPr>
@@ -4881,8 +4802,8 @@
         </p:nvSpPr>
         <p:spPr>
           <a:xfrm>
-            <a:off x="1662545" y="2099126"/>
-            <a:ext cx="3241964" cy="369332"/>
+            <a:off x="1348509" y="1942357"/>
+            <a:ext cx="1976582" cy="400110"/>
           </a:xfrm>
           <a:prstGeom prst="rect">
             <a:avLst/>
@@ -4890,93 +4811,22 @@
           <a:noFill/>
         </p:spPr>
         <p:txBody>
-          <a:bodyPr wrap="square">
+          <a:bodyPr wrap="square" rtlCol="0">
             <a:spAutoFit/>
           </a:bodyPr>
           <a:lstStyle/>
           <a:p>
             <a:r>
-              <a:rPr lang="es-ES" dirty="0"/>
-              <a:t>Modo transversal magnético</a:t>
-            </a:r>
-          </a:p>
-        </p:txBody>
-      </p:sp>
-      <p:sp>
-        <p:nvSpPr>
-          <p:cNvPr id="5" name="CuadroTexto 4">
-            <a:extLst>
-              <a:ext uri="{FF2B5EF4-FFF2-40B4-BE49-F238E27FC236}">
-                <a16:creationId xmlns:a16="http://schemas.microsoft.com/office/drawing/2014/main" id="{0EDAE0E5-EB04-5F62-FE3E-CAF696266619}"/>
-              </a:ext>
-            </a:extLst>
-          </p:cNvPr>
-          <p:cNvSpPr txBox="1"/>
-          <p:nvPr/>
-        </p:nvSpPr>
-        <p:spPr>
-          <a:xfrm>
-            <a:off x="6640944" y="2099126"/>
-            <a:ext cx="2651623" cy="369332"/>
-          </a:xfrm>
-          <a:prstGeom prst="rect">
-            <a:avLst/>
-          </a:prstGeom>
-          <a:noFill/>
-        </p:spPr>
-        <p:txBody>
-          <a:bodyPr wrap="none" rtlCol="0">
-            <a:spAutoFit/>
-          </a:bodyPr>
-          <a:lstStyle/>
-          <a:p>
-            <a:r>
-              <a:rPr lang="es-ES" dirty="0"/>
-              <a:t>Ecuaciones a implementar</a:t>
-            </a:r>
-          </a:p>
-        </p:txBody>
-      </p:sp>
-      <p:pic>
-        <p:nvPicPr>
-          <p:cNvPr id="8" name="Imagen 7">
-            <a:extLst>
-              <a:ext uri="{FF2B5EF4-FFF2-40B4-BE49-F238E27FC236}">
-                <a16:creationId xmlns:a16="http://schemas.microsoft.com/office/drawing/2014/main" id="{365770AD-BF1B-146A-B660-CF9CB8A88BC2}"/>
-              </a:ext>
-            </a:extLst>
-          </p:cNvPr>
-          <p:cNvPicPr>
-            <a:picLocks noChangeAspect="1"/>
-          </p:cNvPicPr>
-          <p:nvPr/>
-        </p:nvPicPr>
-        <p:blipFill>
-          <a:blip r:embed="rId3">
-            <a:extLst>
-              <a:ext uri="{28A0092B-C50C-407E-A947-70E740481C1C}">
-                <a14:useLocalDpi xmlns:a14="http://schemas.microsoft.com/office/drawing/2010/main" val="0"/>
-              </a:ext>
-            </a:extLst>
-          </a:blip>
-          <a:stretch>
-            <a:fillRect/>
-          </a:stretch>
-        </p:blipFill>
-        <p:spPr>
-          <a:xfrm>
-            <a:off x="5821680" y="2703621"/>
-            <a:ext cx="5877426" cy="1450757"/>
-          </a:xfrm>
-          <a:prstGeom prst="rect">
-            <a:avLst/>
-          </a:prstGeom>
-        </p:spPr>
-      </p:pic>
+              <a:rPr lang="es-ES" sz="2000" dirty="0"/>
+              <a:t>Estructura GPU</a:t>
+            </a:r>
+          </a:p>
+        </p:txBody>
+      </p:sp>
     </p:spTree>
     <p:extLst>
       <p:ext uri="{BB962C8B-B14F-4D97-AF65-F5344CB8AC3E}">
-        <p14:creationId xmlns:p14="http://schemas.microsoft.com/office/powerpoint/2010/main" val="3188697513"/>
+        <p14:creationId xmlns:p14="http://schemas.microsoft.com/office/powerpoint/2010/main" val="3993339992"/>
       </p:ext>
     </p:extLst>
   </p:cSld>
@@ -5008,7 +4858,7 @@
           <p:cNvPr id="2" name="Título 1">
             <a:extLst>
               <a:ext uri="{FF2B5EF4-FFF2-40B4-BE49-F238E27FC236}">
-                <a16:creationId xmlns:a16="http://schemas.microsoft.com/office/drawing/2014/main" id="{CB15EEC0-2F32-9869-0402-4C55FBABA7AE}"/>
+                <a16:creationId xmlns:a16="http://schemas.microsoft.com/office/drawing/2014/main" id="{D5D26131-75A9-E62C-0F0F-BEAD5153D68D}"/>
               </a:ext>
             </a:extLst>
           </p:cNvPr>
@@ -5036,7 +4886,7 @@
           <p:cNvPr id="5" name="Marcador de contenido 4">
             <a:extLst>
               <a:ext uri="{FF2B5EF4-FFF2-40B4-BE49-F238E27FC236}">
-                <a16:creationId xmlns:a16="http://schemas.microsoft.com/office/drawing/2014/main" id="{C46A613E-8E42-9DA4-1F4E-E4682D3B3B7D}"/>
+                <a16:creationId xmlns:a16="http://schemas.microsoft.com/office/drawing/2014/main" id="{8601063A-95FC-C887-FA4F-7F7D1B866887}"/>
               </a:ext>
             </a:extLst>
           </p:cNvPr>
@@ -5061,8 +4911,8 @@
         </p:blipFill>
         <p:spPr>
           <a:xfrm>
-            <a:off x="2851439" y="2582718"/>
-            <a:ext cx="6124575" cy="3067050"/>
+            <a:off x="1521547" y="2311689"/>
+            <a:ext cx="4315834" cy="3653237"/>
           </a:xfrm>
         </p:spPr>
       </p:pic>
@@ -5071,7 +4921,7 @@
           <p:cNvPr id="6" name="CuadroTexto 5">
             <a:extLst>
               <a:ext uri="{FF2B5EF4-FFF2-40B4-BE49-F238E27FC236}">
-                <a16:creationId xmlns:a16="http://schemas.microsoft.com/office/drawing/2014/main" id="{700CF258-4B8A-6FD4-284B-E8077BBA2532}"/>
+                <a16:creationId xmlns:a16="http://schemas.microsoft.com/office/drawing/2014/main" id="{9C3F0DBE-8BB0-7B07-18E3-E667F1E3BA7F}"/>
               </a:ext>
             </a:extLst>
           </p:cNvPr>
@@ -5080,8 +4930,8 @@
         </p:nvSpPr>
         <p:spPr>
           <a:xfrm>
-            <a:off x="1508881" y="1975373"/>
-            <a:ext cx="3294028" cy="400110"/>
+            <a:off x="1348509" y="1942357"/>
+            <a:ext cx="1976582" cy="400110"/>
           </a:xfrm>
           <a:prstGeom prst="rect">
             <a:avLst/>
@@ -5096,7 +4946,78 @@
           <a:p>
             <a:r>
               <a:rPr lang="es-ES" sz="2000" dirty="0"/>
-              <a:t>Diferencias GPU-CPU</a:t>
+              <a:t>Estructura GPU</a:t>
+            </a:r>
+          </a:p>
+        </p:txBody>
+      </p:sp>
+      <p:pic>
+        <p:nvPicPr>
+          <p:cNvPr id="4" name="Imagen 3">
+            <a:extLst>
+              <a:ext uri="{FF2B5EF4-FFF2-40B4-BE49-F238E27FC236}">
+                <a16:creationId xmlns:a16="http://schemas.microsoft.com/office/drawing/2014/main" id="{D4865D58-BB31-C630-C607-A5961363A918}"/>
+              </a:ext>
+            </a:extLst>
+          </p:cNvPr>
+          <p:cNvPicPr>
+            <a:picLocks noChangeAspect="1"/>
+          </p:cNvPicPr>
+          <p:nvPr/>
+        </p:nvPicPr>
+        <p:blipFill>
+          <a:blip r:embed="rId3">
+            <a:extLst>
+              <a:ext uri="{28A0092B-C50C-407E-A947-70E740481C1C}">
+                <a14:useLocalDpi xmlns:a14="http://schemas.microsoft.com/office/drawing/2010/main" val="0"/>
+              </a:ext>
+            </a:extLst>
+          </a:blip>
+          <a:stretch>
+            <a:fillRect/>
+          </a:stretch>
+        </p:blipFill>
+        <p:spPr>
+          <a:xfrm>
+            <a:off x="5920507" y="2516686"/>
+            <a:ext cx="5832207" cy="2988187"/>
+          </a:xfrm>
+          <a:prstGeom prst="rect">
+            <a:avLst/>
+          </a:prstGeom>
+        </p:spPr>
+      </p:pic>
+      <p:sp>
+        <p:nvSpPr>
+          <p:cNvPr id="7" name="CuadroTexto 6">
+            <a:extLst>
+              <a:ext uri="{FF2B5EF4-FFF2-40B4-BE49-F238E27FC236}">
+                <a16:creationId xmlns:a16="http://schemas.microsoft.com/office/drawing/2014/main" id="{879A991E-12E0-6293-D502-D43254B3AFE6}"/>
+              </a:ext>
+            </a:extLst>
+          </p:cNvPr>
+          <p:cNvSpPr txBox="1"/>
+          <p:nvPr/>
+        </p:nvSpPr>
+        <p:spPr>
+          <a:xfrm>
+            <a:off x="6539345" y="1942357"/>
+            <a:ext cx="2234266" cy="369332"/>
+          </a:xfrm>
+          <a:prstGeom prst="rect">
+            <a:avLst/>
+          </a:prstGeom>
+          <a:noFill/>
+        </p:spPr>
+        <p:txBody>
+          <a:bodyPr wrap="none" rtlCol="0">
+            <a:spAutoFit/>
+          </a:bodyPr>
+          <a:lstStyle/>
+          <a:p>
+            <a:r>
+              <a:rPr lang="es-ES" dirty="0"/>
+              <a:t>Estructura conceptual</a:t>
             </a:r>
           </a:p>
         </p:txBody>
@@ -5104,7 +5025,7 @@
     </p:spTree>
     <p:extLst>
       <p:ext uri="{BB962C8B-B14F-4D97-AF65-F5344CB8AC3E}">
-        <p14:creationId xmlns:p14="http://schemas.microsoft.com/office/powerpoint/2010/main" val="254445952"/>
+        <p14:creationId xmlns:p14="http://schemas.microsoft.com/office/powerpoint/2010/main" val="601610041"/>
       </p:ext>
     </p:extLst>
   </p:cSld>
@@ -5161,19 +5082,17 @@
       </p:sp>
       <p:pic>
         <p:nvPicPr>
-          <p:cNvPr id="5" name="Marcador de contenido 4">
-            <a:extLst>
-              <a:ext uri="{FF2B5EF4-FFF2-40B4-BE49-F238E27FC236}">
-                <a16:creationId xmlns:a16="http://schemas.microsoft.com/office/drawing/2014/main" id="{8601063A-95FC-C887-FA4F-7F7D1B866887}"/>
+          <p:cNvPr id="4" name="Imagen 3">
+            <a:extLst>
+              <a:ext uri="{FF2B5EF4-FFF2-40B4-BE49-F238E27FC236}">
+                <a16:creationId xmlns:a16="http://schemas.microsoft.com/office/drawing/2014/main" id="{D4865D58-BB31-C630-C607-A5961363A918}"/>
               </a:ext>
             </a:extLst>
           </p:cNvPr>
           <p:cNvPicPr>
-            <a:picLocks noGrp="1" noChangeAspect="1"/>
+            <a:picLocks noChangeAspect="1"/>
           </p:cNvPicPr>
-          <p:nvPr>
-            <p:ph idx="1"/>
-          </p:nvPr>
+          <p:nvPr/>
         </p:nvPicPr>
         <p:blipFill>
           <a:blip r:embed="rId2">
@@ -5189,17 +5108,20 @@
         </p:blipFill>
         <p:spPr>
           <a:xfrm>
-            <a:off x="1521547" y="2311689"/>
-            <a:ext cx="4315834" cy="3653237"/>
-          </a:xfrm>
+            <a:off x="759228" y="2454030"/>
+            <a:ext cx="5720143" cy="2930770"/>
+          </a:xfrm>
+          <a:prstGeom prst="rect">
+            <a:avLst/>
+          </a:prstGeom>
         </p:spPr>
       </p:pic>
       <p:sp>
         <p:nvSpPr>
-          <p:cNvPr id="6" name="CuadroTexto 5">
-            <a:extLst>
-              <a:ext uri="{FF2B5EF4-FFF2-40B4-BE49-F238E27FC236}">
-                <a16:creationId xmlns:a16="http://schemas.microsoft.com/office/drawing/2014/main" id="{9C3F0DBE-8BB0-7B07-18E3-E667F1E3BA7F}"/>
+          <p:cNvPr id="7" name="CuadroTexto 6">
+            <a:extLst>
+              <a:ext uri="{FF2B5EF4-FFF2-40B4-BE49-F238E27FC236}">
+                <a16:creationId xmlns:a16="http://schemas.microsoft.com/office/drawing/2014/main" id="{879A991E-12E0-6293-D502-D43254B3AFE6}"/>
               </a:ext>
             </a:extLst>
           </p:cNvPr>
@@ -5208,8 +5130,8 @@
         </p:nvSpPr>
         <p:spPr>
           <a:xfrm>
-            <a:off x="1348509" y="1942357"/>
-            <a:ext cx="1976582" cy="400110"/>
+            <a:off x="1411506" y="1911029"/>
+            <a:ext cx="2569366" cy="369332"/>
           </a:xfrm>
           <a:prstGeom prst="rect">
             <a:avLst/>
@@ -5223,8 +5145,78 @@
           <a:lstStyle/>
           <a:p>
             <a:r>
-              <a:rPr lang="es-ES" sz="2000" dirty="0"/>
-              <a:t>Estructura GPU</a:t>
+              <a:rPr lang="es-ES" dirty="0"/>
+              <a:t>Estructura conceptual</a:t>
+            </a:r>
+          </a:p>
+        </p:txBody>
+      </p:sp>
+      <p:pic>
+        <p:nvPicPr>
+          <p:cNvPr id="16" name="Marcador de contenido 15">
+            <a:extLst>
+              <a:ext uri="{FF2B5EF4-FFF2-40B4-BE49-F238E27FC236}">
+                <a16:creationId xmlns:a16="http://schemas.microsoft.com/office/drawing/2014/main" id="{29928B42-BC58-2ED8-E9E0-400E81D24D02}"/>
+              </a:ext>
+            </a:extLst>
+          </p:cNvPr>
+          <p:cNvPicPr>
+            <a:picLocks noGrp="1" noChangeAspect="1"/>
+          </p:cNvPicPr>
+          <p:nvPr>
+            <p:ph idx="1"/>
+          </p:nvPr>
+        </p:nvPicPr>
+        <p:blipFill>
+          <a:blip r:embed="rId3">
+            <a:extLst>
+              <a:ext uri="{28A0092B-C50C-407E-A947-70E740481C1C}">
+                <a14:useLocalDpi xmlns:a14="http://schemas.microsoft.com/office/drawing/2010/main" val="0"/>
+              </a:ext>
+            </a:extLst>
+          </a:blip>
+          <a:stretch>
+            <a:fillRect/>
+          </a:stretch>
+        </p:blipFill>
+        <p:spPr>
+          <a:xfrm>
+            <a:off x="6379324" y="2641600"/>
+            <a:ext cx="5620097" cy="2479041"/>
+          </a:xfrm>
+        </p:spPr>
+      </p:pic>
+      <p:sp>
+        <p:nvSpPr>
+          <p:cNvPr id="17" name="CuadroTexto 16">
+            <a:extLst>
+              <a:ext uri="{FF2B5EF4-FFF2-40B4-BE49-F238E27FC236}">
+                <a16:creationId xmlns:a16="http://schemas.microsoft.com/office/drawing/2014/main" id="{9E5E5598-F98B-0588-96A3-FC44C6C87B3D}"/>
+              </a:ext>
+            </a:extLst>
+          </p:cNvPr>
+          <p:cNvSpPr txBox="1"/>
+          <p:nvPr/>
+        </p:nvSpPr>
+        <p:spPr>
+          <a:xfrm>
+            <a:off x="7148946" y="1911029"/>
+            <a:ext cx="2900218" cy="369332"/>
+          </a:xfrm>
+          <a:prstGeom prst="rect">
+            <a:avLst/>
+          </a:prstGeom>
+          <a:noFill/>
+        </p:spPr>
+        <p:txBody>
+          <a:bodyPr wrap="square" rtlCol="0">
+            <a:spAutoFit/>
+          </a:bodyPr>
+          <a:lstStyle/>
+          <a:p>
+            <a:r>
+              <a:rPr lang="es-ES" dirty="0"/>
+              <a:t>¿Cómo localizar un hilo?</a:t>
             </a:r>
           </a:p>
         </p:txBody>
@@ -5232,7 +5224,7 @@
     </p:spTree>
     <p:extLst>
       <p:ext uri="{BB962C8B-B14F-4D97-AF65-F5344CB8AC3E}">
-        <p14:creationId xmlns:p14="http://schemas.microsoft.com/office/powerpoint/2010/main" val="3993339992"/>
+        <p14:creationId xmlns:p14="http://schemas.microsoft.com/office/powerpoint/2010/main" val="3873182990"/>
       </p:ext>
     </p:extLst>
   </p:cSld>
@@ -5264,7 +5256,7 @@
           <p:cNvPr id="2" name="Título 1">
             <a:extLst>
               <a:ext uri="{FF2B5EF4-FFF2-40B4-BE49-F238E27FC236}">
-                <a16:creationId xmlns:a16="http://schemas.microsoft.com/office/drawing/2014/main" id="{D5D26131-75A9-E62C-0F0F-BEAD5153D68D}"/>
+                <a16:creationId xmlns:a16="http://schemas.microsoft.com/office/drawing/2014/main" id="{3650E897-1C1E-EB2F-C403-3B9AA322B461}"/>
               </a:ext>
             </a:extLst>
           </p:cNvPr>
@@ -5292,7 +5284,7 @@
           <p:cNvPr id="5" name="Marcador de contenido 4">
             <a:extLst>
               <a:ext uri="{FF2B5EF4-FFF2-40B4-BE49-F238E27FC236}">
-                <a16:creationId xmlns:a16="http://schemas.microsoft.com/office/drawing/2014/main" id="{8601063A-95FC-C887-FA4F-7F7D1B866887}"/>
+                <a16:creationId xmlns:a16="http://schemas.microsoft.com/office/drawing/2014/main" id="{052A3FCB-0DCD-F0FB-EC9A-B9652012EB74}"/>
               </a:ext>
             </a:extLst>
           </p:cNvPr>
@@ -5317,8 +5309,8 @@
         </p:blipFill>
         <p:spPr>
           <a:xfrm>
-            <a:off x="1521547" y="2311689"/>
-            <a:ext cx="4315834" cy="3653237"/>
+            <a:off x="914835" y="3047277"/>
+            <a:ext cx="5029148" cy="998248"/>
           </a:xfrm>
         </p:spPr>
       </p:pic>
@@ -5327,7 +5319,7 @@
           <p:cNvPr id="6" name="CuadroTexto 5">
             <a:extLst>
               <a:ext uri="{FF2B5EF4-FFF2-40B4-BE49-F238E27FC236}">
-                <a16:creationId xmlns:a16="http://schemas.microsoft.com/office/drawing/2014/main" id="{9C3F0DBE-8BB0-7B07-18E3-E667F1E3BA7F}"/>
+                <a16:creationId xmlns:a16="http://schemas.microsoft.com/office/drawing/2014/main" id="{46B4FC26-2054-00CB-4FB5-87B9FC35C0A1}"/>
               </a:ext>
             </a:extLst>
           </p:cNvPr>
@@ -5336,8 +5328,8 @@
         </p:nvSpPr>
         <p:spPr>
           <a:xfrm>
-            <a:off x="1348509" y="1942357"/>
-            <a:ext cx="1976582" cy="400110"/>
+            <a:off x="1097280" y="2069153"/>
+            <a:ext cx="4136261" cy="707886"/>
           </a:xfrm>
           <a:prstGeom prst="rect">
             <a:avLst/>
@@ -5345,85 +5337,20 @@
           <a:noFill/>
         </p:spPr>
         <p:txBody>
-          <a:bodyPr wrap="square" rtlCol="0">
-            <a:spAutoFit/>
-          </a:bodyPr>
-          <a:lstStyle/>
-          <a:p>
-            <a:r>
-              <a:rPr lang="es-ES" sz="2000" dirty="0"/>
-              <a:t>Estructura GPU</a:t>
-            </a:r>
-          </a:p>
-        </p:txBody>
-      </p:sp>
-      <p:pic>
-        <p:nvPicPr>
-          <p:cNvPr id="4" name="Imagen 3">
-            <a:extLst>
-              <a:ext uri="{FF2B5EF4-FFF2-40B4-BE49-F238E27FC236}">
-                <a16:creationId xmlns:a16="http://schemas.microsoft.com/office/drawing/2014/main" id="{D4865D58-BB31-C630-C607-A5961363A918}"/>
-              </a:ext>
-            </a:extLst>
-          </p:cNvPr>
-          <p:cNvPicPr>
-            <a:picLocks noChangeAspect="1"/>
-          </p:cNvPicPr>
-          <p:nvPr/>
-        </p:nvPicPr>
-        <p:blipFill>
-          <a:blip r:embed="rId3">
-            <a:extLst>
-              <a:ext uri="{28A0092B-C50C-407E-A947-70E740481C1C}">
-                <a14:useLocalDpi xmlns:a14="http://schemas.microsoft.com/office/drawing/2010/main" val="0"/>
-              </a:ext>
-            </a:extLst>
-          </a:blip>
-          <a:stretch>
-            <a:fillRect/>
-          </a:stretch>
-        </p:blipFill>
-        <p:spPr>
-          <a:xfrm>
-            <a:off x="5920507" y="2516686"/>
-            <a:ext cx="5832207" cy="2988187"/>
-          </a:xfrm>
-          <a:prstGeom prst="rect">
-            <a:avLst/>
-          </a:prstGeom>
-        </p:spPr>
-      </p:pic>
-      <p:sp>
-        <p:nvSpPr>
-          <p:cNvPr id="7" name="CuadroTexto 6">
-            <a:extLst>
-              <a:ext uri="{FF2B5EF4-FFF2-40B4-BE49-F238E27FC236}">
-                <a16:creationId xmlns:a16="http://schemas.microsoft.com/office/drawing/2014/main" id="{879A991E-12E0-6293-D502-D43254B3AFE6}"/>
-              </a:ext>
-            </a:extLst>
-          </p:cNvPr>
-          <p:cNvSpPr txBox="1"/>
-          <p:nvPr/>
-        </p:nvSpPr>
-        <p:spPr>
-          <a:xfrm>
-            <a:off x="6539345" y="1942357"/>
-            <a:ext cx="2234266" cy="369332"/>
-          </a:xfrm>
-          <a:prstGeom prst="rect">
-            <a:avLst/>
-          </a:prstGeom>
-          <a:noFill/>
-        </p:spPr>
-        <p:txBody>
           <a:bodyPr wrap="none" rtlCol="0">
             <a:spAutoFit/>
           </a:bodyPr>
           <a:lstStyle/>
           <a:p>
             <a:r>
-              <a:rPr lang="es-ES" dirty="0"/>
-              <a:t>Estructura conceptual</a:t>
+              <a:rPr lang="es-ES" sz="2000" dirty="0"/>
+              <a:t>¿Cómo determinar la fila y la columna</a:t>
+            </a:r>
+          </a:p>
+          <a:p>
+            <a:r>
+              <a:rPr lang="es-ES" sz="2000" dirty="0"/>
+              <a:t>de un hilo?</a:t>
             </a:r>
           </a:p>
         </p:txBody>
@@ -5431,7 +5358,7 @@
     </p:spTree>
     <p:extLst>
       <p:ext uri="{BB962C8B-B14F-4D97-AF65-F5344CB8AC3E}">
-        <p14:creationId xmlns:p14="http://schemas.microsoft.com/office/powerpoint/2010/main" val="601610041"/>
+        <p14:creationId xmlns:p14="http://schemas.microsoft.com/office/powerpoint/2010/main" val="1938013121"/>
       </p:ext>
     </p:extLst>
   </p:cSld>
@@ -5463,7 +5390,7 @@
           <p:cNvPr id="2" name="Título 1">
             <a:extLst>
               <a:ext uri="{FF2B5EF4-FFF2-40B4-BE49-F238E27FC236}">
-                <a16:creationId xmlns:a16="http://schemas.microsoft.com/office/drawing/2014/main" id="{D5D26131-75A9-E62C-0F0F-BEAD5153D68D}"/>
+                <a16:creationId xmlns:a16="http://schemas.microsoft.com/office/drawing/2014/main" id="{3650E897-1C1E-EB2F-C403-3B9AA322B461}"/>
               </a:ext>
             </a:extLst>
           </p:cNvPr>
@@ -5482,6 +5409,82 @@
             <a:r>
               <a:rPr lang="es-ES" dirty="0"/>
               <a:t>GPU</a:t>
+            </a:r>
+          </a:p>
+        </p:txBody>
+      </p:sp>
+      <p:pic>
+        <p:nvPicPr>
+          <p:cNvPr id="5" name="Marcador de contenido 4">
+            <a:extLst>
+              <a:ext uri="{FF2B5EF4-FFF2-40B4-BE49-F238E27FC236}">
+                <a16:creationId xmlns:a16="http://schemas.microsoft.com/office/drawing/2014/main" id="{052A3FCB-0DCD-F0FB-EC9A-B9652012EB74}"/>
+              </a:ext>
+            </a:extLst>
+          </p:cNvPr>
+          <p:cNvPicPr>
+            <a:picLocks noGrp="1" noChangeAspect="1"/>
+          </p:cNvPicPr>
+          <p:nvPr>
+            <p:ph idx="1"/>
+          </p:nvPr>
+        </p:nvPicPr>
+        <p:blipFill>
+          <a:blip r:embed="rId2">
+            <a:extLst>
+              <a:ext uri="{28A0092B-C50C-407E-A947-70E740481C1C}">
+                <a14:useLocalDpi xmlns:a14="http://schemas.microsoft.com/office/drawing/2010/main" val="0"/>
+              </a:ext>
+            </a:extLst>
+          </a:blip>
+          <a:stretch>
+            <a:fillRect/>
+          </a:stretch>
+        </p:blipFill>
+        <p:spPr>
+          <a:xfrm>
+            <a:off x="914835" y="3047277"/>
+            <a:ext cx="5029148" cy="998248"/>
+          </a:xfrm>
+        </p:spPr>
+      </p:pic>
+      <p:sp>
+        <p:nvSpPr>
+          <p:cNvPr id="6" name="CuadroTexto 5">
+            <a:extLst>
+              <a:ext uri="{FF2B5EF4-FFF2-40B4-BE49-F238E27FC236}">
+                <a16:creationId xmlns:a16="http://schemas.microsoft.com/office/drawing/2014/main" id="{46B4FC26-2054-00CB-4FB5-87B9FC35C0A1}"/>
+              </a:ext>
+            </a:extLst>
+          </p:cNvPr>
+          <p:cNvSpPr txBox="1"/>
+          <p:nvPr/>
+        </p:nvSpPr>
+        <p:spPr>
+          <a:xfrm>
+            <a:off x="1097280" y="2069153"/>
+            <a:ext cx="4136261" cy="707886"/>
+          </a:xfrm>
+          <a:prstGeom prst="rect">
+            <a:avLst/>
+          </a:prstGeom>
+          <a:noFill/>
+        </p:spPr>
+        <p:txBody>
+          <a:bodyPr wrap="none" rtlCol="0">
+            <a:spAutoFit/>
+          </a:bodyPr>
+          <a:lstStyle/>
+          <a:p>
+            <a:r>
+              <a:rPr lang="es-ES" sz="2000" dirty="0"/>
+              <a:t>¿Cómo determinar la fila y la columna</a:t>
+            </a:r>
+          </a:p>
+          <a:p>
+            <a:r>
+              <a:rPr lang="es-ES" sz="2000" dirty="0"/>
+              <a:t>de un hilo?</a:t>
             </a:r>
           </a:p>
         </p:txBody>
@@ -5491,7 +5494,7 @@
           <p:cNvPr id="4" name="Imagen 3">
             <a:extLst>
               <a:ext uri="{FF2B5EF4-FFF2-40B4-BE49-F238E27FC236}">
-                <a16:creationId xmlns:a16="http://schemas.microsoft.com/office/drawing/2014/main" id="{D4865D58-BB31-C630-C607-A5961363A918}"/>
+                <a16:creationId xmlns:a16="http://schemas.microsoft.com/office/drawing/2014/main" id="{98E2365E-DE5E-1444-8449-E464C77F40A5}"/>
               </a:ext>
             </a:extLst>
           </p:cNvPr>
@@ -5501,7 +5504,7 @@
           <p:nvPr/>
         </p:nvPicPr>
         <p:blipFill>
-          <a:blip r:embed="rId2">
+          <a:blip r:embed="rId3">
             <a:extLst>
               <a:ext uri="{28A0092B-C50C-407E-A947-70E740481C1C}">
                 <a14:useLocalDpi xmlns:a14="http://schemas.microsoft.com/office/drawing/2010/main" val="0"/>
@@ -5514,8 +5517,8 @@
         </p:blipFill>
         <p:spPr>
           <a:xfrm>
-            <a:off x="759228" y="2454030"/>
-            <a:ext cx="5720143" cy="2930770"/>
+            <a:off x="6096000" y="3250187"/>
+            <a:ext cx="5810250" cy="1590675"/>
           </a:xfrm>
           <a:prstGeom prst="rect">
             <a:avLst/>
@@ -5527,7 +5530,7 @@
           <p:cNvPr id="7" name="CuadroTexto 6">
             <a:extLst>
               <a:ext uri="{FF2B5EF4-FFF2-40B4-BE49-F238E27FC236}">
-                <a16:creationId xmlns:a16="http://schemas.microsoft.com/office/drawing/2014/main" id="{879A991E-12E0-6293-D502-D43254B3AFE6}"/>
+                <a16:creationId xmlns:a16="http://schemas.microsoft.com/office/drawing/2014/main" id="{803E3A08-D186-AD4C-CD1E-C2E80558A339}"/>
               </a:ext>
             </a:extLst>
           </p:cNvPr>
@@ -5536,8 +5539,8 @@
         </p:nvSpPr>
         <p:spPr>
           <a:xfrm>
-            <a:off x="1411506" y="1911029"/>
-            <a:ext cx="2569366" cy="369332"/>
+            <a:off x="6391562" y="2069153"/>
+            <a:ext cx="2752437" cy="400110"/>
           </a:xfrm>
           <a:prstGeom prst="rect">
             <a:avLst/>
@@ -5551,78 +5554,8 @@
           <a:lstStyle/>
           <a:p>
             <a:r>
-              <a:rPr lang="es-ES" dirty="0"/>
-              <a:t>Estructura conceptual</a:t>
-            </a:r>
-          </a:p>
-        </p:txBody>
-      </p:sp>
-      <p:pic>
-        <p:nvPicPr>
-          <p:cNvPr id="16" name="Marcador de contenido 15">
-            <a:extLst>
-              <a:ext uri="{FF2B5EF4-FFF2-40B4-BE49-F238E27FC236}">
-                <a16:creationId xmlns:a16="http://schemas.microsoft.com/office/drawing/2014/main" id="{29928B42-BC58-2ED8-E9E0-400E81D24D02}"/>
-              </a:ext>
-            </a:extLst>
-          </p:cNvPr>
-          <p:cNvPicPr>
-            <a:picLocks noGrp="1" noChangeAspect="1"/>
-          </p:cNvPicPr>
-          <p:nvPr>
-            <p:ph idx="1"/>
-          </p:nvPr>
-        </p:nvPicPr>
-        <p:blipFill>
-          <a:blip r:embed="rId3">
-            <a:extLst>
-              <a:ext uri="{28A0092B-C50C-407E-A947-70E740481C1C}">
-                <a14:useLocalDpi xmlns:a14="http://schemas.microsoft.com/office/drawing/2010/main" val="0"/>
-              </a:ext>
-            </a:extLst>
-          </a:blip>
-          <a:stretch>
-            <a:fillRect/>
-          </a:stretch>
-        </p:blipFill>
-        <p:spPr>
-          <a:xfrm>
-            <a:off x="6379324" y="2641600"/>
-            <a:ext cx="5620097" cy="2479041"/>
-          </a:xfrm>
-        </p:spPr>
-      </p:pic>
-      <p:sp>
-        <p:nvSpPr>
-          <p:cNvPr id="17" name="CuadroTexto 16">
-            <a:extLst>
-              <a:ext uri="{FF2B5EF4-FFF2-40B4-BE49-F238E27FC236}">
-                <a16:creationId xmlns:a16="http://schemas.microsoft.com/office/drawing/2014/main" id="{9E5E5598-F98B-0588-96A3-FC44C6C87B3D}"/>
-              </a:ext>
-            </a:extLst>
-          </p:cNvPr>
-          <p:cNvSpPr txBox="1"/>
-          <p:nvPr/>
-        </p:nvSpPr>
-        <p:spPr>
-          <a:xfrm>
-            <a:off x="7148946" y="1911029"/>
-            <a:ext cx="2900218" cy="369332"/>
-          </a:xfrm>
-          <a:prstGeom prst="rect">
-            <a:avLst/>
-          </a:prstGeom>
-          <a:noFill/>
-        </p:spPr>
-        <p:txBody>
-          <a:bodyPr wrap="square" rtlCol="0">
-            <a:spAutoFit/>
-          </a:bodyPr>
-          <a:lstStyle/>
-          <a:p>
-            <a:r>
-              <a:rPr lang="es-ES" dirty="0"/>
-              <a:t>¿Cómo localizar un hilo?</a:t>
+              <a:rPr lang="es-ES" sz="2000" dirty="0"/>
+              <a:t>¿Cómo utilizar los hilos?</a:t>
             </a:r>
           </a:p>
         </p:txBody>
@@ -5630,7 +5563,7 @@
     </p:spTree>
     <p:extLst>
       <p:ext uri="{BB962C8B-B14F-4D97-AF65-F5344CB8AC3E}">
-        <p14:creationId xmlns:p14="http://schemas.microsoft.com/office/powerpoint/2010/main" val="3873182990"/>
+        <p14:creationId xmlns:p14="http://schemas.microsoft.com/office/powerpoint/2010/main" val="2436269609"/>
       </p:ext>
     </p:extLst>
   </p:cSld>
@@ -5662,7 +5595,7 @@
           <p:cNvPr id="2" name="Título 1">
             <a:extLst>
               <a:ext uri="{FF2B5EF4-FFF2-40B4-BE49-F238E27FC236}">
-                <a16:creationId xmlns:a16="http://schemas.microsoft.com/office/drawing/2014/main" id="{3650E897-1C1E-EB2F-C403-3B9AA322B461}"/>
+                <a16:creationId xmlns:a16="http://schemas.microsoft.com/office/drawing/2014/main" id="{37748150-D632-041F-7D6A-905AACC2C18F}"/>
               </a:ext>
             </a:extLst>
           </p:cNvPr>
@@ -5680,26 +5613,57 @@
           <a:p>
             <a:r>
               <a:rPr lang="es-ES" dirty="0"/>
-              <a:t>GPU</a:t>
+              <a:t>Algoritmo</a:t>
+            </a:r>
+          </a:p>
+        </p:txBody>
+      </p:sp>
+      <p:sp>
+        <p:nvSpPr>
+          <p:cNvPr id="3" name="Marcador de contenido 2">
+            <a:extLst>
+              <a:ext uri="{FF2B5EF4-FFF2-40B4-BE49-F238E27FC236}">
+                <a16:creationId xmlns:a16="http://schemas.microsoft.com/office/drawing/2014/main" id="{36461925-464F-2627-0626-4E762B9E7A8B}"/>
+              </a:ext>
+            </a:extLst>
+          </p:cNvPr>
+          <p:cNvSpPr>
+            <a:spLocks noGrp="1"/>
+          </p:cNvSpPr>
+          <p:nvPr>
+            <p:ph idx="1"/>
+          </p:nvPr>
+        </p:nvSpPr>
+        <p:spPr>
+          <a:xfrm>
+            <a:off x="3997498" y="2003232"/>
+            <a:ext cx="3142211" cy="657321"/>
+          </a:xfrm>
+        </p:spPr>
+        <p:txBody>
+          <a:bodyPr/>
+          <a:lstStyle/>
+          <a:p>
+            <a:r>
+              <a:rPr lang="es-ES" sz="2800" dirty="0"/>
+              <a:t>Tecnología utilizada:</a:t>
             </a:r>
           </a:p>
         </p:txBody>
       </p:sp>
       <p:pic>
         <p:nvPicPr>
-          <p:cNvPr id="5" name="Marcador de contenido 4">
-            <a:extLst>
-              <a:ext uri="{FF2B5EF4-FFF2-40B4-BE49-F238E27FC236}">
-                <a16:creationId xmlns:a16="http://schemas.microsoft.com/office/drawing/2014/main" id="{052A3FCB-0DCD-F0FB-EC9A-B9652012EB74}"/>
+          <p:cNvPr id="5" name="Imagen 4">
+            <a:extLst>
+              <a:ext uri="{FF2B5EF4-FFF2-40B4-BE49-F238E27FC236}">
+                <a16:creationId xmlns:a16="http://schemas.microsoft.com/office/drawing/2014/main" id="{DDB9F83E-16FE-6CE2-A123-4290DC29D93D}"/>
               </a:ext>
             </a:extLst>
           </p:cNvPr>
           <p:cNvPicPr>
-            <a:picLocks noGrp="1" noChangeAspect="1"/>
+            <a:picLocks noChangeAspect="1"/>
           </p:cNvPicPr>
-          <p:nvPr>
-            <p:ph idx="1"/>
-          </p:nvPr>
+          <p:nvPr/>
         </p:nvPicPr>
         <p:blipFill>
           <a:blip r:embed="rId2">
@@ -5715,56 +5679,90 @@
         </p:blipFill>
         <p:spPr>
           <a:xfrm>
-            <a:off x="914835" y="3047277"/>
-            <a:ext cx="5029148" cy="998248"/>
-          </a:xfrm>
-        </p:spPr>
-      </p:pic>
-      <p:sp>
-        <p:nvSpPr>
-          <p:cNvPr id="6" name="CuadroTexto 5">
-            <a:extLst>
-              <a:ext uri="{FF2B5EF4-FFF2-40B4-BE49-F238E27FC236}">
-                <a16:creationId xmlns:a16="http://schemas.microsoft.com/office/drawing/2014/main" id="{46B4FC26-2054-00CB-4FB5-87B9FC35C0A1}"/>
-              </a:ext>
-            </a:extLst>
-          </p:cNvPr>
-          <p:cNvSpPr txBox="1"/>
-          <p:nvPr/>
-        </p:nvSpPr>
-        <p:spPr>
-          <a:xfrm>
-            <a:off x="1097280" y="2069153"/>
-            <a:ext cx="4136261" cy="707886"/>
+            <a:off x="340302" y="3583749"/>
+            <a:ext cx="3775457" cy="1590675"/>
           </a:xfrm>
           <a:prstGeom prst="rect">
             <a:avLst/>
           </a:prstGeom>
-          <a:noFill/>
-        </p:spPr>
-        <p:txBody>
-          <a:bodyPr wrap="none" rtlCol="0">
-            <a:spAutoFit/>
-          </a:bodyPr>
-          <a:lstStyle/>
-          <a:p>
-            <a:r>
-              <a:rPr lang="es-ES" sz="2000" dirty="0"/>
-              <a:t>¿Cómo determinar la fila y la columna</a:t>
-            </a:r>
-          </a:p>
-          <a:p>
-            <a:r>
-              <a:rPr lang="es-ES" sz="2000" dirty="0"/>
-              <a:t>de un hilo?</a:t>
-            </a:r>
-          </a:p>
-        </p:txBody>
-      </p:sp>
+        </p:spPr>
+      </p:pic>
+      <p:pic>
+        <p:nvPicPr>
+          <p:cNvPr id="7" name="Imagen 6">
+            <a:extLst>
+              <a:ext uri="{FF2B5EF4-FFF2-40B4-BE49-F238E27FC236}">
+                <a16:creationId xmlns:a16="http://schemas.microsoft.com/office/drawing/2014/main" id="{3723D435-DE15-EDA0-0FD1-CC324B141848}"/>
+              </a:ext>
+            </a:extLst>
+          </p:cNvPr>
+          <p:cNvPicPr>
+            <a:picLocks noChangeAspect="1"/>
+          </p:cNvPicPr>
+          <p:nvPr/>
+        </p:nvPicPr>
+        <p:blipFill>
+          <a:blip r:embed="rId3">
+            <a:extLst>
+              <a:ext uri="{28A0092B-C50C-407E-A947-70E740481C1C}">
+                <a14:useLocalDpi xmlns:a14="http://schemas.microsoft.com/office/drawing/2010/main" val="0"/>
+              </a:ext>
+            </a:extLst>
+          </a:blip>
+          <a:stretch>
+            <a:fillRect/>
+          </a:stretch>
+        </p:blipFill>
+        <p:spPr>
+          <a:xfrm>
+            <a:off x="4395499" y="3583748"/>
+            <a:ext cx="3018341" cy="1708688"/>
+          </a:xfrm>
+          <a:prstGeom prst="rect">
+            <a:avLst/>
+          </a:prstGeom>
+        </p:spPr>
+      </p:pic>
+      <p:pic>
+        <p:nvPicPr>
+          <p:cNvPr id="9" name="Imagen 8">
+            <a:extLst>
+              <a:ext uri="{FF2B5EF4-FFF2-40B4-BE49-F238E27FC236}">
+                <a16:creationId xmlns:a16="http://schemas.microsoft.com/office/drawing/2014/main" id="{032828CE-E5A5-CB37-38DA-86BE42A19F9A}"/>
+              </a:ext>
+            </a:extLst>
+          </p:cNvPr>
+          <p:cNvPicPr>
+            <a:picLocks noChangeAspect="1"/>
+          </p:cNvPicPr>
+          <p:nvPr/>
+        </p:nvPicPr>
+        <p:blipFill>
+          <a:blip r:embed="rId4">
+            <a:extLst>
+              <a:ext uri="{28A0092B-C50C-407E-A947-70E740481C1C}">
+                <a14:useLocalDpi xmlns:a14="http://schemas.microsoft.com/office/drawing/2010/main" val="0"/>
+              </a:ext>
+            </a:extLst>
+          </a:blip>
+          <a:stretch>
+            <a:fillRect/>
+          </a:stretch>
+        </p:blipFill>
+        <p:spPr>
+          <a:xfrm>
+            <a:off x="8107725" y="3596061"/>
+            <a:ext cx="3010504" cy="1616634"/>
+          </a:xfrm>
+          <a:prstGeom prst="rect">
+            <a:avLst/>
+          </a:prstGeom>
+        </p:spPr>
+      </p:pic>
     </p:spTree>
     <p:extLst>
       <p:ext uri="{BB962C8B-B14F-4D97-AF65-F5344CB8AC3E}">
-        <p14:creationId xmlns:p14="http://schemas.microsoft.com/office/powerpoint/2010/main" val="1938013121"/>
+        <p14:creationId xmlns:p14="http://schemas.microsoft.com/office/powerpoint/2010/main" val="1317514712"/>
       </p:ext>
     </p:extLst>
   </p:cSld>
@@ -5906,7 +5904,7 @@
           <p:cNvPr id="2" name="Título 1">
             <a:extLst>
               <a:ext uri="{FF2B5EF4-FFF2-40B4-BE49-F238E27FC236}">
-                <a16:creationId xmlns:a16="http://schemas.microsoft.com/office/drawing/2014/main" id="{3650E897-1C1E-EB2F-C403-3B9AA322B461}"/>
+                <a16:creationId xmlns:a16="http://schemas.microsoft.com/office/drawing/2014/main" id="{6FAC3096-771E-9B29-2508-EC29E11AF819}"/>
               </a:ext>
             </a:extLst>
           </p:cNvPr>
@@ -5924,7 +5922,7 @@
           <a:p>
             <a:r>
               <a:rPr lang="es-ES" dirty="0"/>
-              <a:t>GPU</a:t>
+              <a:t>RESULTADOS</a:t>
             </a:r>
           </a:p>
         </p:txBody>
@@ -5934,7 +5932,7 @@
           <p:cNvPr id="5" name="Marcador de contenido 4">
             <a:extLst>
               <a:ext uri="{FF2B5EF4-FFF2-40B4-BE49-F238E27FC236}">
-                <a16:creationId xmlns:a16="http://schemas.microsoft.com/office/drawing/2014/main" id="{052A3FCB-0DCD-F0FB-EC9A-B9652012EB74}"/>
+                <a16:creationId xmlns:a16="http://schemas.microsoft.com/office/drawing/2014/main" id="{F0B17B3D-99A0-53E4-9D9C-486C86999C11}"/>
               </a:ext>
             </a:extLst>
           </p:cNvPr>
@@ -5959,127 +5957,15 @@
         </p:blipFill>
         <p:spPr>
           <a:xfrm>
-            <a:off x="914835" y="3047277"/>
-            <a:ext cx="5029148" cy="998248"/>
+            <a:off x="2976482" y="1938627"/>
+            <a:ext cx="5360883" cy="4175846"/>
           </a:xfrm>
         </p:spPr>
       </p:pic>
-      <p:sp>
-        <p:nvSpPr>
-          <p:cNvPr id="6" name="CuadroTexto 5">
-            <a:extLst>
-              <a:ext uri="{FF2B5EF4-FFF2-40B4-BE49-F238E27FC236}">
-                <a16:creationId xmlns:a16="http://schemas.microsoft.com/office/drawing/2014/main" id="{46B4FC26-2054-00CB-4FB5-87B9FC35C0A1}"/>
-              </a:ext>
-            </a:extLst>
-          </p:cNvPr>
-          <p:cNvSpPr txBox="1"/>
-          <p:nvPr/>
-        </p:nvSpPr>
-        <p:spPr>
-          <a:xfrm>
-            <a:off x="1097280" y="2069153"/>
-            <a:ext cx="4136261" cy="707886"/>
-          </a:xfrm>
-          <a:prstGeom prst="rect">
-            <a:avLst/>
-          </a:prstGeom>
-          <a:noFill/>
-        </p:spPr>
-        <p:txBody>
-          <a:bodyPr wrap="none" rtlCol="0">
-            <a:spAutoFit/>
-          </a:bodyPr>
-          <a:lstStyle/>
-          <a:p>
-            <a:r>
-              <a:rPr lang="es-ES" sz="2000" dirty="0"/>
-              <a:t>¿Cómo determinar la fila y la columna</a:t>
-            </a:r>
-          </a:p>
-          <a:p>
-            <a:r>
-              <a:rPr lang="es-ES" sz="2000" dirty="0"/>
-              <a:t>de un hilo?</a:t>
-            </a:r>
-          </a:p>
-        </p:txBody>
-      </p:sp>
-      <p:pic>
-        <p:nvPicPr>
-          <p:cNvPr id="4" name="Imagen 3">
-            <a:extLst>
-              <a:ext uri="{FF2B5EF4-FFF2-40B4-BE49-F238E27FC236}">
-                <a16:creationId xmlns:a16="http://schemas.microsoft.com/office/drawing/2014/main" id="{98E2365E-DE5E-1444-8449-E464C77F40A5}"/>
-              </a:ext>
-            </a:extLst>
-          </p:cNvPr>
-          <p:cNvPicPr>
-            <a:picLocks noChangeAspect="1"/>
-          </p:cNvPicPr>
-          <p:nvPr/>
-        </p:nvPicPr>
-        <p:blipFill>
-          <a:blip r:embed="rId3">
-            <a:extLst>
-              <a:ext uri="{28A0092B-C50C-407E-A947-70E740481C1C}">
-                <a14:useLocalDpi xmlns:a14="http://schemas.microsoft.com/office/drawing/2010/main" val="0"/>
-              </a:ext>
-            </a:extLst>
-          </a:blip>
-          <a:stretch>
-            <a:fillRect/>
-          </a:stretch>
-        </p:blipFill>
-        <p:spPr>
-          <a:xfrm>
-            <a:off x="6096000" y="3250187"/>
-            <a:ext cx="5810250" cy="1590675"/>
-          </a:xfrm>
-          <a:prstGeom prst="rect">
-            <a:avLst/>
-          </a:prstGeom>
-        </p:spPr>
-      </p:pic>
-      <p:sp>
-        <p:nvSpPr>
-          <p:cNvPr id="7" name="CuadroTexto 6">
-            <a:extLst>
-              <a:ext uri="{FF2B5EF4-FFF2-40B4-BE49-F238E27FC236}">
-                <a16:creationId xmlns:a16="http://schemas.microsoft.com/office/drawing/2014/main" id="{803E3A08-D186-AD4C-CD1E-C2E80558A339}"/>
-              </a:ext>
-            </a:extLst>
-          </p:cNvPr>
-          <p:cNvSpPr txBox="1"/>
-          <p:nvPr/>
-        </p:nvSpPr>
-        <p:spPr>
-          <a:xfrm>
-            <a:off x="6391562" y="2069153"/>
-            <a:ext cx="2752437" cy="400110"/>
-          </a:xfrm>
-          <a:prstGeom prst="rect">
-            <a:avLst/>
-          </a:prstGeom>
-          <a:noFill/>
-        </p:spPr>
-        <p:txBody>
-          <a:bodyPr wrap="square" rtlCol="0">
-            <a:spAutoFit/>
-          </a:bodyPr>
-          <a:lstStyle/>
-          <a:p>
-            <a:r>
-              <a:rPr lang="es-ES" sz="2000" dirty="0"/>
-              <a:t>¿Cómo utilizar los hilos?</a:t>
-            </a:r>
-          </a:p>
-        </p:txBody>
-      </p:sp>
     </p:spTree>
     <p:extLst>
       <p:ext uri="{BB962C8B-B14F-4D97-AF65-F5344CB8AC3E}">
-        <p14:creationId xmlns:p14="http://schemas.microsoft.com/office/powerpoint/2010/main" val="2436269609"/>
+        <p14:creationId xmlns:p14="http://schemas.microsoft.com/office/powerpoint/2010/main" val="2320687364"/>
       </p:ext>
     </p:extLst>
   </p:cSld>
@@ -6136,10 +6022,10 @@
       </p:sp>
       <p:pic>
         <p:nvPicPr>
-          <p:cNvPr id="5" name="Marcador de contenido 4">
-            <a:extLst>
-              <a:ext uri="{FF2B5EF4-FFF2-40B4-BE49-F238E27FC236}">
-                <a16:creationId xmlns:a16="http://schemas.microsoft.com/office/drawing/2014/main" id="{F0B17B3D-99A0-53E4-9D9C-486C86999C11}"/>
+          <p:cNvPr id="7" name="Marcador de contenido 6">
+            <a:extLst>
+              <a:ext uri="{FF2B5EF4-FFF2-40B4-BE49-F238E27FC236}">
+                <a16:creationId xmlns:a16="http://schemas.microsoft.com/office/drawing/2014/main" id="{07499229-7855-E164-DC99-81A7D7CC7170}"/>
               </a:ext>
             </a:extLst>
           </p:cNvPr>
@@ -6164,15 +6050,50 @@
         </p:blipFill>
         <p:spPr>
           <a:xfrm>
-            <a:off x="2976482" y="1938627"/>
-            <a:ext cx="5360883" cy="4175846"/>
+            <a:off x="1153708" y="2905564"/>
+            <a:ext cx="6300037" cy="1714288"/>
           </a:xfrm>
         </p:spPr>
       </p:pic>
+      <p:sp>
+        <p:nvSpPr>
+          <p:cNvPr id="8" name="CuadroTexto 7">
+            <a:extLst>
+              <a:ext uri="{FF2B5EF4-FFF2-40B4-BE49-F238E27FC236}">
+                <a16:creationId xmlns:a16="http://schemas.microsoft.com/office/drawing/2014/main" id="{7228CE4A-5D67-8ACB-1D68-A11D067B4FA2}"/>
+              </a:ext>
+            </a:extLst>
+          </p:cNvPr>
+          <p:cNvSpPr txBox="1"/>
+          <p:nvPr/>
+        </p:nvSpPr>
+        <p:spPr>
+          <a:xfrm>
+            <a:off x="1153708" y="2181136"/>
+            <a:ext cx="5501442" cy="400110"/>
+          </a:xfrm>
+          <a:prstGeom prst="rect">
+            <a:avLst/>
+          </a:prstGeom>
+          <a:noFill/>
+        </p:spPr>
+        <p:txBody>
+          <a:bodyPr wrap="none" rtlCol="0">
+            <a:spAutoFit/>
+          </a:bodyPr>
+          <a:lstStyle/>
+          <a:p>
+            <a:r>
+              <a:rPr lang="es-ES" sz="2000" dirty="0"/>
+              <a:t>Relación pasos temporales y velocidad de cómputo</a:t>
+            </a:r>
+          </a:p>
+        </p:txBody>
+      </p:sp>
     </p:spTree>
     <p:extLst>
       <p:ext uri="{BB962C8B-B14F-4D97-AF65-F5344CB8AC3E}">
-        <p14:creationId xmlns:p14="http://schemas.microsoft.com/office/powerpoint/2010/main" val="2320687364"/>
+        <p14:creationId xmlns:p14="http://schemas.microsoft.com/office/powerpoint/2010/main" val="1296289363"/>
       </p:ext>
     </p:extLst>
   </p:cSld>
@@ -6232,7 +6153,7 @@
           <p:cNvPr id="7" name="Marcador de contenido 6">
             <a:extLst>
               <a:ext uri="{FF2B5EF4-FFF2-40B4-BE49-F238E27FC236}">
-                <a16:creationId xmlns:a16="http://schemas.microsoft.com/office/drawing/2014/main" id="{07499229-7855-E164-DC99-81A7D7CC7170}"/>
+                <a16:creationId xmlns:a16="http://schemas.microsoft.com/office/drawing/2014/main" id="{724BDF83-888E-A119-8D85-0937D75CB2DD}"/>
               </a:ext>
             </a:extLst>
           </p:cNvPr>
@@ -6257,50 +6178,15 @@
         </p:blipFill>
         <p:spPr>
           <a:xfrm>
-            <a:off x="1153708" y="2905564"/>
-            <a:ext cx="6300037" cy="1714288"/>
+            <a:off x="1815536" y="1929390"/>
+            <a:ext cx="8270272" cy="4022725"/>
           </a:xfrm>
         </p:spPr>
       </p:pic>
-      <p:sp>
-        <p:nvSpPr>
-          <p:cNvPr id="8" name="CuadroTexto 7">
-            <a:extLst>
-              <a:ext uri="{FF2B5EF4-FFF2-40B4-BE49-F238E27FC236}">
-                <a16:creationId xmlns:a16="http://schemas.microsoft.com/office/drawing/2014/main" id="{7228CE4A-5D67-8ACB-1D68-A11D067B4FA2}"/>
-              </a:ext>
-            </a:extLst>
-          </p:cNvPr>
-          <p:cNvSpPr txBox="1"/>
-          <p:nvPr/>
-        </p:nvSpPr>
-        <p:spPr>
-          <a:xfrm>
-            <a:off x="1153708" y="2181136"/>
-            <a:ext cx="5501442" cy="400110"/>
-          </a:xfrm>
-          <a:prstGeom prst="rect">
-            <a:avLst/>
-          </a:prstGeom>
-          <a:noFill/>
-        </p:spPr>
-        <p:txBody>
-          <a:bodyPr wrap="none" rtlCol="0">
-            <a:spAutoFit/>
-          </a:bodyPr>
-          <a:lstStyle/>
-          <a:p>
-            <a:r>
-              <a:rPr lang="es-ES" sz="2000" dirty="0"/>
-              <a:t>Relación pasos temporales y velocidad de cómputo</a:t>
-            </a:r>
-          </a:p>
-        </p:txBody>
-      </p:sp>
     </p:spTree>
     <p:extLst>
       <p:ext uri="{BB962C8B-B14F-4D97-AF65-F5344CB8AC3E}">
-        <p14:creationId xmlns:p14="http://schemas.microsoft.com/office/powerpoint/2010/main" val="1296289363"/>
+        <p14:creationId xmlns:p14="http://schemas.microsoft.com/office/powerpoint/2010/main" val="3962223555"/>
       </p:ext>
     </p:extLst>
   </p:cSld>
@@ -6332,7 +6218,7 @@
           <p:cNvPr id="2" name="Título 1">
             <a:extLst>
               <a:ext uri="{FF2B5EF4-FFF2-40B4-BE49-F238E27FC236}">
-                <a16:creationId xmlns:a16="http://schemas.microsoft.com/office/drawing/2014/main" id="{6FAC3096-771E-9B29-2508-EC29E11AF819}"/>
+                <a16:creationId xmlns:a16="http://schemas.microsoft.com/office/drawing/2014/main" id="{8E3E00CF-8BE5-18AC-79E5-C396E779E24A}"/>
               </a:ext>
             </a:extLst>
           </p:cNvPr>
@@ -6357,10 +6243,10 @@
       </p:sp>
       <p:pic>
         <p:nvPicPr>
-          <p:cNvPr id="6" name="Marcador de contenido 5">
-            <a:extLst>
-              <a:ext uri="{FF2B5EF4-FFF2-40B4-BE49-F238E27FC236}">
-                <a16:creationId xmlns:a16="http://schemas.microsoft.com/office/drawing/2014/main" id="{BDC487AB-C66B-D0F8-51F3-9818430CE341}"/>
+          <p:cNvPr id="5" name="Marcador de contenido 4">
+            <a:extLst>
+              <a:ext uri="{FF2B5EF4-FFF2-40B4-BE49-F238E27FC236}">
+                <a16:creationId xmlns:a16="http://schemas.microsoft.com/office/drawing/2014/main" id="{F840B471-553A-68FD-26BA-54855C3335AC}"/>
               </a:ext>
             </a:extLst>
           </p:cNvPr>
@@ -6385,15 +6271,50 @@
         </p:blipFill>
         <p:spPr>
           <a:xfrm>
-            <a:off x="1471369" y="1957099"/>
-            <a:ext cx="8220697" cy="4022725"/>
+            <a:off x="981330" y="2918690"/>
+            <a:ext cx="6265612" cy="1810327"/>
           </a:xfrm>
         </p:spPr>
       </p:pic>
+      <p:sp>
+        <p:nvSpPr>
+          <p:cNvPr id="7" name="CuadroTexto 6">
+            <a:extLst>
+              <a:ext uri="{FF2B5EF4-FFF2-40B4-BE49-F238E27FC236}">
+                <a16:creationId xmlns:a16="http://schemas.microsoft.com/office/drawing/2014/main" id="{DD60FFC0-A248-838E-4A3A-04568DB48602}"/>
+              </a:ext>
+            </a:extLst>
+          </p:cNvPr>
+          <p:cNvSpPr txBox="1"/>
+          <p:nvPr/>
+        </p:nvSpPr>
+        <p:spPr>
+          <a:xfrm>
+            <a:off x="1097279" y="2231103"/>
+            <a:ext cx="6265611" cy="400110"/>
+          </a:xfrm>
+          <a:prstGeom prst="rect">
+            <a:avLst/>
+          </a:prstGeom>
+          <a:noFill/>
+        </p:spPr>
+        <p:txBody>
+          <a:bodyPr wrap="square">
+            <a:spAutoFit/>
+          </a:bodyPr>
+          <a:lstStyle/>
+          <a:p>
+            <a:r>
+              <a:rPr lang="es-ES" sz="2000" dirty="0"/>
+              <a:t>Relación densidad de puntos y velocidad de cómputo</a:t>
+            </a:r>
+          </a:p>
+        </p:txBody>
+      </p:sp>
     </p:spTree>
     <p:extLst>
       <p:ext uri="{BB962C8B-B14F-4D97-AF65-F5344CB8AC3E}">
-        <p14:creationId xmlns:p14="http://schemas.microsoft.com/office/powerpoint/2010/main" val="3962223555"/>
+        <p14:creationId xmlns:p14="http://schemas.microsoft.com/office/powerpoint/2010/main" val="2733583528"/>
       </p:ext>
     </p:extLst>
   </p:cSld>
@@ -6450,10 +6371,10 @@
       </p:sp>
       <p:pic>
         <p:nvPicPr>
-          <p:cNvPr id="5" name="Marcador de contenido 4">
-            <a:extLst>
-              <a:ext uri="{FF2B5EF4-FFF2-40B4-BE49-F238E27FC236}">
-                <a16:creationId xmlns:a16="http://schemas.microsoft.com/office/drawing/2014/main" id="{F840B471-553A-68FD-26BA-54855C3335AC}"/>
+          <p:cNvPr id="6" name="Marcador de contenido 5">
+            <a:extLst>
+              <a:ext uri="{FF2B5EF4-FFF2-40B4-BE49-F238E27FC236}">
+                <a16:creationId xmlns:a16="http://schemas.microsoft.com/office/drawing/2014/main" id="{13427FE9-56C1-DF31-4250-B6CAD5520341}"/>
               </a:ext>
             </a:extLst>
           </p:cNvPr>
@@ -6478,50 +6399,15 @@
         </p:blipFill>
         <p:spPr>
           <a:xfrm>
-            <a:off x="981330" y="2918690"/>
-            <a:ext cx="6265612" cy="1810327"/>
+            <a:off x="2555346" y="1846263"/>
+            <a:ext cx="7141633" cy="4022725"/>
           </a:xfrm>
         </p:spPr>
       </p:pic>
-      <p:sp>
-        <p:nvSpPr>
-          <p:cNvPr id="7" name="CuadroTexto 6">
-            <a:extLst>
-              <a:ext uri="{FF2B5EF4-FFF2-40B4-BE49-F238E27FC236}">
-                <a16:creationId xmlns:a16="http://schemas.microsoft.com/office/drawing/2014/main" id="{DD60FFC0-A248-838E-4A3A-04568DB48602}"/>
-              </a:ext>
-            </a:extLst>
-          </p:cNvPr>
-          <p:cNvSpPr txBox="1"/>
-          <p:nvPr/>
-        </p:nvSpPr>
-        <p:spPr>
-          <a:xfrm>
-            <a:off x="1097279" y="2231103"/>
-            <a:ext cx="6265611" cy="400110"/>
-          </a:xfrm>
-          <a:prstGeom prst="rect">
-            <a:avLst/>
-          </a:prstGeom>
-          <a:noFill/>
-        </p:spPr>
-        <p:txBody>
-          <a:bodyPr wrap="square">
-            <a:spAutoFit/>
-          </a:bodyPr>
-          <a:lstStyle/>
-          <a:p>
-            <a:r>
-              <a:rPr lang="es-ES" sz="2000" dirty="0"/>
-              <a:t>Relación densidad de puntos y velocidad de cómputo</a:t>
-            </a:r>
-          </a:p>
-        </p:txBody>
-      </p:sp>
     </p:spTree>
     <p:extLst>
       <p:ext uri="{BB962C8B-B14F-4D97-AF65-F5344CB8AC3E}">
-        <p14:creationId xmlns:p14="http://schemas.microsoft.com/office/powerpoint/2010/main" val="2733583528"/>
+        <p14:creationId xmlns:p14="http://schemas.microsoft.com/office/powerpoint/2010/main" val="914474855"/>
       </p:ext>
     </p:extLst>
   </p:cSld>
@@ -6553,99 +6439,6 @@
           <p:cNvPr id="2" name="Título 1">
             <a:extLst>
               <a:ext uri="{FF2B5EF4-FFF2-40B4-BE49-F238E27FC236}">
-                <a16:creationId xmlns:a16="http://schemas.microsoft.com/office/drawing/2014/main" id="{8E3E00CF-8BE5-18AC-79E5-C396E779E24A}"/>
-              </a:ext>
-            </a:extLst>
-          </p:cNvPr>
-          <p:cNvSpPr>
-            <a:spLocks noGrp="1"/>
-          </p:cNvSpPr>
-          <p:nvPr>
-            <p:ph type="title"/>
-          </p:nvPr>
-        </p:nvSpPr>
-        <p:spPr/>
-        <p:txBody>
-          <a:bodyPr/>
-          <a:lstStyle/>
-          <a:p>
-            <a:r>
-              <a:rPr lang="es-ES" dirty="0"/>
-              <a:t>RESULTADOS</a:t>
-            </a:r>
-          </a:p>
-        </p:txBody>
-      </p:sp>
-      <p:pic>
-        <p:nvPicPr>
-          <p:cNvPr id="8" name="Marcador de contenido 7">
-            <a:extLst>
-              <a:ext uri="{FF2B5EF4-FFF2-40B4-BE49-F238E27FC236}">
-                <a16:creationId xmlns:a16="http://schemas.microsoft.com/office/drawing/2014/main" id="{338F71F6-A563-8D18-0CD6-A3EAA0001C27}"/>
-              </a:ext>
-            </a:extLst>
-          </p:cNvPr>
-          <p:cNvPicPr>
-            <a:picLocks noGrp="1" noChangeAspect="1"/>
-          </p:cNvPicPr>
-          <p:nvPr>
-            <p:ph idx="1"/>
-          </p:nvPr>
-        </p:nvPicPr>
-        <p:blipFill>
-          <a:blip r:embed="rId2">
-            <a:extLst>
-              <a:ext uri="{28A0092B-C50C-407E-A947-70E740481C1C}">
-                <a14:useLocalDpi xmlns:a14="http://schemas.microsoft.com/office/drawing/2010/main" val="0"/>
-              </a:ext>
-            </a:extLst>
-          </a:blip>
-          <a:stretch>
-            <a:fillRect/>
-          </a:stretch>
-        </p:blipFill>
-        <p:spPr>
-          <a:xfrm>
-            <a:off x="1357745" y="1893454"/>
-            <a:ext cx="7813964" cy="4335798"/>
-          </a:xfrm>
-        </p:spPr>
-      </p:pic>
-    </p:spTree>
-    <p:extLst>
-      <p:ext uri="{BB962C8B-B14F-4D97-AF65-F5344CB8AC3E}">
-        <p14:creationId xmlns:p14="http://schemas.microsoft.com/office/powerpoint/2010/main" val="914474855"/>
-      </p:ext>
-    </p:extLst>
-  </p:cSld>
-  <p:clrMapOvr>
-    <a:masterClrMapping/>
-  </p:clrMapOvr>
-</p:sld>
-</file>
-
-<file path=ppt/slides/slide26.xml><?xml version="1.0" encoding="utf-8"?>
-<p:sld xmlns:a="http://schemas.openxmlformats.org/drawingml/2006/main" xmlns:r="http://schemas.openxmlformats.org/officeDocument/2006/relationships" xmlns:p="http://schemas.openxmlformats.org/presentationml/2006/main">
-  <p:cSld>
-    <p:spTree>
-      <p:nvGrpSpPr>
-        <p:cNvPr id="1" name=""/>
-        <p:cNvGrpSpPr/>
-        <p:nvPr/>
-      </p:nvGrpSpPr>
-      <p:grpSpPr>
-        <a:xfrm>
-          <a:off x="0" y="0"/>
-          <a:ext cx="0" cy="0"/>
-          <a:chOff x="0" y="0"/>
-          <a:chExt cx="0" cy="0"/>
-        </a:xfrm>
-      </p:grpSpPr>
-      <p:sp>
-        <p:nvSpPr>
-          <p:cNvPr id="2" name="Título 1">
-            <a:extLst>
-              <a:ext uri="{FF2B5EF4-FFF2-40B4-BE49-F238E27FC236}">
                 <a16:creationId xmlns:a16="http://schemas.microsoft.com/office/drawing/2014/main" id="{F49CB7BF-85FC-CCF0-405E-D6BECCBA3A40}"/>
               </a:ext>
             </a:extLst>
@@ -6692,7 +6485,13 @@
           <a:p>
             <a:r>
               <a:rPr lang="es-ES" dirty="0"/>
-              <a:t>-Disminución en tiempo de cálculo de aproximadamente un orden de magnitud al usar la GPU lo que puede traducirse en resolver un problema en 1 hora en lugar de una noche de trabajo de cómputo. </a:t>
+              <a:t>-Implementación de un algoritmo generado para CPU en GPU, obteniendo los mismos resultados.</a:t>
+            </a:r>
+          </a:p>
+          <a:p>
+            <a:r>
+              <a:rPr lang="es-ES" dirty="0"/>
+              <a:t>-Mejora en la velocidad de cálculo de 12,6. Lo que se ejecuta en 600 s (10 horas) en CPU, en GPU se calcula en 48 minutos.</a:t>
             </a:r>
           </a:p>
           <a:p>
@@ -6716,7 +6515,7 @@
 </p:sld>
 </file>
 
-<file path=ppt/slides/slide27.xml><?xml version="1.0" encoding="utf-8"?>
+<file path=ppt/slides/slide26.xml><?xml version="1.0" encoding="utf-8"?>
 <p:sld xmlns:a="http://schemas.openxmlformats.org/drawingml/2006/main" xmlns:r="http://schemas.openxmlformats.org/officeDocument/2006/relationships" xmlns:p="http://schemas.openxmlformats.org/presentationml/2006/main">
   <p:cSld>
     <p:spTree>
@@ -7085,13 +6884,13 @@
           <a:p>
             <a:r>
               <a:rPr lang="es-ES" sz="3600" dirty="0"/>
-              <a:t>-¿Cuál es le método de las diferencias finitas en el dominio del tiempo?</a:t>
+              <a:t>-¿Qué es el método de las diferencias finitas en el dominio del tiempo?</a:t>
             </a:r>
           </a:p>
           <a:p>
             <a:r>
               <a:rPr lang="es-ES" sz="3600" dirty="0"/>
-              <a:t>-Aplicaciones del método de diferencias finitas en el dominio del tiempo</a:t>
+              <a:t>-Aplicaciones del método.</a:t>
             </a:r>
           </a:p>
           <a:p>
@@ -7099,6 +6898,9 @@
               <a:rPr lang="es-ES" sz="3600" dirty="0"/>
               <a:t>-¿Por qué implementarlo en GPU?</a:t>
             </a:r>
+          </a:p>
+          <a:p>
+            <a:endParaRPr lang="es-ES" sz="3600" dirty="0"/>
           </a:p>
           <a:p>
             <a:pPr marL="0" indent="0">
@@ -7143,7 +6945,7 @@
           <p:cNvPr id="2" name="Título 1">
             <a:extLst>
               <a:ext uri="{FF2B5EF4-FFF2-40B4-BE49-F238E27FC236}">
-                <a16:creationId xmlns:a16="http://schemas.microsoft.com/office/drawing/2014/main" id="{B789E712-24F9-6F4D-6158-24DCB4B90B9A}"/>
+                <a16:creationId xmlns:a16="http://schemas.microsoft.com/office/drawing/2014/main" id="{2E5D1246-7D67-6BB5-9E1F-45A7976D9B5C}"/>
               </a:ext>
             </a:extLst>
           </p:cNvPr>
@@ -7161,94 +6963,49 @@
           <a:p>
             <a:r>
               <a:rPr lang="es-ES" dirty="0"/>
-              <a:t>MÉTODO DE LAS DIFERENCIAS FINITAS EN EL DOMINIO DEL TIEMPO</a:t>
-            </a:r>
-          </a:p>
-        </p:txBody>
-      </p:sp>
-      <p:pic>
-        <p:nvPicPr>
-          <p:cNvPr id="21" name="Marcador de contenido 20">
-            <a:extLst>
-              <a:ext uri="{FF2B5EF4-FFF2-40B4-BE49-F238E27FC236}">
-                <a16:creationId xmlns:a16="http://schemas.microsoft.com/office/drawing/2014/main" id="{CECA11D3-3848-BECF-994F-29FFA9A2167E}"/>
-              </a:ext>
-            </a:extLst>
-          </p:cNvPr>
-          <p:cNvPicPr>
-            <a:picLocks noGrp="1" noChangeAspect="1"/>
-          </p:cNvPicPr>
+              <a:t>INTRODUCCIÓN</a:t>
+            </a:r>
+          </a:p>
+        </p:txBody>
+      </p:sp>
+      <p:sp>
+        <p:nvSpPr>
+          <p:cNvPr id="3" name="Marcador de contenido 2">
+            <a:extLst>
+              <a:ext uri="{FF2B5EF4-FFF2-40B4-BE49-F238E27FC236}">
+                <a16:creationId xmlns:a16="http://schemas.microsoft.com/office/drawing/2014/main" id="{1B927E43-AC89-A77F-ED04-D6AC9A018491}"/>
+              </a:ext>
+            </a:extLst>
+          </p:cNvPr>
+          <p:cNvSpPr>
+            <a:spLocks noGrp="1"/>
+          </p:cNvSpPr>
           <p:nvPr>
             <p:ph idx="1"/>
           </p:nvPr>
-        </p:nvPicPr>
-        <p:blipFill>
-          <a:blip r:embed="rId2">
-            <a:extLst>
-              <a:ext uri="{28A0092B-C50C-407E-A947-70E740481C1C}">
-                <a14:useLocalDpi xmlns:a14="http://schemas.microsoft.com/office/drawing/2010/main" val="0"/>
-              </a:ext>
-            </a:extLst>
-          </a:blip>
-          <a:stretch>
-            <a:fillRect/>
-          </a:stretch>
-        </p:blipFill>
-        <p:spPr>
-          <a:xfrm>
-            <a:off x="1255135" y="2973819"/>
-            <a:ext cx="4685468" cy="1240271"/>
-          </a:xfrm>
-        </p:spPr>
-      </p:pic>
-      <p:sp>
-        <p:nvSpPr>
-          <p:cNvPr id="3" name="CuadroTexto 2">
-            <a:extLst>
-              <a:ext uri="{FF2B5EF4-FFF2-40B4-BE49-F238E27FC236}">
-                <a16:creationId xmlns:a16="http://schemas.microsoft.com/office/drawing/2014/main" id="{F82D1CD5-C728-824A-D392-342167E27D6A}"/>
-              </a:ext>
-            </a:extLst>
-          </p:cNvPr>
-          <p:cNvSpPr txBox="1"/>
-          <p:nvPr/>
-        </p:nvSpPr>
-        <p:spPr>
-          <a:xfrm>
-            <a:off x="1255135" y="1986257"/>
-            <a:ext cx="7088864" cy="1107996"/>
-          </a:xfrm>
-          <a:prstGeom prst="rect">
-            <a:avLst/>
-          </a:prstGeom>
-          <a:noFill/>
-        </p:spPr>
-        <p:txBody>
-          <a:bodyPr wrap="none" rtlCol="0">
-            <a:spAutoFit/>
+        </p:nvSpPr>
+        <p:spPr/>
+        <p:txBody>
+          <a:bodyPr>
+            <a:normAutofit/>
           </a:bodyPr>
           <a:lstStyle/>
           <a:p>
             <a:r>
-              <a:rPr lang="es-ES" sz="2400" dirty="0"/>
-              <a:t>Método de la diferencia central finita:</a:t>
-            </a:r>
-          </a:p>
-          <a:p>
-            <a:endParaRPr lang="es-ES" sz="2400" dirty="0"/>
-          </a:p>
-          <a:p>
-            <a:r>
-              <a:rPr lang="es-ES" dirty="0"/>
-              <a:t>Desarrollo en serie de Taylor de una función y(x) en los puntos (</a:t>
-            </a:r>
-            <a:r>
-              <a:rPr lang="es-ES" dirty="0" err="1"/>
-              <a:t>x+h</a:t>
-            </a:r>
-            <a:r>
-              <a:rPr lang="es-ES" dirty="0"/>
-              <a:t>), (x-h)</a:t>
+              <a:rPr lang="es-ES" sz="2800" dirty="0"/>
+              <a:t>OBJETIVOS:</a:t>
+            </a:r>
+          </a:p>
+          <a:p>
+            <a:r>
+              <a:rPr lang="es-ES" sz="2800" dirty="0"/>
+              <a:t>-Generar dos algoritmos, uno en CPU y otro en GPU, donde se obtengan los mismos resultados.</a:t>
+            </a:r>
+          </a:p>
+          <a:p>
+            <a:r>
+              <a:rPr lang="es-ES" sz="2800" dirty="0"/>
+              <a:t>-Comparar con ellos el tiempo de cálculo al utilizar cada componente.</a:t>
             </a:r>
           </a:p>
         </p:txBody>
@@ -7256,7 +7013,7 @@
     </p:spTree>
     <p:extLst>
       <p:ext uri="{BB962C8B-B14F-4D97-AF65-F5344CB8AC3E}">
-        <p14:creationId xmlns:p14="http://schemas.microsoft.com/office/powerpoint/2010/main" val="641250783"/>
+        <p14:creationId xmlns:p14="http://schemas.microsoft.com/office/powerpoint/2010/main" val="3179186775"/>
       </p:ext>
     </p:extLst>
   </p:cSld>
@@ -7341,8 +7098,8 @@
         </p:blipFill>
         <p:spPr>
           <a:xfrm>
-            <a:off x="1255135" y="2973819"/>
-            <a:ext cx="4685468" cy="1240271"/>
+            <a:off x="2206479" y="3429000"/>
+            <a:ext cx="7433291" cy="1967636"/>
           </a:xfrm>
         </p:spPr>
       </p:pic>
@@ -7360,7 +7117,7 @@
         </p:nvSpPr>
         <p:spPr>
           <a:xfrm>
-            <a:off x="1255135" y="1986257"/>
+            <a:off x="2668299" y="1986257"/>
             <a:ext cx="7088864" cy="1107996"/>
           </a:xfrm>
           <a:prstGeom prst="rect">
@@ -7376,7 +7133,7 @@
           <a:p>
             <a:r>
               <a:rPr lang="es-ES" sz="2400" dirty="0"/>
-              <a:t>Método de la diferencia central finita:</a:t>
+              <a:t>          Método de la diferencia central finita:</a:t>
             </a:r>
           </a:p>
           <a:p>
@@ -7398,46 +7155,10 @@
           </a:p>
         </p:txBody>
       </p:sp>
-      <p:pic>
-        <p:nvPicPr>
-          <p:cNvPr id="5" name="Imagen 4">
-            <a:extLst>
-              <a:ext uri="{FF2B5EF4-FFF2-40B4-BE49-F238E27FC236}">
-                <a16:creationId xmlns:a16="http://schemas.microsoft.com/office/drawing/2014/main" id="{5C9AFD04-F2A0-B0AE-B15B-FB765EF0AB47}"/>
-              </a:ext>
-            </a:extLst>
-          </p:cNvPr>
-          <p:cNvPicPr>
-            <a:picLocks noChangeAspect="1"/>
-          </p:cNvPicPr>
-          <p:nvPr/>
-        </p:nvPicPr>
-        <p:blipFill>
-          <a:blip r:embed="rId3">
-            <a:extLst>
-              <a:ext uri="{28A0092B-C50C-407E-A947-70E740481C1C}">
-                <a14:useLocalDpi xmlns:a14="http://schemas.microsoft.com/office/drawing/2010/main" val="0"/>
-              </a:ext>
-            </a:extLst>
-          </a:blip>
-          <a:stretch>
-            <a:fillRect/>
-          </a:stretch>
-        </p:blipFill>
-        <p:spPr>
-          <a:xfrm>
-            <a:off x="1593072" y="4566166"/>
-            <a:ext cx="4268211" cy="795768"/>
-          </a:xfrm>
-          <a:prstGeom prst="rect">
-            <a:avLst/>
-          </a:prstGeom>
-        </p:spPr>
-      </p:pic>
     </p:spTree>
     <p:extLst>
       <p:ext uri="{BB962C8B-B14F-4D97-AF65-F5344CB8AC3E}">
-        <p14:creationId xmlns:p14="http://schemas.microsoft.com/office/powerpoint/2010/main" val="3813996492"/>
+        <p14:creationId xmlns:p14="http://schemas.microsoft.com/office/powerpoint/2010/main" val="641250783"/>
       </p:ext>
     </p:extLst>
   </p:cSld>
@@ -7469,7 +7190,7 @@
           <p:cNvPr id="2" name="Título 1">
             <a:extLst>
               <a:ext uri="{FF2B5EF4-FFF2-40B4-BE49-F238E27FC236}">
-                <a16:creationId xmlns:a16="http://schemas.microsoft.com/office/drawing/2014/main" id="{B0FD935F-1AF3-F700-BAC7-0E6A41D4422C}"/>
+                <a16:creationId xmlns:a16="http://schemas.microsoft.com/office/drawing/2014/main" id="{B789E712-24F9-6F4D-6158-24DCB4B90B9A}"/>
               </a:ext>
             </a:extLst>
           </p:cNvPr>
@@ -7494,10 +7215,10 @@
       </p:sp>
       <p:pic>
         <p:nvPicPr>
-          <p:cNvPr id="5" name="Marcador de contenido 4">
-            <a:extLst>
-              <a:ext uri="{FF2B5EF4-FFF2-40B4-BE49-F238E27FC236}">
-                <a16:creationId xmlns:a16="http://schemas.microsoft.com/office/drawing/2014/main" id="{59D951A0-62E2-235B-5035-D74FC8E86954}"/>
+          <p:cNvPr id="21" name="Marcador de contenido 20">
+            <a:extLst>
+              <a:ext uri="{FF2B5EF4-FFF2-40B4-BE49-F238E27FC236}">
+                <a16:creationId xmlns:a16="http://schemas.microsoft.com/office/drawing/2014/main" id="{CECA11D3-3848-BECF-994F-29FFA9A2167E}"/>
               </a:ext>
             </a:extLst>
           </p:cNvPr>
@@ -7522,8 +7243,8 @@
         </p:blipFill>
         <p:spPr>
           <a:xfrm>
-            <a:off x="1289628" y="3028888"/>
-            <a:ext cx="2962563" cy="1948708"/>
+            <a:off x="2261898" y="3156410"/>
+            <a:ext cx="7433291" cy="1967636"/>
           </a:xfrm>
         </p:spPr>
       </p:pic>
@@ -7532,7 +7253,7 @@
           <p:cNvPr id="3" name="CuadroTexto 2">
             <a:extLst>
               <a:ext uri="{FF2B5EF4-FFF2-40B4-BE49-F238E27FC236}">
-                <a16:creationId xmlns:a16="http://schemas.microsoft.com/office/drawing/2014/main" id="{D32FD2E6-BD13-C9AE-8ACA-186A5C31DCE4}"/>
+                <a16:creationId xmlns:a16="http://schemas.microsoft.com/office/drawing/2014/main" id="{F82D1CD5-C728-824A-D392-342167E27D6A}"/>
               </a:ext>
             </a:extLst>
           </p:cNvPr>
@@ -7541,8 +7262,8 @@
         </p:nvSpPr>
         <p:spPr>
           <a:xfrm>
-            <a:off x="1289628" y="2029181"/>
-            <a:ext cx="5360554" cy="707886"/>
+            <a:off x="2606325" y="1892887"/>
+            <a:ext cx="7088864" cy="1107996"/>
           </a:xfrm>
           <a:prstGeom prst="rect">
             <a:avLst/>
@@ -7550,22 +7271,75 @@
           <a:noFill/>
         </p:spPr>
         <p:txBody>
-          <a:bodyPr wrap="square" rtlCol="0">
+          <a:bodyPr wrap="none" rtlCol="0">
             <a:spAutoFit/>
           </a:bodyPr>
           <a:lstStyle/>
           <a:p>
             <a:r>
-              <a:rPr lang="es-ES" sz="2000" dirty="0"/>
-              <a:t>Ecuaciones rotacionales de Maxwell para el campo electromagnético:</a:t>
-            </a:r>
-          </a:p>
-        </p:txBody>
-      </p:sp>
+              <a:rPr lang="es-ES" sz="2400" dirty="0"/>
+              <a:t>         Método de la diferencia central finita:</a:t>
+            </a:r>
+          </a:p>
+          <a:p>
+            <a:endParaRPr lang="es-ES" sz="2400" dirty="0"/>
+          </a:p>
+          <a:p>
+            <a:r>
+              <a:rPr lang="es-ES" dirty="0"/>
+              <a:t>Desarrollo en serie de Taylor de una función y(x) en los puntos (</a:t>
+            </a:r>
+            <a:r>
+              <a:rPr lang="es-ES" dirty="0" err="1"/>
+              <a:t>x+h</a:t>
+            </a:r>
+            <a:r>
+              <a:rPr lang="es-ES" dirty="0"/>
+              <a:t>), (x-h)</a:t>
+            </a:r>
+          </a:p>
+        </p:txBody>
+      </p:sp>
+      <p:pic>
+        <p:nvPicPr>
+          <p:cNvPr id="5" name="Imagen 4">
+            <a:extLst>
+              <a:ext uri="{FF2B5EF4-FFF2-40B4-BE49-F238E27FC236}">
+                <a16:creationId xmlns:a16="http://schemas.microsoft.com/office/drawing/2014/main" id="{027A22C4-6124-190D-80AF-72056C3E188B}"/>
+              </a:ext>
+            </a:extLst>
+          </p:cNvPr>
+          <p:cNvPicPr>
+            <a:picLocks noChangeAspect="1"/>
+          </p:cNvPicPr>
+          <p:nvPr/>
+        </p:nvPicPr>
+        <p:blipFill>
+          <a:blip r:embed="rId3">
+            <a:extLst>
+              <a:ext uri="{28A0092B-C50C-407E-A947-70E740481C1C}">
+                <a14:useLocalDpi xmlns:a14="http://schemas.microsoft.com/office/drawing/2010/main" val="0"/>
+              </a:ext>
+            </a:extLst>
+          </a:blip>
+          <a:stretch>
+            <a:fillRect/>
+          </a:stretch>
+        </p:blipFill>
+        <p:spPr>
+          <a:xfrm>
+            <a:off x="2575100" y="4938527"/>
+            <a:ext cx="6654129" cy="1240600"/>
+          </a:xfrm>
+          <a:prstGeom prst="rect">
+            <a:avLst/>
+          </a:prstGeom>
+        </p:spPr>
+      </p:pic>
     </p:spTree>
     <p:extLst>
       <p:ext uri="{BB962C8B-B14F-4D97-AF65-F5344CB8AC3E}">
-        <p14:creationId xmlns:p14="http://schemas.microsoft.com/office/powerpoint/2010/main" val="4143661912"/>
+        <p14:creationId xmlns:p14="http://schemas.microsoft.com/office/powerpoint/2010/main" val="2088113416"/>
       </p:ext>
     </p:extLst>
   </p:cSld>
@@ -7651,7 +7425,7 @@
         <p:spPr>
           <a:xfrm>
             <a:off x="1289628" y="3028888"/>
-            <a:ext cx="2962563" cy="1948708"/>
+            <a:ext cx="4215245" cy="2772694"/>
           </a:xfrm>
         </p:spPr>
       </p:pic>
@@ -7690,81 +7464,10 @@
           </a:p>
         </p:txBody>
       </p:sp>
-      <p:sp>
-        <p:nvSpPr>
-          <p:cNvPr id="4" name="CuadroTexto 3">
-            <a:extLst>
-              <a:ext uri="{FF2B5EF4-FFF2-40B4-BE49-F238E27FC236}">
-                <a16:creationId xmlns:a16="http://schemas.microsoft.com/office/drawing/2014/main" id="{3E0BC4E3-1BE2-75D7-6FA8-BF2F3D962486}"/>
-              </a:ext>
-            </a:extLst>
-          </p:cNvPr>
-          <p:cNvSpPr txBox="1"/>
-          <p:nvPr/>
-        </p:nvSpPr>
-        <p:spPr>
-          <a:xfrm>
-            <a:off x="7610765" y="2029181"/>
-            <a:ext cx="2166254" cy="400110"/>
-          </a:xfrm>
-          <a:prstGeom prst="rect">
-            <a:avLst/>
-          </a:prstGeom>
-          <a:noFill/>
-        </p:spPr>
-        <p:txBody>
-          <a:bodyPr wrap="square" rtlCol="0">
-            <a:spAutoFit/>
-          </a:bodyPr>
-          <a:lstStyle/>
-          <a:p>
-            <a:r>
-              <a:rPr lang="es-ES" sz="2000" dirty="0"/>
-              <a:t>Normalización:</a:t>
-            </a:r>
-          </a:p>
-        </p:txBody>
-      </p:sp>
-      <p:pic>
-        <p:nvPicPr>
-          <p:cNvPr id="6" name="Imagen 5">
-            <a:extLst>
-              <a:ext uri="{FF2B5EF4-FFF2-40B4-BE49-F238E27FC236}">
-                <a16:creationId xmlns:a16="http://schemas.microsoft.com/office/drawing/2014/main" id="{01BA59C4-BF40-908A-C821-1A09A755ED0C}"/>
-              </a:ext>
-            </a:extLst>
-          </p:cNvPr>
-          <p:cNvPicPr>
-            <a:picLocks noChangeAspect="1"/>
-          </p:cNvPicPr>
-          <p:nvPr/>
-        </p:nvPicPr>
-        <p:blipFill>
-          <a:blip r:embed="rId3">
-            <a:extLst>
-              <a:ext uri="{28A0092B-C50C-407E-A947-70E740481C1C}">
-                <a14:useLocalDpi xmlns:a14="http://schemas.microsoft.com/office/drawing/2010/main" val="0"/>
-              </a:ext>
-            </a:extLst>
-          </a:blip>
-          <a:stretch>
-            <a:fillRect/>
-          </a:stretch>
-        </p:blipFill>
-        <p:spPr>
-          <a:xfrm>
-            <a:off x="7382163" y="3028888"/>
-            <a:ext cx="2394855" cy="1683656"/>
-          </a:xfrm>
-          <a:prstGeom prst="rect">
-            <a:avLst/>
-          </a:prstGeom>
-        </p:spPr>
-      </p:pic>
     </p:spTree>
     <p:extLst>
       <p:ext uri="{BB962C8B-B14F-4D97-AF65-F5344CB8AC3E}">
-        <p14:creationId xmlns:p14="http://schemas.microsoft.com/office/powerpoint/2010/main" val="3984499355"/>
+        <p14:creationId xmlns:p14="http://schemas.microsoft.com/office/powerpoint/2010/main" val="4143661912"/>
       </p:ext>
     </p:extLst>
   </p:cSld>

--- a/Diapositivas/FDTD.pptx
+++ b/Diapositivas/FDTD.pptx
@@ -7,30 +7,23 @@
   <p:sldIdLst>
     <p:sldId id="256" r:id="rId2"/>
     <p:sldId id="257" r:id="rId3"/>
-    <p:sldId id="258" r:id="rId4"/>
-    <p:sldId id="286" r:id="rId5"/>
-    <p:sldId id="285" r:id="rId6"/>
-    <p:sldId id="287" r:id="rId7"/>
-    <p:sldId id="259" r:id="rId8"/>
-    <p:sldId id="288" r:id="rId9"/>
-    <p:sldId id="274" r:id="rId10"/>
-    <p:sldId id="289" r:id="rId11"/>
-    <p:sldId id="276" r:id="rId12"/>
-    <p:sldId id="262" r:id="rId13"/>
-    <p:sldId id="263" r:id="rId14"/>
-    <p:sldId id="264" r:id="rId15"/>
-    <p:sldId id="278" r:id="rId16"/>
-    <p:sldId id="279" r:id="rId17"/>
-    <p:sldId id="265" r:id="rId18"/>
-    <p:sldId id="280" r:id="rId19"/>
-    <p:sldId id="290" r:id="rId20"/>
-    <p:sldId id="266" r:id="rId21"/>
-    <p:sldId id="281" r:id="rId22"/>
-    <p:sldId id="282" r:id="rId23"/>
-    <p:sldId id="283" r:id="rId24"/>
-    <p:sldId id="284" r:id="rId25"/>
-    <p:sldId id="267" r:id="rId26"/>
-    <p:sldId id="268" r:id="rId27"/>
+    <p:sldId id="286" r:id="rId4"/>
+    <p:sldId id="287" r:id="rId5"/>
+    <p:sldId id="288" r:id="rId6"/>
+    <p:sldId id="289" r:id="rId7"/>
+    <p:sldId id="262" r:id="rId8"/>
+    <p:sldId id="263" r:id="rId9"/>
+    <p:sldId id="278" r:id="rId10"/>
+    <p:sldId id="279" r:id="rId11"/>
+    <p:sldId id="280" r:id="rId12"/>
+    <p:sldId id="290" r:id="rId13"/>
+    <p:sldId id="266" r:id="rId14"/>
+    <p:sldId id="281" r:id="rId15"/>
+    <p:sldId id="282" r:id="rId16"/>
+    <p:sldId id="283" r:id="rId17"/>
+    <p:sldId id="284" r:id="rId18"/>
+    <p:sldId id="267" r:id="rId19"/>
+    <p:sldId id="268" r:id="rId20"/>
   </p:sldIdLst>
   <p:sldSz cx="12192000" cy="6858000"/>
   <p:notesSz cx="6858000" cy="9144000"/>
@@ -136,21 +129,14 @@
           <p14:sldIdLst>
             <p14:sldId id="256"/>
             <p14:sldId id="257"/>
-            <p14:sldId id="258"/>
             <p14:sldId id="286"/>
-            <p14:sldId id="285"/>
             <p14:sldId id="287"/>
-            <p14:sldId id="259"/>
             <p14:sldId id="288"/>
-            <p14:sldId id="274"/>
             <p14:sldId id="289"/>
-            <p14:sldId id="276"/>
             <p14:sldId id="262"/>
             <p14:sldId id="263"/>
-            <p14:sldId id="264"/>
             <p14:sldId id="278"/>
             <p14:sldId id="279"/>
-            <p14:sldId id="265"/>
             <p14:sldId id="280"/>
             <p14:sldId id="290"/>
             <p14:sldId id="266"/>
@@ -409,7 +395,7 @@
           <a:p>
             <a:fld id="{733945E4-D158-4B9F-A4A8-6C5D2482C5ED}" type="datetimeFigureOut">
               <a:rPr lang="es-ES" smtClean="0"/>
-              <a:t>28/06/2022</a:t>
+              <a:t>30/06/2022</a:t>
             </a:fld>
             <a:endParaRPr lang="es-ES"/>
           </a:p>
@@ -617,7 +603,7 @@
           <a:p>
             <a:fld id="{733945E4-D158-4B9F-A4A8-6C5D2482C5ED}" type="datetimeFigureOut">
               <a:rPr lang="es-ES" smtClean="0"/>
-              <a:t>28/06/2022</a:t>
+              <a:t>30/06/2022</a:t>
             </a:fld>
             <a:endParaRPr lang="es-ES"/>
           </a:p>
@@ -873,7 +859,7 @@
           <a:p>
             <a:fld id="{733945E4-D158-4B9F-A4A8-6C5D2482C5ED}" type="datetimeFigureOut">
               <a:rPr lang="es-ES" smtClean="0"/>
-              <a:t>28/06/2022</a:t>
+              <a:t>30/06/2022</a:t>
             </a:fld>
             <a:endParaRPr lang="es-ES"/>
           </a:p>
@@ -1047,7 +1033,7 @@
           <a:p>
             <a:fld id="{733945E4-D158-4B9F-A4A8-6C5D2482C5ED}" type="datetimeFigureOut">
               <a:rPr lang="es-ES" smtClean="0"/>
-              <a:t>28/06/2022</a:t>
+              <a:t>30/06/2022</a:t>
             </a:fld>
             <a:endParaRPr lang="es-ES"/>
           </a:p>
@@ -1390,7 +1376,7 @@
           <a:p>
             <a:fld id="{733945E4-D158-4B9F-A4A8-6C5D2482C5ED}" type="datetimeFigureOut">
               <a:rPr lang="es-ES" smtClean="0"/>
-              <a:t>28/06/2022</a:t>
+              <a:t>30/06/2022</a:t>
             </a:fld>
             <a:endParaRPr lang="es-ES"/>
           </a:p>
@@ -1665,7 +1651,7 @@
           <a:p>
             <a:fld id="{733945E4-D158-4B9F-A4A8-6C5D2482C5ED}" type="datetimeFigureOut">
               <a:rPr lang="es-ES" smtClean="0"/>
-              <a:t>28/06/2022</a:t>
+              <a:t>30/06/2022</a:t>
             </a:fld>
             <a:endParaRPr lang="es-ES"/>
           </a:p>
@@ -2044,7 +2030,7 @@
           <a:p>
             <a:fld id="{733945E4-D158-4B9F-A4A8-6C5D2482C5ED}" type="datetimeFigureOut">
               <a:rPr lang="es-ES" smtClean="0"/>
-              <a:t>28/06/2022</a:t>
+              <a:t>30/06/2022</a:t>
             </a:fld>
             <a:endParaRPr lang="es-ES"/>
           </a:p>
@@ -2162,7 +2148,7 @@
           <a:p>
             <a:fld id="{733945E4-D158-4B9F-A4A8-6C5D2482C5ED}" type="datetimeFigureOut">
               <a:rPr lang="es-ES" smtClean="0"/>
-              <a:t>28/06/2022</a:t>
+              <a:t>30/06/2022</a:t>
             </a:fld>
             <a:endParaRPr lang="es-ES"/>
           </a:p>
@@ -2333,7 +2319,7 @@
           <a:p>
             <a:fld id="{733945E4-D158-4B9F-A4A8-6C5D2482C5ED}" type="datetimeFigureOut">
               <a:rPr lang="es-ES" smtClean="0"/>
-              <a:t>28/06/2022</a:t>
+              <a:t>30/06/2022</a:t>
             </a:fld>
             <a:endParaRPr lang="es-ES"/>
           </a:p>
@@ -2687,7 +2673,7 @@
           <a:p>
             <a:fld id="{733945E4-D158-4B9F-A4A8-6C5D2482C5ED}" type="datetimeFigureOut">
               <a:rPr lang="es-ES" smtClean="0"/>
-              <a:t>28/06/2022</a:t>
+              <a:t>30/06/2022</a:t>
             </a:fld>
             <a:endParaRPr lang="es-ES"/>
           </a:p>
@@ -3069,7 +3055,7 @@
           <a:p>
             <a:fld id="{733945E4-D158-4B9F-A4A8-6C5D2482C5ED}" type="datetimeFigureOut">
               <a:rPr lang="es-ES" smtClean="0"/>
-              <a:t>28/06/2022</a:t>
+              <a:t>30/06/2022</a:t>
             </a:fld>
             <a:endParaRPr lang="es-ES"/>
           </a:p>
@@ -3356,7 +3342,7 @@
           <a:p>
             <a:fld id="{733945E4-D158-4B9F-A4A8-6C5D2482C5ED}" type="datetimeFigureOut">
               <a:rPr lang="es-ES" smtClean="0"/>
-              <a:t>28/06/2022</a:t>
+              <a:t>30/06/2022</a:t>
             </a:fld>
             <a:endParaRPr lang="es-ES"/>
           </a:p>
@@ -3987,7 +3973,7 @@
           <p:cNvPr id="2" name="Título 1">
             <a:extLst>
               <a:ext uri="{FF2B5EF4-FFF2-40B4-BE49-F238E27FC236}">
-                <a16:creationId xmlns:a16="http://schemas.microsoft.com/office/drawing/2014/main" id="{B0FD935F-1AF3-F700-BAC7-0E6A41D4422C}"/>
+                <a16:creationId xmlns:a16="http://schemas.microsoft.com/office/drawing/2014/main" id="{D5D26131-75A9-E62C-0F0F-BEAD5153D68D}"/>
               </a:ext>
             </a:extLst>
           </p:cNvPr>
@@ -4005,87 +3991,17 @@
           <a:p>
             <a:r>
               <a:rPr lang="es-ES" dirty="0"/>
-              <a:t>MÉTODO DE LAS DIFERENCIAS FINITAS EN EL DOMINIO DEL TIEMPO</a:t>
+              <a:t>GPU</a:t>
             </a:r>
           </a:p>
         </p:txBody>
       </p:sp>
       <p:pic>
         <p:nvPicPr>
-          <p:cNvPr id="5" name="Marcador de contenido 4">
+          <p:cNvPr id="4" name="Imagen 3">
             <a:extLst>
               <a:ext uri="{FF2B5EF4-FFF2-40B4-BE49-F238E27FC236}">
-                <a16:creationId xmlns:a16="http://schemas.microsoft.com/office/drawing/2014/main" id="{59D951A0-62E2-235B-5035-D74FC8E86954}"/>
-              </a:ext>
-            </a:extLst>
-          </p:cNvPr>
-          <p:cNvPicPr>
-            <a:picLocks noGrp="1" noChangeAspect="1"/>
-          </p:cNvPicPr>
-          <p:nvPr>
-            <p:ph idx="1"/>
-          </p:nvPr>
-        </p:nvPicPr>
-        <p:blipFill>
-          <a:blip r:embed="rId2">
-            <a:extLst>
-              <a:ext uri="{28A0092B-C50C-407E-A947-70E740481C1C}">
-                <a14:useLocalDpi xmlns:a14="http://schemas.microsoft.com/office/drawing/2010/main" val="0"/>
-              </a:ext>
-            </a:extLst>
-          </a:blip>
-          <a:stretch>
-            <a:fillRect/>
-          </a:stretch>
-        </p:blipFill>
-        <p:spPr>
-          <a:xfrm>
-            <a:off x="1289628" y="3028888"/>
-            <a:ext cx="4215245" cy="2772694"/>
-          </a:xfrm>
-        </p:spPr>
-      </p:pic>
-      <p:sp>
-        <p:nvSpPr>
-          <p:cNvPr id="3" name="CuadroTexto 2">
-            <a:extLst>
-              <a:ext uri="{FF2B5EF4-FFF2-40B4-BE49-F238E27FC236}">
-                <a16:creationId xmlns:a16="http://schemas.microsoft.com/office/drawing/2014/main" id="{D32FD2E6-BD13-C9AE-8ACA-186A5C31DCE4}"/>
-              </a:ext>
-            </a:extLst>
-          </p:cNvPr>
-          <p:cNvSpPr txBox="1"/>
-          <p:nvPr/>
-        </p:nvSpPr>
-        <p:spPr>
-          <a:xfrm>
-            <a:off x="1289628" y="2029181"/>
-            <a:ext cx="5360554" cy="707886"/>
-          </a:xfrm>
-          <a:prstGeom prst="rect">
-            <a:avLst/>
-          </a:prstGeom>
-          <a:noFill/>
-        </p:spPr>
-        <p:txBody>
-          <a:bodyPr wrap="square" rtlCol="0">
-            <a:spAutoFit/>
-          </a:bodyPr>
-          <a:lstStyle/>
-          <a:p>
-            <a:r>
-              <a:rPr lang="es-ES" sz="2000" dirty="0"/>
-              <a:t>Ecuaciones rotacionales de Maxwell para el campo electromagnético:</a:t>
-            </a:r>
-          </a:p>
-        </p:txBody>
-      </p:sp>
-      <p:pic>
-        <p:nvPicPr>
-          <p:cNvPr id="6" name="Imagen 5">
-            <a:extLst>
-              <a:ext uri="{FF2B5EF4-FFF2-40B4-BE49-F238E27FC236}">
-                <a16:creationId xmlns:a16="http://schemas.microsoft.com/office/drawing/2014/main" id="{115E08D9-6CEA-551B-C5F5-2C5492D19CCD}"/>
+                <a16:creationId xmlns:a16="http://schemas.microsoft.com/office/drawing/2014/main" id="{D4865D58-BB31-C630-C607-A5961363A918}"/>
               </a:ext>
             </a:extLst>
           </p:cNvPr>
@@ -4095,7 +4011,7 @@
           <p:nvPr/>
         </p:nvPicPr>
         <p:blipFill>
-          <a:blip r:embed="rId3">
+          <a:blip r:embed="rId2">
             <a:extLst>
               <a:ext uri="{28A0092B-C50C-407E-A947-70E740481C1C}">
                 <a14:useLocalDpi xmlns:a14="http://schemas.microsoft.com/office/drawing/2010/main" val="0"/>
@@ -4108,8 +4024,8 @@
         </p:blipFill>
         <p:spPr>
           <a:xfrm>
-            <a:off x="6465455" y="2795870"/>
-            <a:ext cx="4680355" cy="3309783"/>
+            <a:off x="759228" y="2454030"/>
+            <a:ext cx="5720143" cy="2930770"/>
           </a:xfrm>
           <a:prstGeom prst="rect">
             <a:avLst/>
@@ -4121,7 +4037,7 @@
           <p:cNvPr id="7" name="CuadroTexto 6">
             <a:extLst>
               <a:ext uri="{FF2B5EF4-FFF2-40B4-BE49-F238E27FC236}">
-                <a16:creationId xmlns:a16="http://schemas.microsoft.com/office/drawing/2014/main" id="{44EC1E49-47C3-94B9-F31B-23046AE736F5}"/>
+                <a16:creationId xmlns:a16="http://schemas.microsoft.com/office/drawing/2014/main" id="{879A991E-12E0-6293-D502-D43254B3AFE6}"/>
               </a:ext>
             </a:extLst>
           </p:cNvPr>
@@ -4130,8 +4046,8 @@
         </p:nvSpPr>
         <p:spPr>
           <a:xfrm>
-            <a:off x="7333673" y="2066560"/>
-            <a:ext cx="4252190" cy="400110"/>
+            <a:off x="1411506" y="1911029"/>
+            <a:ext cx="2569366" cy="369332"/>
           </a:xfrm>
           <a:prstGeom prst="rect">
             <a:avLst/>
@@ -4139,6 +4055,111 @@
           <a:noFill/>
         </p:spPr>
         <p:txBody>
+          <a:bodyPr wrap="square" rtlCol="0">
+            <a:spAutoFit/>
+          </a:bodyPr>
+          <a:lstStyle/>
+          <a:p>
+            <a:r>
+              <a:rPr lang="es-ES" dirty="0"/>
+              <a:t>Estructura conceptual</a:t>
+            </a:r>
+          </a:p>
+        </p:txBody>
+      </p:sp>
+      <p:pic>
+        <p:nvPicPr>
+          <p:cNvPr id="16" name="Marcador de contenido 15">
+            <a:extLst>
+              <a:ext uri="{FF2B5EF4-FFF2-40B4-BE49-F238E27FC236}">
+                <a16:creationId xmlns:a16="http://schemas.microsoft.com/office/drawing/2014/main" id="{29928B42-BC58-2ED8-E9E0-400E81D24D02}"/>
+              </a:ext>
+            </a:extLst>
+          </p:cNvPr>
+          <p:cNvPicPr>
+            <a:picLocks noGrp="1" noChangeAspect="1"/>
+          </p:cNvPicPr>
+          <p:nvPr>
+            <p:ph idx="1"/>
+          </p:nvPr>
+        </p:nvPicPr>
+        <p:blipFill>
+          <a:blip r:embed="rId3">
+            <a:extLst>
+              <a:ext uri="{28A0092B-C50C-407E-A947-70E740481C1C}">
+                <a14:useLocalDpi xmlns:a14="http://schemas.microsoft.com/office/drawing/2010/main" val="0"/>
+              </a:ext>
+            </a:extLst>
+          </a:blip>
+          <a:stretch>
+            <a:fillRect/>
+          </a:stretch>
+        </p:blipFill>
+        <p:spPr>
+          <a:xfrm>
+            <a:off x="6379324" y="2641600"/>
+            <a:ext cx="5620097" cy="2479041"/>
+          </a:xfrm>
+        </p:spPr>
+      </p:pic>
+      <p:sp>
+        <p:nvSpPr>
+          <p:cNvPr id="17" name="CuadroTexto 16">
+            <a:extLst>
+              <a:ext uri="{FF2B5EF4-FFF2-40B4-BE49-F238E27FC236}">
+                <a16:creationId xmlns:a16="http://schemas.microsoft.com/office/drawing/2014/main" id="{9E5E5598-F98B-0588-96A3-FC44C6C87B3D}"/>
+              </a:ext>
+            </a:extLst>
+          </p:cNvPr>
+          <p:cNvSpPr txBox="1"/>
+          <p:nvPr/>
+        </p:nvSpPr>
+        <p:spPr>
+          <a:xfrm>
+            <a:off x="7148946" y="1911029"/>
+            <a:ext cx="2900218" cy="369332"/>
+          </a:xfrm>
+          <a:prstGeom prst="rect">
+            <a:avLst/>
+          </a:prstGeom>
+          <a:noFill/>
+        </p:spPr>
+        <p:txBody>
+          <a:bodyPr wrap="square" rtlCol="0">
+            <a:spAutoFit/>
+          </a:bodyPr>
+          <a:lstStyle/>
+          <a:p>
+            <a:r>
+              <a:rPr lang="es-ES" dirty="0"/>
+              <a:t>¿Cómo localizar un hilo?</a:t>
+            </a:r>
+          </a:p>
+        </p:txBody>
+      </p:sp>
+      <p:sp>
+        <p:nvSpPr>
+          <p:cNvPr id="8" name="CuadroTexto 7">
+            <a:extLst>
+              <a:ext uri="{FF2B5EF4-FFF2-40B4-BE49-F238E27FC236}">
+                <a16:creationId xmlns:a16="http://schemas.microsoft.com/office/drawing/2014/main" id="{83CD0A1B-1138-AABE-55EC-22F85C1B19F9}"/>
+              </a:ext>
+            </a:extLst>
+          </p:cNvPr>
+          <p:cNvSpPr txBox="1"/>
+          <p:nvPr/>
+        </p:nvSpPr>
+        <p:spPr>
+          <a:xfrm>
+            <a:off x="3842328" y="5916804"/>
+            <a:ext cx="6096000" cy="369332"/>
+          </a:xfrm>
+          <a:prstGeom prst="rect">
+            <a:avLst/>
+          </a:prstGeom>
+          <a:noFill/>
+        </p:spPr>
+        <p:txBody>
           <a:bodyPr wrap="square">
             <a:spAutoFit/>
           </a:bodyPr>
@@ -4146,23 +4167,20 @@
           <a:p>
             <a:r>
               <a:rPr lang="es-ES" dirty="0"/>
-              <a:t>Modo </a:t>
-            </a:r>
-            <a:r>
-              <a:rPr lang="es-ES" sz="2000" dirty="0"/>
-              <a:t>transversal</a:t>
-            </a:r>
-            <a:r>
-              <a:rPr lang="es-ES" dirty="0"/>
-              <a:t> magnético</a:t>
-            </a:r>
+              <a:t>Fuente: Documentación de </a:t>
+            </a:r>
+            <a:r>
+              <a:rPr lang="es-ES" dirty="0" err="1"/>
+              <a:t>Nvidia</a:t>
+            </a:r>
+            <a:endParaRPr lang="es-ES" dirty="0"/>
           </a:p>
         </p:txBody>
       </p:sp>
     </p:spTree>
     <p:extLst>
       <p:ext uri="{BB962C8B-B14F-4D97-AF65-F5344CB8AC3E}">
-        <p14:creationId xmlns:p14="http://schemas.microsoft.com/office/powerpoint/2010/main" val="3850569127"/>
+        <p14:creationId xmlns:p14="http://schemas.microsoft.com/office/powerpoint/2010/main" val="3873182990"/>
       </p:ext>
     </p:extLst>
   </p:cSld>
@@ -4194,7 +4212,7 @@
           <p:cNvPr id="2" name="Título 1">
             <a:extLst>
               <a:ext uri="{FF2B5EF4-FFF2-40B4-BE49-F238E27FC236}">
-                <a16:creationId xmlns:a16="http://schemas.microsoft.com/office/drawing/2014/main" id="{088C8544-1787-CA9B-1CEB-98AB49542484}"/>
+                <a16:creationId xmlns:a16="http://schemas.microsoft.com/office/drawing/2014/main" id="{3650E897-1C1E-EB2F-C403-3B9AA322B461}"/>
               </a:ext>
             </a:extLst>
           </p:cNvPr>
@@ -4212,59 +4230,26 @@
           <a:p>
             <a:r>
               <a:rPr lang="es-ES" dirty="0"/>
-              <a:t>MÉTODO DE LAS DIFERENCIAS FINITAS EN EL DOMINIO DEL TIEMPO</a:t>
-            </a:r>
-          </a:p>
-        </p:txBody>
-      </p:sp>
-      <p:sp>
-        <p:nvSpPr>
-          <p:cNvPr id="3" name="Marcador de contenido 2">
-            <a:extLst>
-              <a:ext uri="{FF2B5EF4-FFF2-40B4-BE49-F238E27FC236}">
-                <a16:creationId xmlns:a16="http://schemas.microsoft.com/office/drawing/2014/main" id="{BDA16B5B-9EBB-4DB8-F5C0-24EA4213EF56}"/>
-              </a:ext>
-            </a:extLst>
-          </p:cNvPr>
-          <p:cNvSpPr>
-            <a:spLocks noGrp="1"/>
-          </p:cNvSpPr>
-          <p:nvPr>
-            <p:ph idx="1"/>
-          </p:nvPr>
-        </p:nvSpPr>
-        <p:spPr>
-          <a:xfrm>
-            <a:off x="1289429" y="2036241"/>
-            <a:ext cx="3646516" cy="416113"/>
-          </a:xfrm>
-        </p:spPr>
-        <p:txBody>
-          <a:bodyPr>
-            <a:normAutofit/>
-          </a:bodyPr>
-          <a:lstStyle/>
-          <a:p>
-            <a:r>
-              <a:rPr lang="es-ES" dirty="0"/>
-              <a:t>Modo transversal magnético</a:t>
+              <a:t>GPU</a:t>
             </a:r>
           </a:p>
         </p:txBody>
       </p:sp>
       <p:pic>
         <p:nvPicPr>
-          <p:cNvPr id="5" name="Imagen 4">
+          <p:cNvPr id="5" name="Marcador de contenido 4">
             <a:extLst>
               <a:ext uri="{FF2B5EF4-FFF2-40B4-BE49-F238E27FC236}">
-                <a16:creationId xmlns:a16="http://schemas.microsoft.com/office/drawing/2014/main" id="{48274402-67C8-8944-038B-B2E315663BA3}"/>
+                <a16:creationId xmlns:a16="http://schemas.microsoft.com/office/drawing/2014/main" id="{052A3FCB-0DCD-F0FB-EC9A-B9652012EB74}"/>
               </a:ext>
             </a:extLst>
           </p:cNvPr>
           <p:cNvPicPr>
-            <a:picLocks noChangeAspect="1"/>
+            <a:picLocks noGrp="1" noChangeAspect="1"/>
           </p:cNvPicPr>
-          <p:nvPr/>
+          <p:nvPr>
+            <p:ph idx="1"/>
+          </p:nvPr>
         </p:nvPicPr>
         <p:blipFill>
           <a:blip r:embed="rId2">
@@ -4280,20 +4265,58 @@
         </p:blipFill>
         <p:spPr>
           <a:xfrm>
-            <a:off x="852227" y="2639319"/>
-            <a:ext cx="3664354" cy="2591303"/>
+            <a:off x="914835" y="3047277"/>
+            <a:ext cx="5029148" cy="998248"/>
+          </a:xfrm>
+        </p:spPr>
+      </p:pic>
+      <p:sp>
+        <p:nvSpPr>
+          <p:cNvPr id="6" name="CuadroTexto 5">
+            <a:extLst>
+              <a:ext uri="{FF2B5EF4-FFF2-40B4-BE49-F238E27FC236}">
+                <a16:creationId xmlns:a16="http://schemas.microsoft.com/office/drawing/2014/main" id="{46B4FC26-2054-00CB-4FB5-87B9FC35C0A1}"/>
+              </a:ext>
+            </a:extLst>
+          </p:cNvPr>
+          <p:cNvSpPr txBox="1"/>
+          <p:nvPr/>
+        </p:nvSpPr>
+        <p:spPr>
+          <a:xfrm>
+            <a:off x="1097280" y="2069153"/>
+            <a:ext cx="4136261" cy="707886"/>
           </a:xfrm>
           <a:prstGeom prst="rect">
             <a:avLst/>
           </a:prstGeom>
-        </p:spPr>
-      </p:pic>
+          <a:noFill/>
+        </p:spPr>
+        <p:txBody>
+          <a:bodyPr wrap="none" rtlCol="0">
+            <a:spAutoFit/>
+          </a:bodyPr>
+          <a:lstStyle/>
+          <a:p>
+            <a:r>
+              <a:rPr lang="es-ES" sz="2000" dirty="0"/>
+              <a:t>¿Cómo determinar la fila y la columna</a:t>
+            </a:r>
+          </a:p>
+          <a:p>
+            <a:r>
+              <a:rPr lang="es-ES" sz="2000" dirty="0"/>
+              <a:t>de un hilo?</a:t>
+            </a:r>
+          </a:p>
+        </p:txBody>
+      </p:sp>
       <p:pic>
         <p:nvPicPr>
-          <p:cNvPr id="7" name="Imagen 6">
+          <p:cNvPr id="4" name="Imagen 3">
             <a:extLst>
               <a:ext uri="{FF2B5EF4-FFF2-40B4-BE49-F238E27FC236}">
-                <a16:creationId xmlns:a16="http://schemas.microsoft.com/office/drawing/2014/main" id="{E5A4D28C-9CFC-E90A-182E-8CABEFE792AA}"/>
+                <a16:creationId xmlns:a16="http://schemas.microsoft.com/office/drawing/2014/main" id="{98E2365E-DE5E-1444-8449-E464C77F40A5}"/>
               </a:ext>
             </a:extLst>
           </p:cNvPr>
@@ -4316,8 +4339,8 @@
         </p:blipFill>
         <p:spPr>
           <a:xfrm>
-            <a:off x="5355308" y="2639319"/>
-            <a:ext cx="5289233" cy="3036020"/>
+            <a:off x="6096000" y="3250187"/>
+            <a:ext cx="5810250" cy="1590675"/>
           </a:xfrm>
           <a:prstGeom prst="rect">
             <a:avLst/>
@@ -4326,10 +4349,10 @@
       </p:pic>
       <p:sp>
         <p:nvSpPr>
-          <p:cNvPr id="4" name="CuadroTexto 3">
+          <p:cNvPr id="7" name="CuadroTexto 6">
             <a:extLst>
               <a:ext uri="{FF2B5EF4-FFF2-40B4-BE49-F238E27FC236}">
-                <a16:creationId xmlns:a16="http://schemas.microsoft.com/office/drawing/2014/main" id="{FC814BFB-B1E5-26A9-7EC6-99CA6D43AC80}"/>
+                <a16:creationId xmlns:a16="http://schemas.microsoft.com/office/drawing/2014/main" id="{803E3A08-D186-AD4C-CD1E-C2E80558A339}"/>
               </a:ext>
             </a:extLst>
           </p:cNvPr>
@@ -4338,8 +4361,8 @@
         </p:nvSpPr>
         <p:spPr>
           <a:xfrm>
-            <a:off x="5855858" y="2036241"/>
-            <a:ext cx="4765535" cy="646331"/>
+            <a:off x="6391562" y="2069153"/>
+            <a:ext cx="2752437" cy="400110"/>
           </a:xfrm>
           <a:prstGeom prst="rect">
             <a:avLst/>
@@ -4347,20 +4370,14 @@
           <a:noFill/>
         </p:spPr>
         <p:txBody>
-          <a:bodyPr wrap="none" rtlCol="0">
+          <a:bodyPr wrap="square" rtlCol="0">
             <a:spAutoFit/>
           </a:bodyPr>
           <a:lstStyle/>
           <a:p>
             <a:r>
-              <a:rPr lang="es-ES" dirty="0"/>
-              <a:t>Modo transversal magnético al aplicar el método</a:t>
-            </a:r>
-          </a:p>
-          <a:p>
-            <a:r>
-              <a:rPr lang="es-ES" dirty="0"/>
-              <a:t> de la diferencia central finita</a:t>
+              <a:rPr lang="es-ES" sz="2000" dirty="0"/>
+              <a:t>¿Cómo utilizar los hilos?</a:t>
             </a:r>
           </a:p>
         </p:txBody>
@@ -4368,7 +4385,7 @@
     </p:spTree>
     <p:extLst>
       <p:ext uri="{BB962C8B-B14F-4D97-AF65-F5344CB8AC3E}">
-        <p14:creationId xmlns:p14="http://schemas.microsoft.com/office/powerpoint/2010/main" val="4193368062"/>
+        <p14:creationId xmlns:p14="http://schemas.microsoft.com/office/powerpoint/2010/main" val="2436269609"/>
       </p:ext>
     </p:extLst>
   </p:cSld>
@@ -4400,7 +4417,7 @@
           <p:cNvPr id="2" name="Título 1">
             <a:extLst>
               <a:ext uri="{FF2B5EF4-FFF2-40B4-BE49-F238E27FC236}">
-                <a16:creationId xmlns:a16="http://schemas.microsoft.com/office/drawing/2014/main" id="{19B35C62-E1A1-3267-E548-3971B9D2D9CA}"/>
+                <a16:creationId xmlns:a16="http://schemas.microsoft.com/office/drawing/2014/main" id="{37748150-D632-041F-7D6A-905AACC2C18F}"/>
               </a:ext>
             </a:extLst>
           </p:cNvPr>
@@ -4418,26 +4435,56 @@
           <a:p>
             <a:r>
               <a:rPr lang="es-ES" dirty="0"/>
-              <a:t>MÉTODO DE LAS DIFERENCIAS FINITAS EN EL DOMINIO DEL TIEMPO</a:t>
-            </a:r>
+              <a:t>Tecnología utilizada</a:t>
+            </a:r>
+          </a:p>
+        </p:txBody>
+      </p:sp>
+      <p:sp>
+        <p:nvSpPr>
+          <p:cNvPr id="3" name="Marcador de contenido 2">
+            <a:extLst>
+              <a:ext uri="{FF2B5EF4-FFF2-40B4-BE49-F238E27FC236}">
+                <a16:creationId xmlns:a16="http://schemas.microsoft.com/office/drawing/2014/main" id="{36461925-464F-2627-0626-4E762B9E7A8B}"/>
+              </a:ext>
+            </a:extLst>
+          </p:cNvPr>
+          <p:cNvSpPr>
+            <a:spLocks noGrp="1"/>
+          </p:cNvSpPr>
+          <p:nvPr>
+            <p:ph idx="1"/>
+          </p:nvPr>
+        </p:nvSpPr>
+        <p:spPr>
+          <a:xfrm>
+            <a:off x="11562080" y="684482"/>
+            <a:ext cx="629920" cy="156027"/>
+          </a:xfrm>
+        </p:spPr>
+        <p:txBody>
+          <a:bodyPr>
+            <a:normAutofit fontScale="25000" lnSpcReduction="20000"/>
+          </a:bodyPr>
+          <a:lstStyle/>
+          <a:p>
+            <a:endParaRPr lang="es-ES" sz="2800" dirty="0"/>
           </a:p>
         </p:txBody>
       </p:sp>
       <p:pic>
         <p:nvPicPr>
-          <p:cNvPr id="4" name="Marcador de contenido 3">
+          <p:cNvPr id="5" name="Imagen 4">
             <a:extLst>
               <a:ext uri="{FF2B5EF4-FFF2-40B4-BE49-F238E27FC236}">
-                <a16:creationId xmlns:a16="http://schemas.microsoft.com/office/drawing/2014/main" id="{3024CD9F-0692-5821-162D-2EDD7115358F}"/>
+                <a16:creationId xmlns:a16="http://schemas.microsoft.com/office/drawing/2014/main" id="{DDB9F83E-16FE-6CE2-A123-4290DC29D93D}"/>
               </a:ext>
             </a:extLst>
           </p:cNvPr>
           <p:cNvPicPr>
-            <a:picLocks noGrp="1" noChangeAspect="1"/>
+            <a:picLocks noChangeAspect="1"/>
           </p:cNvPicPr>
-          <p:nvPr>
-            <p:ph idx="1"/>
-          </p:nvPr>
+          <p:nvPr/>
         </p:nvPicPr>
         <p:blipFill>
           <a:blip r:embed="rId2">
@@ -4453,8 +4500,8 @@
         </p:blipFill>
         <p:spPr>
           <a:xfrm>
-            <a:off x="902277" y="2645496"/>
-            <a:ext cx="4762500" cy="2733675"/>
+            <a:off x="222041" y="4197448"/>
+            <a:ext cx="3775457" cy="1590675"/>
           </a:xfrm>
           <a:prstGeom prst="rect">
             <a:avLst/>
@@ -4463,10 +4510,10 @@
       </p:pic>
       <p:pic>
         <p:nvPicPr>
-          <p:cNvPr id="6" name="Imagen 5">
+          <p:cNvPr id="7" name="Imagen 6">
             <a:extLst>
               <a:ext uri="{FF2B5EF4-FFF2-40B4-BE49-F238E27FC236}">
-                <a16:creationId xmlns:a16="http://schemas.microsoft.com/office/drawing/2014/main" id="{48AD936C-F111-5C6F-D94F-9E59788F7191}"/>
+                <a16:creationId xmlns:a16="http://schemas.microsoft.com/office/drawing/2014/main" id="{3723D435-DE15-EDA0-0FD1-CC324B141848}"/>
               </a:ext>
             </a:extLst>
           </p:cNvPr>
@@ -4489,88 +4536,162 @@
         </p:blipFill>
         <p:spPr>
           <a:xfrm>
-            <a:off x="6225309" y="2649392"/>
-            <a:ext cx="4273261" cy="2929089"/>
+            <a:off x="4413972" y="4197448"/>
+            <a:ext cx="3018341" cy="1708688"/>
           </a:xfrm>
           <a:prstGeom prst="rect">
             <a:avLst/>
           </a:prstGeom>
         </p:spPr>
       </p:pic>
-      <p:sp>
-        <p:nvSpPr>
-          <p:cNvPr id="7" name="CuadroTexto 6">
+      <p:pic>
+        <p:nvPicPr>
+          <p:cNvPr id="9" name="Imagen 8">
             <a:extLst>
               <a:ext uri="{FF2B5EF4-FFF2-40B4-BE49-F238E27FC236}">
-                <a16:creationId xmlns:a16="http://schemas.microsoft.com/office/drawing/2014/main" id="{652F3191-1B8F-AB35-B072-3D23DF81807A}"/>
+                <a16:creationId xmlns:a16="http://schemas.microsoft.com/office/drawing/2014/main" id="{032828CE-E5A5-CB37-38DA-86BE42A19F9A}"/>
               </a:ext>
             </a:extLst>
           </p:cNvPr>
-          <p:cNvSpPr txBox="1"/>
+          <p:cNvPicPr>
+            <a:picLocks noChangeAspect="1"/>
+          </p:cNvPicPr>
           <p:nvPr/>
-        </p:nvSpPr>
-        <p:spPr>
-          <a:xfrm>
-            <a:off x="1662545" y="2099126"/>
-            <a:ext cx="3241964" cy="369332"/>
+        </p:nvPicPr>
+        <p:blipFill>
+          <a:blip r:embed="rId4">
+            <a:extLst>
+              <a:ext uri="{28A0092B-C50C-407E-A947-70E740481C1C}">
+                <a14:useLocalDpi xmlns:a14="http://schemas.microsoft.com/office/drawing/2010/main" val="0"/>
+              </a:ext>
+            </a:extLst>
+          </a:blip>
+          <a:stretch>
+            <a:fillRect/>
+          </a:stretch>
+        </p:blipFill>
+        <p:spPr>
+          <a:xfrm>
+            <a:off x="8366343" y="4241953"/>
+            <a:ext cx="3010504" cy="1616634"/>
           </a:xfrm>
           <a:prstGeom prst="rect">
             <a:avLst/>
           </a:prstGeom>
-          <a:noFill/>
-        </p:spPr>
-        <p:txBody>
-          <a:bodyPr wrap="square">
-            <a:spAutoFit/>
-          </a:bodyPr>
-          <a:lstStyle/>
-          <a:p>
-            <a:r>
-              <a:rPr lang="es-ES" dirty="0"/>
-              <a:t>Modo transversal magnético</a:t>
-            </a:r>
-          </a:p>
-        </p:txBody>
-      </p:sp>
-      <p:sp>
-        <p:nvSpPr>
-          <p:cNvPr id="5" name="CuadroTexto 4">
+        </p:spPr>
+      </p:pic>
+      <p:pic>
+        <p:nvPicPr>
+          <p:cNvPr id="6" name="Imagen 5">
             <a:extLst>
               <a:ext uri="{FF2B5EF4-FFF2-40B4-BE49-F238E27FC236}">
-                <a16:creationId xmlns:a16="http://schemas.microsoft.com/office/drawing/2014/main" id="{0EDAE0E5-EB04-5F62-FE3E-CAF696266619}"/>
+                <a16:creationId xmlns:a16="http://schemas.microsoft.com/office/drawing/2014/main" id="{C68B148C-BE1F-1080-323B-BC834007063F}"/>
               </a:ext>
             </a:extLst>
           </p:cNvPr>
-          <p:cNvSpPr txBox="1"/>
+          <p:cNvPicPr>
+            <a:picLocks noChangeAspect="1"/>
+          </p:cNvPicPr>
           <p:nvPr/>
-        </p:nvSpPr>
-        <p:spPr>
-          <a:xfrm>
-            <a:off x="6825672" y="2099126"/>
-            <a:ext cx="3406382" cy="369332"/>
+        </p:nvPicPr>
+        <p:blipFill>
+          <a:blip r:embed="rId5">
+            <a:extLst>
+              <a:ext uri="{28A0092B-C50C-407E-A947-70E740481C1C}">
+                <a14:useLocalDpi xmlns:a14="http://schemas.microsoft.com/office/drawing/2010/main" val="0"/>
+              </a:ext>
+            </a:extLst>
+          </a:blip>
+          <a:stretch>
+            <a:fillRect/>
+          </a:stretch>
+        </p:blipFill>
+        <p:spPr>
+          <a:xfrm>
+            <a:off x="222041" y="2003232"/>
+            <a:ext cx="3228975" cy="1714500"/>
           </a:xfrm>
           <a:prstGeom prst="rect">
             <a:avLst/>
           </a:prstGeom>
-          <a:noFill/>
-        </p:spPr>
-        <p:txBody>
-          <a:bodyPr wrap="none" rtlCol="0">
-            <a:spAutoFit/>
-          </a:bodyPr>
-          <a:lstStyle/>
-          <a:p>
-            <a:r>
-              <a:rPr lang="es-ES" dirty="0"/>
-              <a:t>Campos intercalados en el espacio</a:t>
-            </a:r>
-          </a:p>
-        </p:txBody>
-      </p:sp>
+        </p:spPr>
+      </p:pic>
+      <p:pic>
+        <p:nvPicPr>
+          <p:cNvPr id="10" name="Imagen 9">
+            <a:extLst>
+              <a:ext uri="{FF2B5EF4-FFF2-40B4-BE49-F238E27FC236}">
+                <a16:creationId xmlns:a16="http://schemas.microsoft.com/office/drawing/2014/main" id="{3AED4734-F3DF-2D99-366C-FEDA179377A5}"/>
+              </a:ext>
+            </a:extLst>
+          </p:cNvPr>
+          <p:cNvPicPr>
+            <a:picLocks noChangeAspect="1"/>
+          </p:cNvPicPr>
+          <p:nvPr/>
+        </p:nvPicPr>
+        <p:blipFill>
+          <a:blip r:embed="rId6">
+            <a:extLst>
+              <a:ext uri="{28A0092B-C50C-407E-A947-70E740481C1C}">
+                <a14:useLocalDpi xmlns:a14="http://schemas.microsoft.com/office/drawing/2010/main" val="0"/>
+              </a:ext>
+            </a:extLst>
+          </a:blip>
+          <a:stretch>
+            <a:fillRect/>
+          </a:stretch>
+        </p:blipFill>
+        <p:spPr>
+          <a:xfrm>
+            <a:off x="8967786" y="1946082"/>
+            <a:ext cx="1571625" cy="1828800"/>
+          </a:xfrm>
+          <a:prstGeom prst="rect">
+            <a:avLst/>
+          </a:prstGeom>
+        </p:spPr>
+      </p:pic>
+      <p:pic>
+        <p:nvPicPr>
+          <p:cNvPr id="12" name="Imagen 11">
+            <a:extLst>
+              <a:ext uri="{FF2B5EF4-FFF2-40B4-BE49-F238E27FC236}">
+                <a16:creationId xmlns:a16="http://schemas.microsoft.com/office/drawing/2014/main" id="{8891DA58-8FC3-D96D-23F9-89D0EAD91869}"/>
+              </a:ext>
+            </a:extLst>
+          </p:cNvPr>
+          <p:cNvPicPr>
+            <a:picLocks noChangeAspect="1"/>
+          </p:cNvPicPr>
+          <p:nvPr/>
+        </p:nvPicPr>
+        <p:blipFill>
+          <a:blip r:embed="rId7">
+            <a:extLst>
+              <a:ext uri="{28A0092B-C50C-407E-A947-70E740481C1C}">
+                <a14:useLocalDpi xmlns:a14="http://schemas.microsoft.com/office/drawing/2010/main" val="0"/>
+              </a:ext>
+            </a:extLst>
+          </a:blip>
+          <a:stretch>
+            <a:fillRect/>
+          </a:stretch>
+        </p:blipFill>
+        <p:spPr>
+          <a:xfrm>
+            <a:off x="4821453" y="2003232"/>
+            <a:ext cx="2409825" cy="1657350"/>
+          </a:xfrm>
+          <a:prstGeom prst="rect">
+            <a:avLst/>
+          </a:prstGeom>
+        </p:spPr>
+      </p:pic>
     </p:spTree>
     <p:extLst>
       <p:ext uri="{BB962C8B-B14F-4D97-AF65-F5344CB8AC3E}">
-        <p14:creationId xmlns:p14="http://schemas.microsoft.com/office/powerpoint/2010/main" val="1227228958"/>
+        <p14:creationId xmlns:p14="http://schemas.microsoft.com/office/powerpoint/2010/main" val="1317514712"/>
       </p:ext>
     </p:extLst>
   </p:cSld>
@@ -4602,7 +4723,7 @@
           <p:cNvPr id="2" name="Título 1">
             <a:extLst>
               <a:ext uri="{FF2B5EF4-FFF2-40B4-BE49-F238E27FC236}">
-                <a16:creationId xmlns:a16="http://schemas.microsoft.com/office/drawing/2014/main" id="{CB15EEC0-2F32-9869-0402-4C55FBABA7AE}"/>
+                <a16:creationId xmlns:a16="http://schemas.microsoft.com/office/drawing/2014/main" id="{6FAC3096-771E-9B29-2508-EC29E11AF819}"/>
               </a:ext>
             </a:extLst>
           </p:cNvPr>
@@ -4620,17 +4741,17 @@
           <a:p>
             <a:r>
               <a:rPr lang="es-ES" dirty="0"/>
-              <a:t>GPU</a:t>
+              <a:t>RESULTADOS</a:t>
             </a:r>
           </a:p>
         </p:txBody>
       </p:sp>
       <p:pic>
         <p:nvPicPr>
-          <p:cNvPr id="5" name="Marcador de contenido 4">
+          <p:cNvPr id="7" name="Marcador de contenido 6">
             <a:extLst>
               <a:ext uri="{FF2B5EF4-FFF2-40B4-BE49-F238E27FC236}">
-                <a16:creationId xmlns:a16="http://schemas.microsoft.com/office/drawing/2014/main" id="{C46A613E-8E42-9DA4-1F4E-E4682D3B3B7D}"/>
+                <a16:creationId xmlns:a16="http://schemas.microsoft.com/office/drawing/2014/main" id="{D3C2BF81-3849-D6F1-6063-0B72B8934FC7}"/>
               </a:ext>
             </a:extLst>
           </p:cNvPr>
@@ -4655,50 +4776,123 @@
         </p:blipFill>
         <p:spPr>
           <a:xfrm>
-            <a:off x="2851439" y="2582718"/>
-            <a:ext cx="6124575" cy="3067050"/>
+            <a:off x="0" y="2385175"/>
+            <a:ext cx="3417930" cy="2493353"/>
           </a:xfrm>
         </p:spPr>
       </p:pic>
-      <p:sp>
-        <p:nvSpPr>
-          <p:cNvPr id="6" name="CuadroTexto 5">
+      <p:pic>
+        <p:nvPicPr>
+          <p:cNvPr id="9" name="Imagen 8">
             <a:extLst>
               <a:ext uri="{FF2B5EF4-FFF2-40B4-BE49-F238E27FC236}">
-                <a16:creationId xmlns:a16="http://schemas.microsoft.com/office/drawing/2014/main" id="{700CF258-4B8A-6FD4-284B-E8077BBA2532}"/>
+                <a16:creationId xmlns:a16="http://schemas.microsoft.com/office/drawing/2014/main" id="{DF2A8E1C-4035-6317-2350-8BDE8FEF2C70}"/>
               </a:ext>
             </a:extLst>
           </p:cNvPr>
-          <p:cNvSpPr txBox="1"/>
+          <p:cNvPicPr>
+            <a:picLocks noChangeAspect="1"/>
+          </p:cNvPicPr>
           <p:nvPr/>
-        </p:nvSpPr>
-        <p:spPr>
-          <a:xfrm>
-            <a:off x="1508881" y="1975373"/>
-            <a:ext cx="3294028" cy="400110"/>
+        </p:nvPicPr>
+        <p:blipFill>
+          <a:blip r:embed="rId3">
+            <a:extLst>
+              <a:ext uri="{28A0092B-C50C-407E-A947-70E740481C1C}">
+                <a14:useLocalDpi xmlns:a14="http://schemas.microsoft.com/office/drawing/2010/main" val="0"/>
+              </a:ext>
+            </a:extLst>
+          </a:blip>
+          <a:stretch>
+            <a:fillRect/>
+          </a:stretch>
+        </p:blipFill>
+        <p:spPr>
+          <a:xfrm>
+            <a:off x="3132691" y="2397768"/>
+            <a:ext cx="3508253" cy="2493353"/>
           </a:xfrm>
           <a:prstGeom prst="rect">
             <a:avLst/>
           </a:prstGeom>
-          <a:noFill/>
-        </p:spPr>
-        <p:txBody>
-          <a:bodyPr wrap="square" rtlCol="0">
-            <a:spAutoFit/>
-          </a:bodyPr>
-          <a:lstStyle/>
-          <a:p>
-            <a:r>
-              <a:rPr lang="es-ES" sz="2000" dirty="0"/>
-              <a:t>Diferencias GPU-CPU</a:t>
-            </a:r>
-          </a:p>
-        </p:txBody>
-      </p:sp>
+        </p:spPr>
+      </p:pic>
+      <p:pic>
+        <p:nvPicPr>
+          <p:cNvPr id="11" name="Imagen 10">
+            <a:extLst>
+              <a:ext uri="{FF2B5EF4-FFF2-40B4-BE49-F238E27FC236}">
+                <a16:creationId xmlns:a16="http://schemas.microsoft.com/office/drawing/2014/main" id="{030635BE-8A6F-DB36-84EC-B740F59DD63E}"/>
+              </a:ext>
+            </a:extLst>
+          </p:cNvPr>
+          <p:cNvPicPr>
+            <a:picLocks noChangeAspect="1"/>
+          </p:cNvPicPr>
+          <p:nvPr/>
+        </p:nvPicPr>
+        <p:blipFill>
+          <a:blip r:embed="rId4">
+            <a:extLst>
+              <a:ext uri="{28A0092B-C50C-407E-A947-70E740481C1C}">
+                <a14:useLocalDpi xmlns:a14="http://schemas.microsoft.com/office/drawing/2010/main" val="0"/>
+              </a:ext>
+            </a:extLst>
+          </a:blip>
+          <a:stretch>
+            <a:fillRect/>
+          </a:stretch>
+        </p:blipFill>
+        <p:spPr>
+          <a:xfrm>
+            <a:off x="6550621" y="2539089"/>
+            <a:ext cx="3049151" cy="2210710"/>
+          </a:xfrm>
+          <a:prstGeom prst="rect">
+            <a:avLst/>
+          </a:prstGeom>
+        </p:spPr>
+      </p:pic>
+      <p:pic>
+        <p:nvPicPr>
+          <p:cNvPr id="13" name="Imagen 12">
+            <a:extLst>
+              <a:ext uri="{FF2B5EF4-FFF2-40B4-BE49-F238E27FC236}">
+                <a16:creationId xmlns:a16="http://schemas.microsoft.com/office/drawing/2014/main" id="{457A44CD-B859-46BA-DF35-24CAE10693E2}"/>
+              </a:ext>
+            </a:extLst>
+          </p:cNvPr>
+          <p:cNvPicPr>
+            <a:picLocks noChangeAspect="1"/>
+          </p:cNvPicPr>
+          <p:nvPr/>
+        </p:nvPicPr>
+        <p:blipFill>
+          <a:blip r:embed="rId5">
+            <a:extLst>
+              <a:ext uri="{28A0092B-C50C-407E-A947-70E740481C1C}">
+                <a14:useLocalDpi xmlns:a14="http://schemas.microsoft.com/office/drawing/2010/main" val="0"/>
+              </a:ext>
+            </a:extLst>
+          </a:blip>
+          <a:stretch>
+            <a:fillRect/>
+          </a:stretch>
+        </p:blipFill>
+        <p:spPr>
+          <a:xfrm>
+            <a:off x="9222267" y="2632363"/>
+            <a:ext cx="2820023" cy="2031089"/>
+          </a:xfrm>
+          <a:prstGeom prst="rect">
+            <a:avLst/>
+          </a:prstGeom>
+        </p:spPr>
+      </p:pic>
     </p:spTree>
     <p:extLst>
       <p:ext uri="{BB962C8B-B14F-4D97-AF65-F5344CB8AC3E}">
-        <p14:creationId xmlns:p14="http://schemas.microsoft.com/office/powerpoint/2010/main" val="254445952"/>
+        <p14:creationId xmlns:p14="http://schemas.microsoft.com/office/powerpoint/2010/main" val="2320687364"/>
       </p:ext>
     </p:extLst>
   </p:cSld>
@@ -4730,7 +4924,7 @@
           <p:cNvPr id="2" name="Título 1">
             <a:extLst>
               <a:ext uri="{FF2B5EF4-FFF2-40B4-BE49-F238E27FC236}">
-                <a16:creationId xmlns:a16="http://schemas.microsoft.com/office/drawing/2014/main" id="{D5D26131-75A9-E62C-0F0F-BEAD5153D68D}"/>
+                <a16:creationId xmlns:a16="http://schemas.microsoft.com/office/drawing/2014/main" id="{6FAC3096-771E-9B29-2508-EC29E11AF819}"/>
               </a:ext>
             </a:extLst>
           </p:cNvPr>
@@ -4748,17 +4942,52 @@
           <a:p>
             <a:r>
               <a:rPr lang="es-ES" dirty="0"/>
-              <a:t>GPU</a:t>
+              <a:t>RESULTADOS</a:t>
+            </a:r>
+          </a:p>
+        </p:txBody>
+      </p:sp>
+      <p:sp>
+        <p:nvSpPr>
+          <p:cNvPr id="8" name="CuadroTexto 7">
+            <a:extLst>
+              <a:ext uri="{FF2B5EF4-FFF2-40B4-BE49-F238E27FC236}">
+                <a16:creationId xmlns:a16="http://schemas.microsoft.com/office/drawing/2014/main" id="{7228CE4A-5D67-8ACB-1D68-A11D067B4FA2}"/>
+              </a:ext>
+            </a:extLst>
+          </p:cNvPr>
+          <p:cNvSpPr txBox="1"/>
+          <p:nvPr/>
+        </p:nvSpPr>
+        <p:spPr>
+          <a:xfrm>
+            <a:off x="1153708" y="2181136"/>
+            <a:ext cx="5501442" cy="400110"/>
+          </a:xfrm>
+          <a:prstGeom prst="rect">
+            <a:avLst/>
+          </a:prstGeom>
+          <a:noFill/>
+        </p:spPr>
+        <p:txBody>
+          <a:bodyPr wrap="none" rtlCol="0">
+            <a:spAutoFit/>
+          </a:bodyPr>
+          <a:lstStyle/>
+          <a:p>
+            <a:r>
+              <a:rPr lang="es-ES" sz="2000" dirty="0"/>
+              <a:t>Relación pasos temporales y velocidad de cómputo</a:t>
             </a:r>
           </a:p>
         </p:txBody>
       </p:sp>
       <p:pic>
         <p:nvPicPr>
-          <p:cNvPr id="5" name="Marcador de contenido 4">
+          <p:cNvPr id="6" name="Marcador de contenido 5">
             <a:extLst>
               <a:ext uri="{FF2B5EF4-FFF2-40B4-BE49-F238E27FC236}">
-                <a16:creationId xmlns:a16="http://schemas.microsoft.com/office/drawing/2014/main" id="{8601063A-95FC-C887-FA4F-7F7D1B866887}"/>
+                <a16:creationId xmlns:a16="http://schemas.microsoft.com/office/drawing/2014/main" id="{6EB91FD7-3356-73AE-838E-F984645625B5}"/>
               </a:ext>
             </a:extLst>
           </p:cNvPr>
@@ -4783,17 +5012,17 @@
         </p:blipFill>
         <p:spPr>
           <a:xfrm>
-            <a:off x="1521547" y="2311689"/>
-            <a:ext cx="4315834" cy="3653237"/>
+            <a:off x="913582" y="3355484"/>
+            <a:ext cx="7224702" cy="1842542"/>
           </a:xfrm>
         </p:spPr>
       </p:pic>
       <p:sp>
         <p:nvSpPr>
-          <p:cNvPr id="6" name="CuadroTexto 5">
+          <p:cNvPr id="9" name="CuadroTexto 8">
             <a:extLst>
               <a:ext uri="{FF2B5EF4-FFF2-40B4-BE49-F238E27FC236}">
-                <a16:creationId xmlns:a16="http://schemas.microsoft.com/office/drawing/2014/main" id="{9C3F0DBE-8BB0-7B07-18E3-E667F1E3BA7F}"/>
+                <a16:creationId xmlns:a16="http://schemas.microsoft.com/office/drawing/2014/main" id="{C4625C2B-43C3-1C87-5DB3-0FD79AF9A5D6}"/>
               </a:ext>
             </a:extLst>
           </p:cNvPr>
@@ -4802,8 +5031,8 @@
         </p:nvSpPr>
         <p:spPr>
           <a:xfrm>
-            <a:off x="1348509" y="1942357"/>
-            <a:ext cx="1976582" cy="400110"/>
+            <a:off x="8700656" y="3429000"/>
+            <a:ext cx="2974108" cy="646331"/>
           </a:xfrm>
           <a:prstGeom prst="rect">
             <a:avLst/>
@@ -4817,8 +5046,12 @@
           <a:lstStyle/>
           <a:p>
             <a:r>
-              <a:rPr lang="es-ES" sz="2000" dirty="0"/>
-              <a:t>Estructura GPU</a:t>
+              <a:rPr lang="es-ES" dirty="0" err="1"/>
+              <a:t>Speed</a:t>
+            </a:r>
+            <a:r>
+              <a:rPr lang="es-ES" dirty="0"/>
+              <a:t> up medio de x12.3 ± 0.5</a:t>
             </a:r>
           </a:p>
         </p:txBody>
@@ -4826,7 +5059,7 @@
     </p:spTree>
     <p:extLst>
       <p:ext uri="{BB962C8B-B14F-4D97-AF65-F5344CB8AC3E}">
-        <p14:creationId xmlns:p14="http://schemas.microsoft.com/office/powerpoint/2010/main" val="3993339992"/>
+        <p14:creationId xmlns:p14="http://schemas.microsoft.com/office/powerpoint/2010/main" val="1296289363"/>
       </p:ext>
     </p:extLst>
   </p:cSld>
@@ -4858,7 +5091,7 @@
           <p:cNvPr id="2" name="Título 1">
             <a:extLst>
               <a:ext uri="{FF2B5EF4-FFF2-40B4-BE49-F238E27FC236}">
-                <a16:creationId xmlns:a16="http://schemas.microsoft.com/office/drawing/2014/main" id="{D5D26131-75A9-E62C-0F0F-BEAD5153D68D}"/>
+                <a16:creationId xmlns:a16="http://schemas.microsoft.com/office/drawing/2014/main" id="{6FAC3096-771E-9B29-2508-EC29E11AF819}"/>
               </a:ext>
             </a:extLst>
           </p:cNvPr>
@@ -4876,17 +5109,17 @@
           <a:p>
             <a:r>
               <a:rPr lang="es-ES" dirty="0"/>
-              <a:t>GPU</a:t>
+              <a:t>RESULTADOS</a:t>
             </a:r>
           </a:p>
         </p:txBody>
       </p:sp>
       <p:pic>
         <p:nvPicPr>
-          <p:cNvPr id="5" name="Marcador de contenido 4">
+          <p:cNvPr id="7" name="Marcador de contenido 6">
             <a:extLst>
               <a:ext uri="{FF2B5EF4-FFF2-40B4-BE49-F238E27FC236}">
-                <a16:creationId xmlns:a16="http://schemas.microsoft.com/office/drawing/2014/main" id="{8601063A-95FC-C887-FA4F-7F7D1B866887}"/>
+                <a16:creationId xmlns:a16="http://schemas.microsoft.com/office/drawing/2014/main" id="{724BDF83-888E-A119-8D85-0937D75CB2DD}"/>
               </a:ext>
             </a:extLst>
           </p:cNvPr>
@@ -4911,121 +5144,15 @@
         </p:blipFill>
         <p:spPr>
           <a:xfrm>
-            <a:off x="1521547" y="2311689"/>
-            <a:ext cx="4315834" cy="3653237"/>
+            <a:off x="1815536" y="1929390"/>
+            <a:ext cx="8270272" cy="4022725"/>
           </a:xfrm>
         </p:spPr>
       </p:pic>
-      <p:sp>
-        <p:nvSpPr>
-          <p:cNvPr id="6" name="CuadroTexto 5">
-            <a:extLst>
-              <a:ext uri="{FF2B5EF4-FFF2-40B4-BE49-F238E27FC236}">
-                <a16:creationId xmlns:a16="http://schemas.microsoft.com/office/drawing/2014/main" id="{9C3F0DBE-8BB0-7B07-18E3-E667F1E3BA7F}"/>
-              </a:ext>
-            </a:extLst>
-          </p:cNvPr>
-          <p:cNvSpPr txBox="1"/>
-          <p:nvPr/>
-        </p:nvSpPr>
-        <p:spPr>
-          <a:xfrm>
-            <a:off x="1348509" y="1942357"/>
-            <a:ext cx="1976582" cy="400110"/>
-          </a:xfrm>
-          <a:prstGeom prst="rect">
-            <a:avLst/>
-          </a:prstGeom>
-          <a:noFill/>
-        </p:spPr>
-        <p:txBody>
-          <a:bodyPr wrap="square" rtlCol="0">
-            <a:spAutoFit/>
-          </a:bodyPr>
-          <a:lstStyle/>
-          <a:p>
-            <a:r>
-              <a:rPr lang="es-ES" sz="2000" dirty="0"/>
-              <a:t>Estructura GPU</a:t>
-            </a:r>
-          </a:p>
-        </p:txBody>
-      </p:sp>
-      <p:pic>
-        <p:nvPicPr>
-          <p:cNvPr id="4" name="Imagen 3">
-            <a:extLst>
-              <a:ext uri="{FF2B5EF4-FFF2-40B4-BE49-F238E27FC236}">
-                <a16:creationId xmlns:a16="http://schemas.microsoft.com/office/drawing/2014/main" id="{D4865D58-BB31-C630-C607-A5961363A918}"/>
-              </a:ext>
-            </a:extLst>
-          </p:cNvPr>
-          <p:cNvPicPr>
-            <a:picLocks noChangeAspect="1"/>
-          </p:cNvPicPr>
-          <p:nvPr/>
-        </p:nvPicPr>
-        <p:blipFill>
-          <a:blip r:embed="rId3">
-            <a:extLst>
-              <a:ext uri="{28A0092B-C50C-407E-A947-70E740481C1C}">
-                <a14:useLocalDpi xmlns:a14="http://schemas.microsoft.com/office/drawing/2010/main" val="0"/>
-              </a:ext>
-            </a:extLst>
-          </a:blip>
-          <a:stretch>
-            <a:fillRect/>
-          </a:stretch>
-        </p:blipFill>
-        <p:spPr>
-          <a:xfrm>
-            <a:off x="5920507" y="2516686"/>
-            <a:ext cx="5832207" cy="2988187"/>
-          </a:xfrm>
-          <a:prstGeom prst="rect">
-            <a:avLst/>
-          </a:prstGeom>
-        </p:spPr>
-      </p:pic>
-      <p:sp>
-        <p:nvSpPr>
-          <p:cNvPr id="7" name="CuadroTexto 6">
-            <a:extLst>
-              <a:ext uri="{FF2B5EF4-FFF2-40B4-BE49-F238E27FC236}">
-                <a16:creationId xmlns:a16="http://schemas.microsoft.com/office/drawing/2014/main" id="{879A991E-12E0-6293-D502-D43254B3AFE6}"/>
-              </a:ext>
-            </a:extLst>
-          </p:cNvPr>
-          <p:cNvSpPr txBox="1"/>
-          <p:nvPr/>
-        </p:nvSpPr>
-        <p:spPr>
-          <a:xfrm>
-            <a:off x="6539345" y="1942357"/>
-            <a:ext cx="2234266" cy="369332"/>
-          </a:xfrm>
-          <a:prstGeom prst="rect">
-            <a:avLst/>
-          </a:prstGeom>
-          <a:noFill/>
-        </p:spPr>
-        <p:txBody>
-          <a:bodyPr wrap="none" rtlCol="0">
-            <a:spAutoFit/>
-          </a:bodyPr>
-          <a:lstStyle/>
-          <a:p>
-            <a:r>
-              <a:rPr lang="es-ES" dirty="0"/>
-              <a:t>Estructura conceptual</a:t>
-            </a:r>
-          </a:p>
-        </p:txBody>
-      </p:sp>
     </p:spTree>
     <p:extLst>
       <p:ext uri="{BB962C8B-B14F-4D97-AF65-F5344CB8AC3E}">
-        <p14:creationId xmlns:p14="http://schemas.microsoft.com/office/powerpoint/2010/main" val="601610041"/>
+        <p14:creationId xmlns:p14="http://schemas.microsoft.com/office/powerpoint/2010/main" val="3962223555"/>
       </p:ext>
     </p:extLst>
   </p:cSld>
@@ -5057,7 +5184,7 @@
           <p:cNvPr id="2" name="Título 1">
             <a:extLst>
               <a:ext uri="{FF2B5EF4-FFF2-40B4-BE49-F238E27FC236}">
-                <a16:creationId xmlns:a16="http://schemas.microsoft.com/office/drawing/2014/main" id="{D5D26131-75A9-E62C-0F0F-BEAD5153D68D}"/>
+                <a16:creationId xmlns:a16="http://schemas.microsoft.com/office/drawing/2014/main" id="{8E3E00CF-8BE5-18AC-79E5-C396E779E24A}"/>
               </a:ext>
             </a:extLst>
           </p:cNvPr>
@@ -5075,24 +5202,61 @@
           <a:p>
             <a:r>
               <a:rPr lang="es-ES" dirty="0"/>
-              <a:t>GPU</a:t>
+              <a:t>RESULTADOS</a:t>
+            </a:r>
+          </a:p>
+        </p:txBody>
+      </p:sp>
+      <p:sp>
+        <p:nvSpPr>
+          <p:cNvPr id="7" name="CuadroTexto 6">
+            <a:extLst>
+              <a:ext uri="{FF2B5EF4-FFF2-40B4-BE49-F238E27FC236}">
+                <a16:creationId xmlns:a16="http://schemas.microsoft.com/office/drawing/2014/main" id="{DD60FFC0-A248-838E-4A3A-04568DB48602}"/>
+              </a:ext>
+            </a:extLst>
+          </p:cNvPr>
+          <p:cNvSpPr txBox="1"/>
+          <p:nvPr/>
+        </p:nvSpPr>
+        <p:spPr>
+          <a:xfrm>
+            <a:off x="1097279" y="2231103"/>
+            <a:ext cx="6265611" cy="400110"/>
+          </a:xfrm>
+          <a:prstGeom prst="rect">
+            <a:avLst/>
+          </a:prstGeom>
+          <a:noFill/>
+        </p:spPr>
+        <p:txBody>
+          <a:bodyPr wrap="square">
+            <a:spAutoFit/>
+          </a:bodyPr>
+          <a:lstStyle/>
+          <a:p>
+            <a:r>
+              <a:rPr lang="es-ES" sz="2000" dirty="0"/>
+              <a:t>Relación densidad de puntos y velocidad de cómputo</a:t>
             </a:r>
           </a:p>
         </p:txBody>
       </p:sp>
       <p:pic>
         <p:nvPicPr>
-          <p:cNvPr id="4" name="Imagen 3">
+          <p:cNvPr id="8" name="Marcador de contenido 7">
             <a:extLst>
               <a:ext uri="{FF2B5EF4-FFF2-40B4-BE49-F238E27FC236}">
-                <a16:creationId xmlns:a16="http://schemas.microsoft.com/office/drawing/2014/main" id="{D4865D58-BB31-C630-C607-A5961363A918}"/>
+                <a16:creationId xmlns:a16="http://schemas.microsoft.com/office/drawing/2014/main" id="{90B789B4-306F-7F88-EEBA-3EC4137341A1}"/>
               </a:ext>
             </a:extLst>
           </p:cNvPr>
           <p:cNvPicPr>
-            <a:picLocks noChangeAspect="1"/>
+            <a:picLocks noGrp="1" noChangeAspect="1"/>
           </p:cNvPicPr>
-          <p:nvPr/>
+          <p:nvPr>
+            <p:ph idx="1"/>
+          </p:nvPr>
         </p:nvPicPr>
         <p:blipFill>
           <a:blip r:embed="rId2">
@@ -5108,20 +5272,17 @@
         </p:blipFill>
         <p:spPr>
           <a:xfrm>
-            <a:off x="759228" y="2454030"/>
-            <a:ext cx="5720143" cy="2930770"/>
-          </a:xfrm>
-          <a:prstGeom prst="rect">
-            <a:avLst/>
-          </a:prstGeom>
+            <a:off x="1097279" y="3124956"/>
+            <a:ext cx="7138005" cy="2025650"/>
+          </a:xfrm>
         </p:spPr>
       </p:pic>
       <p:sp>
         <p:nvSpPr>
-          <p:cNvPr id="7" name="CuadroTexto 6">
+          <p:cNvPr id="10" name="CuadroTexto 9">
             <a:extLst>
               <a:ext uri="{FF2B5EF4-FFF2-40B4-BE49-F238E27FC236}">
-                <a16:creationId xmlns:a16="http://schemas.microsoft.com/office/drawing/2014/main" id="{879A991E-12E0-6293-D502-D43254B3AFE6}"/>
+                <a16:creationId xmlns:a16="http://schemas.microsoft.com/office/drawing/2014/main" id="{01166109-07DE-81B1-E7C9-177462F2DCBB}"/>
               </a:ext>
             </a:extLst>
           </p:cNvPr>
@@ -5130,8 +5291,8 @@
         </p:nvSpPr>
         <p:spPr>
           <a:xfrm>
-            <a:off x="1411506" y="1911029"/>
-            <a:ext cx="2569366" cy="369332"/>
+            <a:off x="8235284" y="3429000"/>
+            <a:ext cx="3768436" cy="369332"/>
           </a:xfrm>
           <a:prstGeom prst="rect">
             <a:avLst/>
@@ -5139,84 +5300,18 @@
           <a:noFill/>
         </p:spPr>
         <p:txBody>
-          <a:bodyPr wrap="square" rtlCol="0">
+          <a:bodyPr wrap="square">
             <a:spAutoFit/>
           </a:bodyPr>
           <a:lstStyle/>
           <a:p>
             <a:r>
+              <a:rPr lang="es-ES" dirty="0" err="1"/>
+              <a:t>Speed</a:t>
+            </a:r>
+            <a:r>
               <a:rPr lang="es-ES" dirty="0"/>
-              <a:t>Estructura conceptual</a:t>
-            </a:r>
-          </a:p>
-        </p:txBody>
-      </p:sp>
-      <p:pic>
-        <p:nvPicPr>
-          <p:cNvPr id="16" name="Marcador de contenido 15">
-            <a:extLst>
-              <a:ext uri="{FF2B5EF4-FFF2-40B4-BE49-F238E27FC236}">
-                <a16:creationId xmlns:a16="http://schemas.microsoft.com/office/drawing/2014/main" id="{29928B42-BC58-2ED8-E9E0-400E81D24D02}"/>
-              </a:ext>
-            </a:extLst>
-          </p:cNvPr>
-          <p:cNvPicPr>
-            <a:picLocks noGrp="1" noChangeAspect="1"/>
-          </p:cNvPicPr>
-          <p:nvPr>
-            <p:ph idx="1"/>
-          </p:nvPr>
-        </p:nvPicPr>
-        <p:blipFill>
-          <a:blip r:embed="rId3">
-            <a:extLst>
-              <a:ext uri="{28A0092B-C50C-407E-A947-70E740481C1C}">
-                <a14:useLocalDpi xmlns:a14="http://schemas.microsoft.com/office/drawing/2010/main" val="0"/>
-              </a:ext>
-            </a:extLst>
-          </a:blip>
-          <a:stretch>
-            <a:fillRect/>
-          </a:stretch>
-        </p:blipFill>
-        <p:spPr>
-          <a:xfrm>
-            <a:off x="6379324" y="2641600"/>
-            <a:ext cx="5620097" cy="2479041"/>
-          </a:xfrm>
-        </p:spPr>
-      </p:pic>
-      <p:sp>
-        <p:nvSpPr>
-          <p:cNvPr id="17" name="CuadroTexto 16">
-            <a:extLst>
-              <a:ext uri="{FF2B5EF4-FFF2-40B4-BE49-F238E27FC236}">
-                <a16:creationId xmlns:a16="http://schemas.microsoft.com/office/drawing/2014/main" id="{9E5E5598-F98B-0588-96A3-FC44C6C87B3D}"/>
-              </a:ext>
-            </a:extLst>
-          </p:cNvPr>
-          <p:cNvSpPr txBox="1"/>
-          <p:nvPr/>
-        </p:nvSpPr>
-        <p:spPr>
-          <a:xfrm>
-            <a:off x="7148946" y="1911029"/>
-            <a:ext cx="2900218" cy="369332"/>
-          </a:xfrm>
-          <a:prstGeom prst="rect">
-            <a:avLst/>
-          </a:prstGeom>
-          <a:noFill/>
-        </p:spPr>
-        <p:txBody>
-          <a:bodyPr wrap="square" rtlCol="0">
-            <a:spAutoFit/>
-          </a:bodyPr>
-          <a:lstStyle/>
-          <a:p>
-            <a:r>
-              <a:rPr lang="es-ES" dirty="0"/>
-              <a:t>¿Cómo localizar un hilo?</a:t>
+              <a:t> up medio de x13 ± 0.9</a:t>
             </a:r>
           </a:p>
         </p:txBody>
@@ -5224,7 +5319,7 @@
     </p:spTree>
     <p:extLst>
       <p:ext uri="{BB962C8B-B14F-4D97-AF65-F5344CB8AC3E}">
-        <p14:creationId xmlns:p14="http://schemas.microsoft.com/office/powerpoint/2010/main" val="3873182990"/>
+        <p14:creationId xmlns:p14="http://schemas.microsoft.com/office/powerpoint/2010/main" val="2733583528"/>
       </p:ext>
     </p:extLst>
   </p:cSld>
@@ -5256,7 +5351,7 @@
           <p:cNvPr id="2" name="Título 1">
             <a:extLst>
               <a:ext uri="{FF2B5EF4-FFF2-40B4-BE49-F238E27FC236}">
-                <a16:creationId xmlns:a16="http://schemas.microsoft.com/office/drawing/2014/main" id="{3650E897-1C1E-EB2F-C403-3B9AA322B461}"/>
+                <a16:creationId xmlns:a16="http://schemas.microsoft.com/office/drawing/2014/main" id="{8E3E00CF-8BE5-18AC-79E5-C396E779E24A}"/>
               </a:ext>
             </a:extLst>
           </p:cNvPr>
@@ -5274,17 +5369,17 @@
           <a:p>
             <a:r>
               <a:rPr lang="es-ES" dirty="0"/>
-              <a:t>GPU</a:t>
+              <a:t>RESULTADOS</a:t>
             </a:r>
           </a:p>
         </p:txBody>
       </p:sp>
       <p:pic>
         <p:nvPicPr>
-          <p:cNvPr id="5" name="Marcador de contenido 4">
+          <p:cNvPr id="6" name="Marcador de contenido 5">
             <a:extLst>
               <a:ext uri="{FF2B5EF4-FFF2-40B4-BE49-F238E27FC236}">
-                <a16:creationId xmlns:a16="http://schemas.microsoft.com/office/drawing/2014/main" id="{052A3FCB-0DCD-F0FB-EC9A-B9652012EB74}"/>
+                <a16:creationId xmlns:a16="http://schemas.microsoft.com/office/drawing/2014/main" id="{13427FE9-56C1-DF31-4250-B6CAD5520341}"/>
               </a:ext>
             </a:extLst>
           </p:cNvPr>
@@ -5309,56 +5404,15 @@
         </p:blipFill>
         <p:spPr>
           <a:xfrm>
-            <a:off x="914835" y="3047277"/>
-            <a:ext cx="5029148" cy="998248"/>
+            <a:off x="2555346" y="1846263"/>
+            <a:ext cx="7141633" cy="4022725"/>
           </a:xfrm>
         </p:spPr>
       </p:pic>
-      <p:sp>
-        <p:nvSpPr>
-          <p:cNvPr id="6" name="CuadroTexto 5">
-            <a:extLst>
-              <a:ext uri="{FF2B5EF4-FFF2-40B4-BE49-F238E27FC236}">
-                <a16:creationId xmlns:a16="http://schemas.microsoft.com/office/drawing/2014/main" id="{46B4FC26-2054-00CB-4FB5-87B9FC35C0A1}"/>
-              </a:ext>
-            </a:extLst>
-          </p:cNvPr>
-          <p:cNvSpPr txBox="1"/>
-          <p:nvPr/>
-        </p:nvSpPr>
-        <p:spPr>
-          <a:xfrm>
-            <a:off x="1097280" y="2069153"/>
-            <a:ext cx="4136261" cy="707886"/>
-          </a:xfrm>
-          <a:prstGeom prst="rect">
-            <a:avLst/>
-          </a:prstGeom>
-          <a:noFill/>
-        </p:spPr>
-        <p:txBody>
-          <a:bodyPr wrap="none" rtlCol="0">
-            <a:spAutoFit/>
-          </a:bodyPr>
-          <a:lstStyle/>
-          <a:p>
-            <a:r>
-              <a:rPr lang="es-ES" sz="2000" dirty="0"/>
-              <a:t>¿Cómo determinar la fila y la columna</a:t>
-            </a:r>
-          </a:p>
-          <a:p>
-            <a:r>
-              <a:rPr lang="es-ES" sz="2000" dirty="0"/>
-              <a:t>de un hilo?</a:t>
-            </a:r>
-          </a:p>
-        </p:txBody>
-      </p:sp>
     </p:spTree>
     <p:extLst>
       <p:ext uri="{BB962C8B-B14F-4D97-AF65-F5344CB8AC3E}">
-        <p14:creationId xmlns:p14="http://schemas.microsoft.com/office/powerpoint/2010/main" val="1938013121"/>
+        <p14:creationId xmlns:p14="http://schemas.microsoft.com/office/powerpoint/2010/main" val="914474855"/>
       </p:ext>
     </p:extLst>
   </p:cSld>
@@ -5390,7 +5444,7 @@
           <p:cNvPr id="2" name="Título 1">
             <a:extLst>
               <a:ext uri="{FF2B5EF4-FFF2-40B4-BE49-F238E27FC236}">
-                <a16:creationId xmlns:a16="http://schemas.microsoft.com/office/drawing/2014/main" id="{3650E897-1C1E-EB2F-C403-3B9AA322B461}"/>
+                <a16:creationId xmlns:a16="http://schemas.microsoft.com/office/drawing/2014/main" id="{F49CB7BF-85FC-CCF0-405E-D6BECCBA3A40}"/>
               </a:ext>
             </a:extLst>
           </p:cNvPr>
@@ -5408,162 +5462,55 @@
           <a:p>
             <a:r>
               <a:rPr lang="es-ES" dirty="0"/>
-              <a:t>GPU</a:t>
-            </a:r>
-          </a:p>
-        </p:txBody>
-      </p:sp>
-      <p:pic>
-        <p:nvPicPr>
-          <p:cNvPr id="5" name="Marcador de contenido 4">
+              <a:t>CONCLUSIONES</a:t>
+            </a:r>
+          </a:p>
+        </p:txBody>
+      </p:sp>
+      <p:sp>
+        <p:nvSpPr>
+          <p:cNvPr id="3" name="Marcador de contenido 2">
             <a:extLst>
               <a:ext uri="{FF2B5EF4-FFF2-40B4-BE49-F238E27FC236}">
-                <a16:creationId xmlns:a16="http://schemas.microsoft.com/office/drawing/2014/main" id="{052A3FCB-0DCD-F0FB-EC9A-B9652012EB74}"/>
+                <a16:creationId xmlns:a16="http://schemas.microsoft.com/office/drawing/2014/main" id="{165A9067-BA65-B1CC-CC8F-4298CCEFA22C}"/>
               </a:ext>
             </a:extLst>
           </p:cNvPr>
-          <p:cNvPicPr>
-            <a:picLocks noGrp="1" noChangeAspect="1"/>
-          </p:cNvPicPr>
+          <p:cNvSpPr>
+            <a:spLocks noGrp="1"/>
+          </p:cNvSpPr>
           <p:nvPr>
             <p:ph idx="1"/>
           </p:nvPr>
-        </p:nvPicPr>
-        <p:blipFill>
-          <a:blip r:embed="rId2">
-            <a:extLst>
-              <a:ext uri="{28A0092B-C50C-407E-A947-70E740481C1C}">
-                <a14:useLocalDpi xmlns:a14="http://schemas.microsoft.com/office/drawing/2010/main" val="0"/>
-              </a:ext>
-            </a:extLst>
-          </a:blip>
-          <a:stretch>
-            <a:fillRect/>
-          </a:stretch>
-        </p:blipFill>
-        <p:spPr>
-          <a:xfrm>
-            <a:off x="914835" y="3047277"/>
-            <a:ext cx="5029148" cy="998248"/>
-          </a:xfrm>
-        </p:spPr>
-      </p:pic>
-      <p:sp>
-        <p:nvSpPr>
-          <p:cNvPr id="6" name="CuadroTexto 5">
-            <a:extLst>
-              <a:ext uri="{FF2B5EF4-FFF2-40B4-BE49-F238E27FC236}">
-                <a16:creationId xmlns:a16="http://schemas.microsoft.com/office/drawing/2014/main" id="{46B4FC26-2054-00CB-4FB5-87B9FC35C0A1}"/>
-              </a:ext>
-            </a:extLst>
-          </p:cNvPr>
-          <p:cNvSpPr txBox="1"/>
-          <p:nvPr/>
-        </p:nvSpPr>
-        <p:spPr>
-          <a:xfrm>
-            <a:off x="1097280" y="2069153"/>
-            <a:ext cx="4136261" cy="707886"/>
-          </a:xfrm>
-          <a:prstGeom prst="rect">
-            <a:avLst/>
-          </a:prstGeom>
-          <a:noFill/>
-        </p:spPr>
-        <p:txBody>
-          <a:bodyPr wrap="none" rtlCol="0">
-            <a:spAutoFit/>
-          </a:bodyPr>
-          <a:lstStyle/>
-          <a:p>
-            <a:r>
-              <a:rPr lang="es-ES" sz="2000" dirty="0"/>
-              <a:t>¿Cómo determinar la fila y la columna</a:t>
-            </a:r>
-          </a:p>
-          <a:p>
-            <a:r>
-              <a:rPr lang="es-ES" sz="2000" dirty="0"/>
-              <a:t>de un hilo?</a:t>
-            </a:r>
-          </a:p>
-        </p:txBody>
-      </p:sp>
-      <p:pic>
-        <p:nvPicPr>
-          <p:cNvPr id="4" name="Imagen 3">
-            <a:extLst>
-              <a:ext uri="{FF2B5EF4-FFF2-40B4-BE49-F238E27FC236}">
-                <a16:creationId xmlns:a16="http://schemas.microsoft.com/office/drawing/2014/main" id="{98E2365E-DE5E-1444-8449-E464C77F40A5}"/>
-              </a:ext>
-            </a:extLst>
-          </p:cNvPr>
-          <p:cNvPicPr>
-            <a:picLocks noChangeAspect="1"/>
-          </p:cNvPicPr>
-          <p:nvPr/>
-        </p:nvPicPr>
-        <p:blipFill>
-          <a:blip r:embed="rId3">
-            <a:extLst>
-              <a:ext uri="{28A0092B-C50C-407E-A947-70E740481C1C}">
-                <a14:useLocalDpi xmlns:a14="http://schemas.microsoft.com/office/drawing/2010/main" val="0"/>
-              </a:ext>
-            </a:extLst>
-          </a:blip>
-          <a:stretch>
-            <a:fillRect/>
-          </a:stretch>
-        </p:blipFill>
-        <p:spPr>
-          <a:xfrm>
-            <a:off x="6096000" y="3250187"/>
-            <a:ext cx="5810250" cy="1590675"/>
-          </a:xfrm>
-          <a:prstGeom prst="rect">
-            <a:avLst/>
-          </a:prstGeom>
-        </p:spPr>
-      </p:pic>
-      <p:sp>
-        <p:nvSpPr>
-          <p:cNvPr id="7" name="CuadroTexto 6">
-            <a:extLst>
-              <a:ext uri="{FF2B5EF4-FFF2-40B4-BE49-F238E27FC236}">
-                <a16:creationId xmlns:a16="http://schemas.microsoft.com/office/drawing/2014/main" id="{803E3A08-D186-AD4C-CD1E-C2E80558A339}"/>
-              </a:ext>
-            </a:extLst>
-          </p:cNvPr>
-          <p:cNvSpPr txBox="1"/>
-          <p:nvPr/>
-        </p:nvSpPr>
-        <p:spPr>
-          <a:xfrm>
-            <a:off x="6391562" y="2069153"/>
-            <a:ext cx="2752437" cy="400110"/>
-          </a:xfrm>
-          <a:prstGeom prst="rect">
-            <a:avLst/>
-          </a:prstGeom>
-          <a:noFill/>
-        </p:spPr>
-        <p:txBody>
-          <a:bodyPr wrap="square" rtlCol="0">
-            <a:spAutoFit/>
-          </a:bodyPr>
-          <a:lstStyle/>
-          <a:p>
-            <a:r>
-              <a:rPr lang="es-ES" sz="2000" dirty="0"/>
-              <a:t>¿Cómo utilizar los hilos?</a:t>
-            </a:r>
+        </p:nvSpPr>
+        <p:spPr/>
+        <p:txBody>
+          <a:bodyPr/>
+          <a:lstStyle/>
+          <a:p>
+            <a:r>
+              <a:rPr lang="es-ES" dirty="0"/>
+              <a:t>-Implementación de un algoritmo generado para CPU en GPU, obteniendo los mismos resultados.</a:t>
+            </a:r>
+          </a:p>
+          <a:p>
+            <a:r>
+              <a:rPr lang="es-ES" dirty="0"/>
+              <a:t>-Mejora en la velocidad de cálculo de x12.6. Lo que se ejecuta en 600 s (10 horas) en CPU, en GPU se calcula en 48 minutos.</a:t>
+            </a:r>
+          </a:p>
+          <a:p>
+            <a:endParaRPr lang="es-ES" dirty="0"/>
+          </a:p>
+          <a:p>
+            <a:endParaRPr lang="es-ES" dirty="0"/>
           </a:p>
         </p:txBody>
       </p:sp>
     </p:spTree>
     <p:extLst>
       <p:ext uri="{BB962C8B-B14F-4D97-AF65-F5344CB8AC3E}">
-        <p14:creationId xmlns:p14="http://schemas.microsoft.com/office/powerpoint/2010/main" val="2436269609"/>
+        <p14:creationId xmlns:p14="http://schemas.microsoft.com/office/powerpoint/2010/main" val="522444073"/>
       </p:ext>
     </p:extLst>
   </p:cSld>
@@ -5595,7 +5542,7 @@
           <p:cNvPr id="2" name="Título 1">
             <a:extLst>
               <a:ext uri="{FF2B5EF4-FFF2-40B4-BE49-F238E27FC236}">
-                <a16:creationId xmlns:a16="http://schemas.microsoft.com/office/drawing/2014/main" id="{37748150-D632-041F-7D6A-905AACC2C18F}"/>
+                <a16:creationId xmlns:a16="http://schemas.microsoft.com/office/drawing/2014/main" id="{FF4A1143-CBF8-17C1-FEB6-E45D5B1CE36A}"/>
               </a:ext>
             </a:extLst>
           </p:cNvPr>
@@ -5613,7 +5560,7 @@
           <a:p>
             <a:r>
               <a:rPr lang="es-ES" dirty="0"/>
-              <a:t>Algoritmo</a:t>
+              <a:t>FIN</a:t>
             </a:r>
           </a:p>
         </p:txBody>
@@ -5623,7 +5570,7 @@
           <p:cNvPr id="3" name="Marcador de contenido 2">
             <a:extLst>
               <a:ext uri="{FF2B5EF4-FFF2-40B4-BE49-F238E27FC236}">
-                <a16:creationId xmlns:a16="http://schemas.microsoft.com/office/drawing/2014/main" id="{36461925-464F-2627-0626-4E762B9E7A8B}"/>
+                <a16:creationId xmlns:a16="http://schemas.microsoft.com/office/drawing/2014/main" id="{25370F64-A3D5-21BA-892A-2F4547AFFFFF}"/>
               </a:ext>
             </a:extLst>
           </p:cNvPr>
@@ -5636,133 +5583,30 @@
         </p:nvSpPr>
         <p:spPr>
           <a:xfrm>
-            <a:off x="3997498" y="2003232"/>
-            <a:ext cx="3142211" cy="657321"/>
-          </a:xfrm>
-        </p:spPr>
-        <p:txBody>
-          <a:bodyPr/>
-          <a:lstStyle/>
-          <a:p>
-            <a:r>
-              <a:rPr lang="es-ES" sz="2800" dirty="0"/>
-              <a:t>Tecnología utilizada:</a:t>
-            </a:r>
-          </a:p>
-        </p:txBody>
-      </p:sp>
-      <p:pic>
-        <p:nvPicPr>
-          <p:cNvPr id="5" name="Imagen 4">
-            <a:extLst>
-              <a:ext uri="{FF2B5EF4-FFF2-40B4-BE49-F238E27FC236}">
-                <a16:creationId xmlns:a16="http://schemas.microsoft.com/office/drawing/2014/main" id="{DDB9F83E-16FE-6CE2-A123-4290DC29D93D}"/>
-              </a:ext>
-            </a:extLst>
-          </p:cNvPr>
-          <p:cNvPicPr>
-            <a:picLocks noChangeAspect="1"/>
-          </p:cNvPicPr>
-          <p:nvPr/>
-        </p:nvPicPr>
-        <p:blipFill>
-          <a:blip r:embed="rId2">
-            <a:extLst>
-              <a:ext uri="{28A0092B-C50C-407E-A947-70E740481C1C}">
-                <a14:useLocalDpi xmlns:a14="http://schemas.microsoft.com/office/drawing/2010/main" val="0"/>
-              </a:ext>
-            </a:extLst>
-          </a:blip>
-          <a:stretch>
-            <a:fillRect/>
-          </a:stretch>
-        </p:blipFill>
-        <p:spPr>
-          <a:xfrm>
-            <a:off x="340302" y="3583749"/>
-            <a:ext cx="3775457" cy="1590675"/>
-          </a:xfrm>
-          <a:prstGeom prst="rect">
-            <a:avLst/>
-          </a:prstGeom>
-        </p:spPr>
-      </p:pic>
-      <p:pic>
-        <p:nvPicPr>
-          <p:cNvPr id="7" name="Imagen 6">
-            <a:extLst>
-              <a:ext uri="{FF2B5EF4-FFF2-40B4-BE49-F238E27FC236}">
-                <a16:creationId xmlns:a16="http://schemas.microsoft.com/office/drawing/2014/main" id="{3723D435-DE15-EDA0-0FD1-CC324B141848}"/>
-              </a:ext>
-            </a:extLst>
-          </p:cNvPr>
-          <p:cNvPicPr>
-            <a:picLocks noChangeAspect="1"/>
-          </p:cNvPicPr>
-          <p:nvPr/>
-        </p:nvPicPr>
-        <p:blipFill>
-          <a:blip r:embed="rId3">
-            <a:extLst>
-              <a:ext uri="{28A0092B-C50C-407E-A947-70E740481C1C}">
-                <a14:useLocalDpi xmlns:a14="http://schemas.microsoft.com/office/drawing/2010/main" val="0"/>
-              </a:ext>
-            </a:extLst>
-          </a:blip>
-          <a:stretch>
-            <a:fillRect/>
-          </a:stretch>
-        </p:blipFill>
-        <p:spPr>
-          <a:xfrm>
-            <a:off x="4395499" y="3583748"/>
-            <a:ext cx="3018341" cy="1708688"/>
-          </a:xfrm>
-          <a:prstGeom prst="rect">
-            <a:avLst/>
-          </a:prstGeom>
-        </p:spPr>
-      </p:pic>
-      <p:pic>
-        <p:nvPicPr>
-          <p:cNvPr id="9" name="Imagen 8">
-            <a:extLst>
-              <a:ext uri="{FF2B5EF4-FFF2-40B4-BE49-F238E27FC236}">
-                <a16:creationId xmlns:a16="http://schemas.microsoft.com/office/drawing/2014/main" id="{032828CE-E5A5-CB37-38DA-86BE42A19F9A}"/>
-              </a:ext>
-            </a:extLst>
-          </p:cNvPr>
-          <p:cNvPicPr>
-            <a:picLocks noChangeAspect="1"/>
-          </p:cNvPicPr>
-          <p:nvPr/>
-        </p:nvPicPr>
-        <p:blipFill>
-          <a:blip r:embed="rId4">
-            <a:extLst>
-              <a:ext uri="{28A0092B-C50C-407E-A947-70E740481C1C}">
-                <a14:useLocalDpi xmlns:a14="http://schemas.microsoft.com/office/drawing/2010/main" val="0"/>
-              </a:ext>
-            </a:extLst>
-          </a:blip>
-          <a:stretch>
-            <a:fillRect/>
-          </a:stretch>
-        </p:blipFill>
-        <p:spPr>
-          <a:xfrm>
-            <a:off x="8107725" y="3596061"/>
-            <a:ext cx="3010504" cy="1616634"/>
-          </a:xfrm>
-          <a:prstGeom prst="rect">
-            <a:avLst/>
-          </a:prstGeom>
-        </p:spPr>
-      </p:pic>
+            <a:off x="3517207" y="3296491"/>
+            <a:ext cx="3899593" cy="860521"/>
+          </a:xfrm>
+        </p:spPr>
+        <p:txBody>
+          <a:bodyPr>
+            <a:normAutofit/>
+          </a:bodyPr>
+          <a:lstStyle/>
+          <a:p>
+            <a:pPr marL="0" indent="0">
+              <a:buNone/>
+            </a:pPr>
+            <a:r>
+              <a:rPr lang="es-ES" sz="4000" u="sng" dirty="0"/>
+              <a:t>MUCHAS GRACIAS</a:t>
+            </a:r>
+          </a:p>
+        </p:txBody>
+      </p:sp>
     </p:spTree>
     <p:extLst>
       <p:ext uri="{BB962C8B-B14F-4D97-AF65-F5344CB8AC3E}">
-        <p14:creationId xmlns:p14="http://schemas.microsoft.com/office/powerpoint/2010/main" val="1317514712"/>
+        <p14:creationId xmlns:p14="http://schemas.microsoft.com/office/powerpoint/2010/main" val="1805326499"/>
       </p:ext>
     </p:extLst>
   </p:cSld>
@@ -5882,735 +5726,6 @@
 </p:sld>
 </file>
 
-<file path=ppt/slides/slide20.xml><?xml version="1.0" encoding="utf-8"?>
-<p:sld xmlns:a="http://schemas.openxmlformats.org/drawingml/2006/main" xmlns:r="http://schemas.openxmlformats.org/officeDocument/2006/relationships" xmlns:p="http://schemas.openxmlformats.org/presentationml/2006/main">
-  <p:cSld>
-    <p:spTree>
-      <p:nvGrpSpPr>
-        <p:cNvPr id="1" name=""/>
-        <p:cNvGrpSpPr/>
-        <p:nvPr/>
-      </p:nvGrpSpPr>
-      <p:grpSpPr>
-        <a:xfrm>
-          <a:off x="0" y="0"/>
-          <a:ext cx="0" cy="0"/>
-          <a:chOff x="0" y="0"/>
-          <a:chExt cx="0" cy="0"/>
-        </a:xfrm>
-      </p:grpSpPr>
-      <p:sp>
-        <p:nvSpPr>
-          <p:cNvPr id="2" name="Título 1">
-            <a:extLst>
-              <a:ext uri="{FF2B5EF4-FFF2-40B4-BE49-F238E27FC236}">
-                <a16:creationId xmlns:a16="http://schemas.microsoft.com/office/drawing/2014/main" id="{6FAC3096-771E-9B29-2508-EC29E11AF819}"/>
-              </a:ext>
-            </a:extLst>
-          </p:cNvPr>
-          <p:cNvSpPr>
-            <a:spLocks noGrp="1"/>
-          </p:cNvSpPr>
-          <p:nvPr>
-            <p:ph type="title"/>
-          </p:nvPr>
-        </p:nvSpPr>
-        <p:spPr/>
-        <p:txBody>
-          <a:bodyPr/>
-          <a:lstStyle/>
-          <a:p>
-            <a:r>
-              <a:rPr lang="es-ES" dirty="0"/>
-              <a:t>RESULTADOS</a:t>
-            </a:r>
-          </a:p>
-        </p:txBody>
-      </p:sp>
-      <p:pic>
-        <p:nvPicPr>
-          <p:cNvPr id="5" name="Marcador de contenido 4">
-            <a:extLst>
-              <a:ext uri="{FF2B5EF4-FFF2-40B4-BE49-F238E27FC236}">
-                <a16:creationId xmlns:a16="http://schemas.microsoft.com/office/drawing/2014/main" id="{F0B17B3D-99A0-53E4-9D9C-486C86999C11}"/>
-              </a:ext>
-            </a:extLst>
-          </p:cNvPr>
-          <p:cNvPicPr>
-            <a:picLocks noGrp="1" noChangeAspect="1"/>
-          </p:cNvPicPr>
-          <p:nvPr>
-            <p:ph idx="1"/>
-          </p:nvPr>
-        </p:nvPicPr>
-        <p:blipFill>
-          <a:blip r:embed="rId2">
-            <a:extLst>
-              <a:ext uri="{28A0092B-C50C-407E-A947-70E740481C1C}">
-                <a14:useLocalDpi xmlns:a14="http://schemas.microsoft.com/office/drawing/2010/main" val="0"/>
-              </a:ext>
-            </a:extLst>
-          </a:blip>
-          <a:stretch>
-            <a:fillRect/>
-          </a:stretch>
-        </p:blipFill>
-        <p:spPr>
-          <a:xfrm>
-            <a:off x="2976482" y="1938627"/>
-            <a:ext cx="5360883" cy="4175846"/>
-          </a:xfrm>
-        </p:spPr>
-      </p:pic>
-    </p:spTree>
-    <p:extLst>
-      <p:ext uri="{BB962C8B-B14F-4D97-AF65-F5344CB8AC3E}">
-        <p14:creationId xmlns:p14="http://schemas.microsoft.com/office/powerpoint/2010/main" val="2320687364"/>
-      </p:ext>
-    </p:extLst>
-  </p:cSld>
-  <p:clrMapOvr>
-    <a:masterClrMapping/>
-  </p:clrMapOvr>
-</p:sld>
-</file>
-
-<file path=ppt/slides/slide21.xml><?xml version="1.0" encoding="utf-8"?>
-<p:sld xmlns:a="http://schemas.openxmlformats.org/drawingml/2006/main" xmlns:r="http://schemas.openxmlformats.org/officeDocument/2006/relationships" xmlns:p="http://schemas.openxmlformats.org/presentationml/2006/main">
-  <p:cSld>
-    <p:spTree>
-      <p:nvGrpSpPr>
-        <p:cNvPr id="1" name=""/>
-        <p:cNvGrpSpPr/>
-        <p:nvPr/>
-      </p:nvGrpSpPr>
-      <p:grpSpPr>
-        <a:xfrm>
-          <a:off x="0" y="0"/>
-          <a:ext cx="0" cy="0"/>
-          <a:chOff x="0" y="0"/>
-          <a:chExt cx="0" cy="0"/>
-        </a:xfrm>
-      </p:grpSpPr>
-      <p:sp>
-        <p:nvSpPr>
-          <p:cNvPr id="2" name="Título 1">
-            <a:extLst>
-              <a:ext uri="{FF2B5EF4-FFF2-40B4-BE49-F238E27FC236}">
-                <a16:creationId xmlns:a16="http://schemas.microsoft.com/office/drawing/2014/main" id="{6FAC3096-771E-9B29-2508-EC29E11AF819}"/>
-              </a:ext>
-            </a:extLst>
-          </p:cNvPr>
-          <p:cNvSpPr>
-            <a:spLocks noGrp="1"/>
-          </p:cNvSpPr>
-          <p:nvPr>
-            <p:ph type="title"/>
-          </p:nvPr>
-        </p:nvSpPr>
-        <p:spPr/>
-        <p:txBody>
-          <a:bodyPr/>
-          <a:lstStyle/>
-          <a:p>
-            <a:r>
-              <a:rPr lang="es-ES" dirty="0"/>
-              <a:t>RESULTADOS</a:t>
-            </a:r>
-          </a:p>
-        </p:txBody>
-      </p:sp>
-      <p:pic>
-        <p:nvPicPr>
-          <p:cNvPr id="7" name="Marcador de contenido 6">
-            <a:extLst>
-              <a:ext uri="{FF2B5EF4-FFF2-40B4-BE49-F238E27FC236}">
-                <a16:creationId xmlns:a16="http://schemas.microsoft.com/office/drawing/2014/main" id="{07499229-7855-E164-DC99-81A7D7CC7170}"/>
-              </a:ext>
-            </a:extLst>
-          </p:cNvPr>
-          <p:cNvPicPr>
-            <a:picLocks noGrp="1" noChangeAspect="1"/>
-          </p:cNvPicPr>
-          <p:nvPr>
-            <p:ph idx="1"/>
-          </p:nvPr>
-        </p:nvPicPr>
-        <p:blipFill>
-          <a:blip r:embed="rId2">
-            <a:extLst>
-              <a:ext uri="{28A0092B-C50C-407E-A947-70E740481C1C}">
-                <a14:useLocalDpi xmlns:a14="http://schemas.microsoft.com/office/drawing/2010/main" val="0"/>
-              </a:ext>
-            </a:extLst>
-          </a:blip>
-          <a:stretch>
-            <a:fillRect/>
-          </a:stretch>
-        </p:blipFill>
-        <p:spPr>
-          <a:xfrm>
-            <a:off x="1153708" y="2905564"/>
-            <a:ext cx="6300037" cy="1714288"/>
-          </a:xfrm>
-        </p:spPr>
-      </p:pic>
-      <p:sp>
-        <p:nvSpPr>
-          <p:cNvPr id="8" name="CuadroTexto 7">
-            <a:extLst>
-              <a:ext uri="{FF2B5EF4-FFF2-40B4-BE49-F238E27FC236}">
-                <a16:creationId xmlns:a16="http://schemas.microsoft.com/office/drawing/2014/main" id="{7228CE4A-5D67-8ACB-1D68-A11D067B4FA2}"/>
-              </a:ext>
-            </a:extLst>
-          </p:cNvPr>
-          <p:cNvSpPr txBox="1"/>
-          <p:nvPr/>
-        </p:nvSpPr>
-        <p:spPr>
-          <a:xfrm>
-            <a:off x="1153708" y="2181136"/>
-            <a:ext cx="5501442" cy="400110"/>
-          </a:xfrm>
-          <a:prstGeom prst="rect">
-            <a:avLst/>
-          </a:prstGeom>
-          <a:noFill/>
-        </p:spPr>
-        <p:txBody>
-          <a:bodyPr wrap="none" rtlCol="0">
-            <a:spAutoFit/>
-          </a:bodyPr>
-          <a:lstStyle/>
-          <a:p>
-            <a:r>
-              <a:rPr lang="es-ES" sz="2000" dirty="0"/>
-              <a:t>Relación pasos temporales y velocidad de cómputo</a:t>
-            </a:r>
-          </a:p>
-        </p:txBody>
-      </p:sp>
-    </p:spTree>
-    <p:extLst>
-      <p:ext uri="{BB962C8B-B14F-4D97-AF65-F5344CB8AC3E}">
-        <p14:creationId xmlns:p14="http://schemas.microsoft.com/office/powerpoint/2010/main" val="1296289363"/>
-      </p:ext>
-    </p:extLst>
-  </p:cSld>
-  <p:clrMapOvr>
-    <a:masterClrMapping/>
-  </p:clrMapOvr>
-</p:sld>
-</file>
-
-<file path=ppt/slides/slide22.xml><?xml version="1.0" encoding="utf-8"?>
-<p:sld xmlns:a="http://schemas.openxmlformats.org/drawingml/2006/main" xmlns:r="http://schemas.openxmlformats.org/officeDocument/2006/relationships" xmlns:p="http://schemas.openxmlformats.org/presentationml/2006/main">
-  <p:cSld>
-    <p:spTree>
-      <p:nvGrpSpPr>
-        <p:cNvPr id="1" name=""/>
-        <p:cNvGrpSpPr/>
-        <p:nvPr/>
-      </p:nvGrpSpPr>
-      <p:grpSpPr>
-        <a:xfrm>
-          <a:off x="0" y="0"/>
-          <a:ext cx="0" cy="0"/>
-          <a:chOff x="0" y="0"/>
-          <a:chExt cx="0" cy="0"/>
-        </a:xfrm>
-      </p:grpSpPr>
-      <p:sp>
-        <p:nvSpPr>
-          <p:cNvPr id="2" name="Título 1">
-            <a:extLst>
-              <a:ext uri="{FF2B5EF4-FFF2-40B4-BE49-F238E27FC236}">
-                <a16:creationId xmlns:a16="http://schemas.microsoft.com/office/drawing/2014/main" id="{6FAC3096-771E-9B29-2508-EC29E11AF819}"/>
-              </a:ext>
-            </a:extLst>
-          </p:cNvPr>
-          <p:cNvSpPr>
-            <a:spLocks noGrp="1"/>
-          </p:cNvSpPr>
-          <p:nvPr>
-            <p:ph type="title"/>
-          </p:nvPr>
-        </p:nvSpPr>
-        <p:spPr/>
-        <p:txBody>
-          <a:bodyPr/>
-          <a:lstStyle/>
-          <a:p>
-            <a:r>
-              <a:rPr lang="es-ES" dirty="0"/>
-              <a:t>RESULTADOS</a:t>
-            </a:r>
-          </a:p>
-        </p:txBody>
-      </p:sp>
-      <p:pic>
-        <p:nvPicPr>
-          <p:cNvPr id="7" name="Marcador de contenido 6">
-            <a:extLst>
-              <a:ext uri="{FF2B5EF4-FFF2-40B4-BE49-F238E27FC236}">
-                <a16:creationId xmlns:a16="http://schemas.microsoft.com/office/drawing/2014/main" id="{724BDF83-888E-A119-8D85-0937D75CB2DD}"/>
-              </a:ext>
-            </a:extLst>
-          </p:cNvPr>
-          <p:cNvPicPr>
-            <a:picLocks noGrp="1" noChangeAspect="1"/>
-          </p:cNvPicPr>
-          <p:nvPr>
-            <p:ph idx="1"/>
-          </p:nvPr>
-        </p:nvPicPr>
-        <p:blipFill>
-          <a:blip r:embed="rId2">
-            <a:extLst>
-              <a:ext uri="{28A0092B-C50C-407E-A947-70E740481C1C}">
-                <a14:useLocalDpi xmlns:a14="http://schemas.microsoft.com/office/drawing/2010/main" val="0"/>
-              </a:ext>
-            </a:extLst>
-          </a:blip>
-          <a:stretch>
-            <a:fillRect/>
-          </a:stretch>
-        </p:blipFill>
-        <p:spPr>
-          <a:xfrm>
-            <a:off x="1815536" y="1929390"/>
-            <a:ext cx="8270272" cy="4022725"/>
-          </a:xfrm>
-        </p:spPr>
-      </p:pic>
-    </p:spTree>
-    <p:extLst>
-      <p:ext uri="{BB962C8B-B14F-4D97-AF65-F5344CB8AC3E}">
-        <p14:creationId xmlns:p14="http://schemas.microsoft.com/office/powerpoint/2010/main" val="3962223555"/>
-      </p:ext>
-    </p:extLst>
-  </p:cSld>
-  <p:clrMapOvr>
-    <a:masterClrMapping/>
-  </p:clrMapOvr>
-</p:sld>
-</file>
-
-<file path=ppt/slides/slide23.xml><?xml version="1.0" encoding="utf-8"?>
-<p:sld xmlns:a="http://schemas.openxmlformats.org/drawingml/2006/main" xmlns:r="http://schemas.openxmlformats.org/officeDocument/2006/relationships" xmlns:p="http://schemas.openxmlformats.org/presentationml/2006/main">
-  <p:cSld>
-    <p:spTree>
-      <p:nvGrpSpPr>
-        <p:cNvPr id="1" name=""/>
-        <p:cNvGrpSpPr/>
-        <p:nvPr/>
-      </p:nvGrpSpPr>
-      <p:grpSpPr>
-        <a:xfrm>
-          <a:off x="0" y="0"/>
-          <a:ext cx="0" cy="0"/>
-          <a:chOff x="0" y="0"/>
-          <a:chExt cx="0" cy="0"/>
-        </a:xfrm>
-      </p:grpSpPr>
-      <p:sp>
-        <p:nvSpPr>
-          <p:cNvPr id="2" name="Título 1">
-            <a:extLst>
-              <a:ext uri="{FF2B5EF4-FFF2-40B4-BE49-F238E27FC236}">
-                <a16:creationId xmlns:a16="http://schemas.microsoft.com/office/drawing/2014/main" id="{8E3E00CF-8BE5-18AC-79E5-C396E779E24A}"/>
-              </a:ext>
-            </a:extLst>
-          </p:cNvPr>
-          <p:cNvSpPr>
-            <a:spLocks noGrp="1"/>
-          </p:cNvSpPr>
-          <p:nvPr>
-            <p:ph type="title"/>
-          </p:nvPr>
-        </p:nvSpPr>
-        <p:spPr/>
-        <p:txBody>
-          <a:bodyPr/>
-          <a:lstStyle/>
-          <a:p>
-            <a:r>
-              <a:rPr lang="es-ES" dirty="0"/>
-              <a:t>RESULTADOS</a:t>
-            </a:r>
-          </a:p>
-        </p:txBody>
-      </p:sp>
-      <p:pic>
-        <p:nvPicPr>
-          <p:cNvPr id="5" name="Marcador de contenido 4">
-            <a:extLst>
-              <a:ext uri="{FF2B5EF4-FFF2-40B4-BE49-F238E27FC236}">
-                <a16:creationId xmlns:a16="http://schemas.microsoft.com/office/drawing/2014/main" id="{F840B471-553A-68FD-26BA-54855C3335AC}"/>
-              </a:ext>
-            </a:extLst>
-          </p:cNvPr>
-          <p:cNvPicPr>
-            <a:picLocks noGrp="1" noChangeAspect="1"/>
-          </p:cNvPicPr>
-          <p:nvPr>
-            <p:ph idx="1"/>
-          </p:nvPr>
-        </p:nvPicPr>
-        <p:blipFill>
-          <a:blip r:embed="rId2">
-            <a:extLst>
-              <a:ext uri="{28A0092B-C50C-407E-A947-70E740481C1C}">
-                <a14:useLocalDpi xmlns:a14="http://schemas.microsoft.com/office/drawing/2010/main" val="0"/>
-              </a:ext>
-            </a:extLst>
-          </a:blip>
-          <a:stretch>
-            <a:fillRect/>
-          </a:stretch>
-        </p:blipFill>
-        <p:spPr>
-          <a:xfrm>
-            <a:off x="981330" y="2918690"/>
-            <a:ext cx="6265612" cy="1810327"/>
-          </a:xfrm>
-        </p:spPr>
-      </p:pic>
-      <p:sp>
-        <p:nvSpPr>
-          <p:cNvPr id="7" name="CuadroTexto 6">
-            <a:extLst>
-              <a:ext uri="{FF2B5EF4-FFF2-40B4-BE49-F238E27FC236}">
-                <a16:creationId xmlns:a16="http://schemas.microsoft.com/office/drawing/2014/main" id="{DD60FFC0-A248-838E-4A3A-04568DB48602}"/>
-              </a:ext>
-            </a:extLst>
-          </p:cNvPr>
-          <p:cNvSpPr txBox="1"/>
-          <p:nvPr/>
-        </p:nvSpPr>
-        <p:spPr>
-          <a:xfrm>
-            <a:off x="1097279" y="2231103"/>
-            <a:ext cx="6265611" cy="400110"/>
-          </a:xfrm>
-          <a:prstGeom prst="rect">
-            <a:avLst/>
-          </a:prstGeom>
-          <a:noFill/>
-        </p:spPr>
-        <p:txBody>
-          <a:bodyPr wrap="square">
-            <a:spAutoFit/>
-          </a:bodyPr>
-          <a:lstStyle/>
-          <a:p>
-            <a:r>
-              <a:rPr lang="es-ES" sz="2000" dirty="0"/>
-              <a:t>Relación densidad de puntos y velocidad de cómputo</a:t>
-            </a:r>
-          </a:p>
-        </p:txBody>
-      </p:sp>
-    </p:spTree>
-    <p:extLst>
-      <p:ext uri="{BB962C8B-B14F-4D97-AF65-F5344CB8AC3E}">
-        <p14:creationId xmlns:p14="http://schemas.microsoft.com/office/powerpoint/2010/main" val="2733583528"/>
-      </p:ext>
-    </p:extLst>
-  </p:cSld>
-  <p:clrMapOvr>
-    <a:masterClrMapping/>
-  </p:clrMapOvr>
-</p:sld>
-</file>
-
-<file path=ppt/slides/slide24.xml><?xml version="1.0" encoding="utf-8"?>
-<p:sld xmlns:a="http://schemas.openxmlformats.org/drawingml/2006/main" xmlns:r="http://schemas.openxmlformats.org/officeDocument/2006/relationships" xmlns:p="http://schemas.openxmlformats.org/presentationml/2006/main">
-  <p:cSld>
-    <p:spTree>
-      <p:nvGrpSpPr>
-        <p:cNvPr id="1" name=""/>
-        <p:cNvGrpSpPr/>
-        <p:nvPr/>
-      </p:nvGrpSpPr>
-      <p:grpSpPr>
-        <a:xfrm>
-          <a:off x="0" y="0"/>
-          <a:ext cx="0" cy="0"/>
-          <a:chOff x="0" y="0"/>
-          <a:chExt cx="0" cy="0"/>
-        </a:xfrm>
-      </p:grpSpPr>
-      <p:sp>
-        <p:nvSpPr>
-          <p:cNvPr id="2" name="Título 1">
-            <a:extLst>
-              <a:ext uri="{FF2B5EF4-FFF2-40B4-BE49-F238E27FC236}">
-                <a16:creationId xmlns:a16="http://schemas.microsoft.com/office/drawing/2014/main" id="{8E3E00CF-8BE5-18AC-79E5-C396E779E24A}"/>
-              </a:ext>
-            </a:extLst>
-          </p:cNvPr>
-          <p:cNvSpPr>
-            <a:spLocks noGrp="1"/>
-          </p:cNvSpPr>
-          <p:nvPr>
-            <p:ph type="title"/>
-          </p:nvPr>
-        </p:nvSpPr>
-        <p:spPr/>
-        <p:txBody>
-          <a:bodyPr/>
-          <a:lstStyle/>
-          <a:p>
-            <a:r>
-              <a:rPr lang="es-ES" dirty="0"/>
-              <a:t>RESULTADOS</a:t>
-            </a:r>
-          </a:p>
-        </p:txBody>
-      </p:sp>
-      <p:pic>
-        <p:nvPicPr>
-          <p:cNvPr id="6" name="Marcador de contenido 5">
-            <a:extLst>
-              <a:ext uri="{FF2B5EF4-FFF2-40B4-BE49-F238E27FC236}">
-                <a16:creationId xmlns:a16="http://schemas.microsoft.com/office/drawing/2014/main" id="{13427FE9-56C1-DF31-4250-B6CAD5520341}"/>
-              </a:ext>
-            </a:extLst>
-          </p:cNvPr>
-          <p:cNvPicPr>
-            <a:picLocks noGrp="1" noChangeAspect="1"/>
-          </p:cNvPicPr>
-          <p:nvPr>
-            <p:ph idx="1"/>
-          </p:nvPr>
-        </p:nvPicPr>
-        <p:blipFill>
-          <a:blip r:embed="rId2">
-            <a:extLst>
-              <a:ext uri="{28A0092B-C50C-407E-A947-70E740481C1C}">
-                <a14:useLocalDpi xmlns:a14="http://schemas.microsoft.com/office/drawing/2010/main" val="0"/>
-              </a:ext>
-            </a:extLst>
-          </a:blip>
-          <a:stretch>
-            <a:fillRect/>
-          </a:stretch>
-        </p:blipFill>
-        <p:spPr>
-          <a:xfrm>
-            <a:off x="2555346" y="1846263"/>
-            <a:ext cx="7141633" cy="4022725"/>
-          </a:xfrm>
-        </p:spPr>
-      </p:pic>
-    </p:spTree>
-    <p:extLst>
-      <p:ext uri="{BB962C8B-B14F-4D97-AF65-F5344CB8AC3E}">
-        <p14:creationId xmlns:p14="http://schemas.microsoft.com/office/powerpoint/2010/main" val="914474855"/>
-      </p:ext>
-    </p:extLst>
-  </p:cSld>
-  <p:clrMapOvr>
-    <a:masterClrMapping/>
-  </p:clrMapOvr>
-</p:sld>
-</file>
-
-<file path=ppt/slides/slide25.xml><?xml version="1.0" encoding="utf-8"?>
-<p:sld xmlns:a="http://schemas.openxmlformats.org/drawingml/2006/main" xmlns:r="http://schemas.openxmlformats.org/officeDocument/2006/relationships" xmlns:p="http://schemas.openxmlformats.org/presentationml/2006/main">
-  <p:cSld>
-    <p:spTree>
-      <p:nvGrpSpPr>
-        <p:cNvPr id="1" name=""/>
-        <p:cNvGrpSpPr/>
-        <p:nvPr/>
-      </p:nvGrpSpPr>
-      <p:grpSpPr>
-        <a:xfrm>
-          <a:off x="0" y="0"/>
-          <a:ext cx="0" cy="0"/>
-          <a:chOff x="0" y="0"/>
-          <a:chExt cx="0" cy="0"/>
-        </a:xfrm>
-      </p:grpSpPr>
-      <p:sp>
-        <p:nvSpPr>
-          <p:cNvPr id="2" name="Título 1">
-            <a:extLst>
-              <a:ext uri="{FF2B5EF4-FFF2-40B4-BE49-F238E27FC236}">
-                <a16:creationId xmlns:a16="http://schemas.microsoft.com/office/drawing/2014/main" id="{F49CB7BF-85FC-CCF0-405E-D6BECCBA3A40}"/>
-              </a:ext>
-            </a:extLst>
-          </p:cNvPr>
-          <p:cNvSpPr>
-            <a:spLocks noGrp="1"/>
-          </p:cNvSpPr>
-          <p:nvPr>
-            <p:ph type="title"/>
-          </p:nvPr>
-        </p:nvSpPr>
-        <p:spPr/>
-        <p:txBody>
-          <a:bodyPr/>
-          <a:lstStyle/>
-          <a:p>
-            <a:r>
-              <a:rPr lang="es-ES" dirty="0"/>
-              <a:t>CONCLUSIONES</a:t>
-            </a:r>
-          </a:p>
-        </p:txBody>
-      </p:sp>
-      <p:sp>
-        <p:nvSpPr>
-          <p:cNvPr id="3" name="Marcador de contenido 2">
-            <a:extLst>
-              <a:ext uri="{FF2B5EF4-FFF2-40B4-BE49-F238E27FC236}">
-                <a16:creationId xmlns:a16="http://schemas.microsoft.com/office/drawing/2014/main" id="{165A9067-BA65-B1CC-CC8F-4298CCEFA22C}"/>
-              </a:ext>
-            </a:extLst>
-          </p:cNvPr>
-          <p:cNvSpPr>
-            <a:spLocks noGrp="1"/>
-          </p:cNvSpPr>
-          <p:nvPr>
-            <p:ph idx="1"/>
-          </p:nvPr>
-        </p:nvSpPr>
-        <p:spPr/>
-        <p:txBody>
-          <a:bodyPr/>
-          <a:lstStyle/>
-          <a:p>
-            <a:r>
-              <a:rPr lang="es-ES" dirty="0"/>
-              <a:t>-Implementación de un algoritmo generado para CPU en GPU, obteniendo los mismos resultados.</a:t>
-            </a:r>
-          </a:p>
-          <a:p>
-            <a:r>
-              <a:rPr lang="es-ES" dirty="0"/>
-              <a:t>-Mejora en la velocidad de cálculo de 12,6. Lo que se ejecuta en 600 s (10 horas) en CPU, en GPU se calcula en 48 minutos.</a:t>
-            </a:r>
-          </a:p>
-          <a:p>
-            <a:endParaRPr lang="es-ES" dirty="0"/>
-          </a:p>
-          <a:p>
-            <a:endParaRPr lang="es-ES" dirty="0"/>
-          </a:p>
-        </p:txBody>
-      </p:sp>
-    </p:spTree>
-    <p:extLst>
-      <p:ext uri="{BB962C8B-B14F-4D97-AF65-F5344CB8AC3E}">
-        <p14:creationId xmlns:p14="http://schemas.microsoft.com/office/powerpoint/2010/main" val="522444073"/>
-      </p:ext>
-    </p:extLst>
-  </p:cSld>
-  <p:clrMapOvr>
-    <a:masterClrMapping/>
-  </p:clrMapOvr>
-</p:sld>
-</file>
-
-<file path=ppt/slides/slide26.xml><?xml version="1.0" encoding="utf-8"?>
-<p:sld xmlns:a="http://schemas.openxmlformats.org/drawingml/2006/main" xmlns:r="http://schemas.openxmlformats.org/officeDocument/2006/relationships" xmlns:p="http://schemas.openxmlformats.org/presentationml/2006/main">
-  <p:cSld>
-    <p:spTree>
-      <p:nvGrpSpPr>
-        <p:cNvPr id="1" name=""/>
-        <p:cNvGrpSpPr/>
-        <p:nvPr/>
-      </p:nvGrpSpPr>
-      <p:grpSpPr>
-        <a:xfrm>
-          <a:off x="0" y="0"/>
-          <a:ext cx="0" cy="0"/>
-          <a:chOff x="0" y="0"/>
-          <a:chExt cx="0" cy="0"/>
-        </a:xfrm>
-      </p:grpSpPr>
-      <p:sp>
-        <p:nvSpPr>
-          <p:cNvPr id="2" name="Título 1">
-            <a:extLst>
-              <a:ext uri="{FF2B5EF4-FFF2-40B4-BE49-F238E27FC236}">
-                <a16:creationId xmlns:a16="http://schemas.microsoft.com/office/drawing/2014/main" id="{FF4A1143-CBF8-17C1-FEB6-E45D5B1CE36A}"/>
-              </a:ext>
-            </a:extLst>
-          </p:cNvPr>
-          <p:cNvSpPr>
-            <a:spLocks noGrp="1"/>
-          </p:cNvSpPr>
-          <p:nvPr>
-            <p:ph type="title"/>
-          </p:nvPr>
-        </p:nvSpPr>
-        <p:spPr/>
-        <p:txBody>
-          <a:bodyPr/>
-          <a:lstStyle/>
-          <a:p>
-            <a:r>
-              <a:rPr lang="es-ES" dirty="0"/>
-              <a:t>FIN</a:t>
-            </a:r>
-          </a:p>
-        </p:txBody>
-      </p:sp>
-      <p:sp>
-        <p:nvSpPr>
-          <p:cNvPr id="3" name="Marcador de contenido 2">
-            <a:extLst>
-              <a:ext uri="{FF2B5EF4-FFF2-40B4-BE49-F238E27FC236}">
-                <a16:creationId xmlns:a16="http://schemas.microsoft.com/office/drawing/2014/main" id="{25370F64-A3D5-21BA-892A-2F4547AFFFFF}"/>
-              </a:ext>
-            </a:extLst>
-          </p:cNvPr>
-          <p:cNvSpPr>
-            <a:spLocks noGrp="1"/>
-          </p:cNvSpPr>
-          <p:nvPr>
-            <p:ph idx="1"/>
-          </p:nvPr>
-        </p:nvSpPr>
-        <p:spPr>
-          <a:xfrm>
-            <a:off x="3517207" y="3296491"/>
-            <a:ext cx="3899593" cy="860521"/>
-          </a:xfrm>
-        </p:spPr>
-        <p:txBody>
-          <a:bodyPr>
-            <a:normAutofit/>
-          </a:bodyPr>
-          <a:lstStyle/>
-          <a:p>
-            <a:pPr marL="0" indent="0">
-              <a:buNone/>
-            </a:pPr>
-            <a:r>
-              <a:rPr lang="es-ES" sz="4000" u="sng" dirty="0"/>
-              <a:t>MUCHAS GRACIAS</a:t>
-            </a:r>
-          </a:p>
-        </p:txBody>
-      </p:sp>
-    </p:spTree>
-    <p:extLst>
-      <p:ext uri="{BB962C8B-B14F-4D97-AF65-F5344CB8AC3E}">
-        <p14:creationId xmlns:p14="http://schemas.microsoft.com/office/powerpoint/2010/main" val="1805326499"/>
-      </p:ext>
-    </p:extLst>
-  </p:cSld>
-  <p:clrMapOvr>
-    <a:masterClrMapping/>
-  </p:clrMapOvr>
-</p:sld>
-</file>
-
 <file path=ppt/slides/slide3.xml><?xml version="1.0" encoding="utf-8"?>
 <p:sld xmlns:a="http://schemas.openxmlformats.org/drawingml/2006/main" xmlns:r="http://schemas.openxmlformats.org/officeDocument/2006/relationships" xmlns:p="http://schemas.openxmlformats.org/presentationml/2006/main">
   <p:cSld>
@@ -6688,6 +5803,21 @@
             </a:r>
           </a:p>
           <a:p>
+            <a:r>
+              <a:rPr lang="es-ES" sz="3600" dirty="0"/>
+              <a:t>-Aplicaciones del método de diferencias finitas en el dominio del tiempo</a:t>
+            </a:r>
+          </a:p>
+          <a:p>
+            <a:r>
+              <a:rPr lang="es-ES" sz="3600" dirty="0"/>
+              <a:t>-¿Por qué implementarlo en GPU?</a:t>
+            </a:r>
+          </a:p>
+          <a:p>
+            <a:endParaRPr lang="es-ES" sz="3600" dirty="0"/>
+          </a:p>
+          <a:p>
             <a:pPr marL="0" indent="0">
               <a:buNone/>
             </a:pPr>
@@ -6698,7 +5828,7 @@
     </p:spTree>
     <p:extLst>
       <p:ext uri="{BB962C8B-B14F-4D97-AF65-F5344CB8AC3E}">
-        <p14:creationId xmlns:p14="http://schemas.microsoft.com/office/powerpoint/2010/main" val="574352747"/>
+        <p14:creationId xmlns:p14="http://schemas.microsoft.com/office/powerpoint/2010/main" val="3943650096"/>
       </p:ext>
     </p:extLst>
   </p:cSld>
@@ -6730,7 +5860,7 @@
           <p:cNvPr id="2" name="Título 1">
             <a:extLst>
               <a:ext uri="{FF2B5EF4-FFF2-40B4-BE49-F238E27FC236}">
-                <a16:creationId xmlns:a16="http://schemas.microsoft.com/office/drawing/2014/main" id="{F8721863-C894-3871-2A1B-09689E2624B8}"/>
+                <a16:creationId xmlns:a16="http://schemas.microsoft.com/office/drawing/2014/main" id="{2E5D1246-7D67-6BB5-9E1F-45A7976D9B5C}"/>
               </a:ext>
             </a:extLst>
           </p:cNvPr>
@@ -6758,7 +5888,7 @@
           <p:cNvPr id="3" name="Marcador de contenido 2">
             <a:extLst>
               <a:ext uri="{FF2B5EF4-FFF2-40B4-BE49-F238E27FC236}">
-                <a16:creationId xmlns:a16="http://schemas.microsoft.com/office/drawing/2014/main" id="{70A747E3-6A02-29A8-DFD9-D1C928A2001A}"/>
+                <a16:creationId xmlns:a16="http://schemas.microsoft.com/office/drawing/2014/main" id="{1B927E43-AC89-A77F-ED04-D6AC9A018491}"/>
               </a:ext>
             </a:extLst>
           </p:cNvPr>
@@ -6776,32 +5906,29 @@
           </a:bodyPr>
           <a:lstStyle/>
           <a:p>
-            <a:endParaRPr lang="es-ES" sz="3600" dirty="0"/>
-          </a:p>
-          <a:p>
-            <a:r>
-              <a:rPr lang="es-ES" sz="3600" dirty="0"/>
-              <a:t>-¿Cuál es le método de las diferencias finitas en el dominio del tiempo?</a:t>
-            </a:r>
-          </a:p>
-          <a:p>
-            <a:r>
-              <a:rPr lang="es-ES" sz="3600" dirty="0"/>
-              <a:t>-Aplicaciones del método de diferencias finitas en el dominio del tiempo</a:t>
-            </a:r>
-          </a:p>
-          <a:p>
-            <a:pPr marL="0" indent="0">
-              <a:buNone/>
-            </a:pPr>
-            <a:endParaRPr lang="es-ES" sz="3600" u="sng" dirty="0"/>
+            <a:r>
+              <a:rPr lang="es-ES" sz="2800" dirty="0"/>
+              <a:t>OBJETIVOS:</a:t>
+            </a:r>
+          </a:p>
+          <a:p>
+            <a:r>
+              <a:rPr lang="es-ES" sz="2800" dirty="0"/>
+              <a:t>-Generar dos algoritmos, uno en CPU y otro en GPU, donde se obtengan los mismos resultados.</a:t>
+            </a:r>
+          </a:p>
+          <a:p>
+            <a:r>
+              <a:rPr lang="es-ES" sz="2800" dirty="0"/>
+              <a:t>-Comparar con ellos el tiempo de cálculo al utilizar cada componente.</a:t>
+            </a:r>
           </a:p>
         </p:txBody>
       </p:sp>
     </p:spTree>
     <p:extLst>
       <p:ext uri="{BB962C8B-B14F-4D97-AF65-F5344CB8AC3E}">
-        <p14:creationId xmlns:p14="http://schemas.microsoft.com/office/powerpoint/2010/main" val="3943650096"/>
+        <p14:creationId xmlns:p14="http://schemas.microsoft.com/office/powerpoint/2010/main" val="3179186775"/>
       </p:ext>
     </p:extLst>
   </p:cSld>
@@ -6833,7 +5960,7 @@
           <p:cNvPr id="2" name="Título 1">
             <a:extLst>
               <a:ext uri="{FF2B5EF4-FFF2-40B4-BE49-F238E27FC236}">
-                <a16:creationId xmlns:a16="http://schemas.microsoft.com/office/drawing/2014/main" id="{F8721863-C894-3871-2A1B-09689E2624B8}"/>
+                <a16:creationId xmlns:a16="http://schemas.microsoft.com/office/drawing/2014/main" id="{B789E712-24F9-6F4D-6158-24DCB4B90B9A}"/>
               </a:ext>
             </a:extLst>
           </p:cNvPr>
@@ -6851,69 +5978,138 @@
           <a:p>
             <a:r>
               <a:rPr lang="es-ES" dirty="0"/>
-              <a:t>INTRODUCCIÓN</a:t>
-            </a:r>
-          </a:p>
-        </p:txBody>
-      </p:sp>
-      <p:sp>
-        <p:nvSpPr>
-          <p:cNvPr id="3" name="Marcador de contenido 2">
+              <a:t>MÉTODO DE LAS DIFERENCIAS FINITAS EN EL DOMINIO DEL TIEMPO</a:t>
+            </a:r>
+          </a:p>
+        </p:txBody>
+      </p:sp>
+      <p:pic>
+        <p:nvPicPr>
+          <p:cNvPr id="21" name="Marcador de contenido 20">
             <a:extLst>
               <a:ext uri="{FF2B5EF4-FFF2-40B4-BE49-F238E27FC236}">
-                <a16:creationId xmlns:a16="http://schemas.microsoft.com/office/drawing/2014/main" id="{70A747E3-6A02-29A8-DFD9-D1C928A2001A}"/>
+                <a16:creationId xmlns:a16="http://schemas.microsoft.com/office/drawing/2014/main" id="{CECA11D3-3848-BECF-994F-29FFA9A2167E}"/>
               </a:ext>
             </a:extLst>
           </p:cNvPr>
-          <p:cNvSpPr>
-            <a:spLocks noGrp="1"/>
-          </p:cNvSpPr>
+          <p:cNvPicPr>
+            <a:picLocks noGrp="1" noChangeAspect="1"/>
+          </p:cNvPicPr>
           <p:nvPr>
             <p:ph idx="1"/>
           </p:nvPr>
-        </p:nvSpPr>
-        <p:spPr/>
-        <p:txBody>
-          <a:bodyPr>
-            <a:normAutofit/>
+        </p:nvPicPr>
+        <p:blipFill>
+          <a:blip r:embed="rId2">
+            <a:extLst>
+              <a:ext uri="{28A0092B-C50C-407E-A947-70E740481C1C}">
+                <a14:useLocalDpi xmlns:a14="http://schemas.microsoft.com/office/drawing/2010/main" val="0"/>
+              </a:ext>
+            </a:extLst>
+          </a:blip>
+          <a:stretch>
+            <a:fillRect/>
+          </a:stretch>
+        </p:blipFill>
+        <p:spPr>
+          <a:xfrm>
+            <a:off x="2261898" y="3156410"/>
+            <a:ext cx="7433291" cy="1967636"/>
+          </a:xfrm>
+        </p:spPr>
+      </p:pic>
+      <p:sp>
+        <p:nvSpPr>
+          <p:cNvPr id="3" name="CuadroTexto 2">
+            <a:extLst>
+              <a:ext uri="{FF2B5EF4-FFF2-40B4-BE49-F238E27FC236}">
+                <a16:creationId xmlns:a16="http://schemas.microsoft.com/office/drawing/2014/main" id="{F82D1CD5-C728-824A-D392-342167E27D6A}"/>
+              </a:ext>
+            </a:extLst>
+          </p:cNvPr>
+          <p:cNvSpPr txBox="1"/>
+          <p:nvPr/>
+        </p:nvSpPr>
+        <p:spPr>
+          <a:xfrm>
+            <a:off x="2606325" y="1892887"/>
+            <a:ext cx="7088864" cy="1107996"/>
+          </a:xfrm>
+          <a:prstGeom prst="rect">
+            <a:avLst/>
+          </a:prstGeom>
+          <a:noFill/>
+        </p:spPr>
+        <p:txBody>
+          <a:bodyPr wrap="none" rtlCol="0">
+            <a:spAutoFit/>
           </a:bodyPr>
           <a:lstStyle/>
           <a:p>
-            <a:endParaRPr lang="es-ES" sz="3600" dirty="0"/>
-          </a:p>
-          <a:p>
-            <a:r>
-              <a:rPr lang="es-ES" sz="3600" dirty="0"/>
-              <a:t>-¿Qué es el método de las diferencias finitas en el dominio del tiempo?</a:t>
-            </a:r>
-          </a:p>
-          <a:p>
-            <a:r>
-              <a:rPr lang="es-ES" sz="3600" dirty="0"/>
-              <a:t>-Aplicaciones del método.</a:t>
-            </a:r>
-          </a:p>
-          <a:p>
-            <a:r>
-              <a:rPr lang="es-ES" sz="3600" dirty="0"/>
-              <a:t>-¿Por qué implementarlo en GPU?</a:t>
-            </a:r>
-          </a:p>
-          <a:p>
-            <a:endParaRPr lang="es-ES" sz="3600" dirty="0"/>
-          </a:p>
-          <a:p>
-            <a:pPr marL="0" indent="0">
-              <a:buNone/>
-            </a:pPr>
-            <a:endParaRPr lang="es-ES" sz="3600" u="sng" dirty="0"/>
-          </a:p>
-        </p:txBody>
-      </p:sp>
+            <a:r>
+              <a:rPr lang="es-ES" sz="2400" dirty="0"/>
+              <a:t>         Método de la diferencia central finita:</a:t>
+            </a:r>
+          </a:p>
+          <a:p>
+            <a:endParaRPr lang="es-ES" sz="2400" dirty="0"/>
+          </a:p>
+          <a:p>
+            <a:r>
+              <a:rPr lang="es-ES" dirty="0"/>
+              <a:t>Desarrollo en serie de Taylor de una función y(x) en los puntos (</a:t>
+            </a:r>
+            <a:r>
+              <a:rPr lang="es-ES" dirty="0" err="1"/>
+              <a:t>x+h</a:t>
+            </a:r>
+            <a:r>
+              <a:rPr lang="es-ES" dirty="0"/>
+              <a:t>), (x-h)</a:t>
+            </a:r>
+          </a:p>
+        </p:txBody>
+      </p:sp>
+      <p:pic>
+        <p:nvPicPr>
+          <p:cNvPr id="5" name="Imagen 4">
+            <a:extLst>
+              <a:ext uri="{FF2B5EF4-FFF2-40B4-BE49-F238E27FC236}">
+                <a16:creationId xmlns:a16="http://schemas.microsoft.com/office/drawing/2014/main" id="{027A22C4-6124-190D-80AF-72056C3E188B}"/>
+              </a:ext>
+            </a:extLst>
+          </p:cNvPr>
+          <p:cNvPicPr>
+            <a:picLocks noChangeAspect="1"/>
+          </p:cNvPicPr>
+          <p:nvPr/>
+        </p:nvPicPr>
+        <p:blipFill>
+          <a:blip r:embed="rId3">
+            <a:extLst>
+              <a:ext uri="{28A0092B-C50C-407E-A947-70E740481C1C}">
+                <a14:useLocalDpi xmlns:a14="http://schemas.microsoft.com/office/drawing/2010/main" val="0"/>
+              </a:ext>
+            </a:extLst>
+          </a:blip>
+          <a:stretch>
+            <a:fillRect/>
+          </a:stretch>
+        </p:blipFill>
+        <p:spPr>
+          <a:xfrm>
+            <a:off x="2575100" y="4938527"/>
+            <a:ext cx="6654129" cy="1240600"/>
+          </a:xfrm>
+          <a:prstGeom prst="rect">
+            <a:avLst/>
+          </a:prstGeom>
+        </p:spPr>
+      </p:pic>
     </p:spTree>
     <p:extLst>
       <p:ext uri="{BB962C8B-B14F-4D97-AF65-F5344CB8AC3E}">
-        <p14:creationId xmlns:p14="http://schemas.microsoft.com/office/powerpoint/2010/main" val="2525954376"/>
+        <p14:creationId xmlns:p14="http://schemas.microsoft.com/office/powerpoint/2010/main" val="2088113416"/>
       </p:ext>
     </p:extLst>
   </p:cSld>
@@ -6945,7 +6141,7 @@
           <p:cNvPr id="2" name="Título 1">
             <a:extLst>
               <a:ext uri="{FF2B5EF4-FFF2-40B4-BE49-F238E27FC236}">
-                <a16:creationId xmlns:a16="http://schemas.microsoft.com/office/drawing/2014/main" id="{2E5D1246-7D67-6BB5-9E1F-45A7976D9B5C}"/>
+                <a16:creationId xmlns:a16="http://schemas.microsoft.com/office/drawing/2014/main" id="{B0FD935F-1AF3-F700-BAC7-0E6A41D4422C}"/>
               </a:ext>
             </a:extLst>
           </p:cNvPr>
@@ -6963,49 +6159,156 @@
           <a:p>
             <a:r>
               <a:rPr lang="es-ES" dirty="0"/>
-              <a:t>INTRODUCCIÓN</a:t>
-            </a:r>
-          </a:p>
-        </p:txBody>
-      </p:sp>
-      <p:sp>
-        <p:nvSpPr>
-          <p:cNvPr id="3" name="Marcador de contenido 2">
+              <a:t>MÉTODO DE LAS DIFERENCIAS FINITAS EN EL DOMINIO DEL TIEMPO</a:t>
+            </a:r>
+          </a:p>
+        </p:txBody>
+      </p:sp>
+      <p:pic>
+        <p:nvPicPr>
+          <p:cNvPr id="5" name="Marcador de contenido 4">
             <a:extLst>
               <a:ext uri="{FF2B5EF4-FFF2-40B4-BE49-F238E27FC236}">
-                <a16:creationId xmlns:a16="http://schemas.microsoft.com/office/drawing/2014/main" id="{1B927E43-AC89-A77F-ED04-D6AC9A018491}"/>
+                <a16:creationId xmlns:a16="http://schemas.microsoft.com/office/drawing/2014/main" id="{59D951A0-62E2-235B-5035-D74FC8E86954}"/>
               </a:ext>
             </a:extLst>
           </p:cNvPr>
-          <p:cNvSpPr>
-            <a:spLocks noGrp="1"/>
-          </p:cNvSpPr>
+          <p:cNvPicPr>
+            <a:picLocks noGrp="1" noChangeAspect="1"/>
+          </p:cNvPicPr>
           <p:nvPr>
             <p:ph idx="1"/>
           </p:nvPr>
-        </p:nvSpPr>
-        <p:spPr/>
-        <p:txBody>
-          <a:bodyPr>
-            <a:normAutofit/>
+        </p:nvPicPr>
+        <p:blipFill>
+          <a:blip r:embed="rId2">
+            <a:extLst>
+              <a:ext uri="{28A0092B-C50C-407E-A947-70E740481C1C}">
+                <a14:useLocalDpi xmlns:a14="http://schemas.microsoft.com/office/drawing/2010/main" val="0"/>
+              </a:ext>
+            </a:extLst>
+          </a:blip>
+          <a:stretch>
+            <a:fillRect/>
+          </a:stretch>
+        </p:blipFill>
+        <p:spPr>
+          <a:xfrm>
+            <a:off x="1289628" y="3028888"/>
+            <a:ext cx="4215245" cy="2772694"/>
+          </a:xfrm>
+        </p:spPr>
+      </p:pic>
+      <p:sp>
+        <p:nvSpPr>
+          <p:cNvPr id="3" name="CuadroTexto 2">
+            <a:extLst>
+              <a:ext uri="{FF2B5EF4-FFF2-40B4-BE49-F238E27FC236}">
+                <a16:creationId xmlns:a16="http://schemas.microsoft.com/office/drawing/2014/main" id="{D32FD2E6-BD13-C9AE-8ACA-186A5C31DCE4}"/>
+              </a:ext>
+            </a:extLst>
+          </p:cNvPr>
+          <p:cNvSpPr txBox="1"/>
+          <p:nvPr/>
+        </p:nvSpPr>
+        <p:spPr>
+          <a:xfrm>
+            <a:off x="1289628" y="2029181"/>
+            <a:ext cx="5360554" cy="707886"/>
+          </a:xfrm>
+          <a:prstGeom prst="rect">
+            <a:avLst/>
+          </a:prstGeom>
+          <a:noFill/>
+        </p:spPr>
+        <p:txBody>
+          <a:bodyPr wrap="square" rtlCol="0">
+            <a:spAutoFit/>
           </a:bodyPr>
           <a:lstStyle/>
           <a:p>
             <a:r>
-              <a:rPr lang="es-ES" sz="2800" dirty="0"/>
-              <a:t>OBJETIVOS:</a:t>
-            </a:r>
-          </a:p>
-          <a:p>
-            <a:r>
-              <a:rPr lang="es-ES" sz="2800" dirty="0"/>
-              <a:t>-Generar dos algoritmos, uno en CPU y otro en GPU, donde se obtengan los mismos resultados.</a:t>
-            </a:r>
-          </a:p>
-          <a:p>
-            <a:r>
-              <a:rPr lang="es-ES" sz="2800" dirty="0"/>
-              <a:t>-Comparar con ellos el tiempo de cálculo al utilizar cada componente.</a:t>
+              <a:rPr lang="es-ES" sz="2000" dirty="0"/>
+              <a:t>Ecuaciones rotacionales de Maxwell para el campo electromagnético:</a:t>
+            </a:r>
+          </a:p>
+        </p:txBody>
+      </p:sp>
+      <p:pic>
+        <p:nvPicPr>
+          <p:cNvPr id="6" name="Imagen 5">
+            <a:extLst>
+              <a:ext uri="{FF2B5EF4-FFF2-40B4-BE49-F238E27FC236}">
+                <a16:creationId xmlns:a16="http://schemas.microsoft.com/office/drawing/2014/main" id="{115E08D9-6CEA-551B-C5F5-2C5492D19CCD}"/>
+              </a:ext>
+            </a:extLst>
+          </p:cNvPr>
+          <p:cNvPicPr>
+            <a:picLocks noChangeAspect="1"/>
+          </p:cNvPicPr>
+          <p:nvPr/>
+        </p:nvPicPr>
+        <p:blipFill>
+          <a:blip r:embed="rId3">
+            <a:extLst>
+              <a:ext uri="{28A0092B-C50C-407E-A947-70E740481C1C}">
+                <a14:useLocalDpi xmlns:a14="http://schemas.microsoft.com/office/drawing/2010/main" val="0"/>
+              </a:ext>
+            </a:extLst>
+          </a:blip>
+          <a:stretch>
+            <a:fillRect/>
+          </a:stretch>
+        </p:blipFill>
+        <p:spPr>
+          <a:xfrm>
+            <a:off x="6465455" y="2795870"/>
+            <a:ext cx="4680355" cy="3309783"/>
+          </a:xfrm>
+          <a:prstGeom prst="rect">
+            <a:avLst/>
+          </a:prstGeom>
+        </p:spPr>
+      </p:pic>
+      <p:sp>
+        <p:nvSpPr>
+          <p:cNvPr id="7" name="CuadroTexto 6">
+            <a:extLst>
+              <a:ext uri="{FF2B5EF4-FFF2-40B4-BE49-F238E27FC236}">
+                <a16:creationId xmlns:a16="http://schemas.microsoft.com/office/drawing/2014/main" id="{44EC1E49-47C3-94B9-F31B-23046AE736F5}"/>
+              </a:ext>
+            </a:extLst>
+          </p:cNvPr>
+          <p:cNvSpPr txBox="1"/>
+          <p:nvPr/>
+        </p:nvSpPr>
+        <p:spPr>
+          <a:xfrm>
+            <a:off x="7333673" y="2066560"/>
+            <a:ext cx="4252190" cy="400110"/>
+          </a:xfrm>
+          <a:prstGeom prst="rect">
+            <a:avLst/>
+          </a:prstGeom>
+          <a:noFill/>
+        </p:spPr>
+        <p:txBody>
+          <a:bodyPr wrap="square">
+            <a:spAutoFit/>
+          </a:bodyPr>
+          <a:lstStyle/>
+          <a:p>
+            <a:r>
+              <a:rPr lang="es-ES" dirty="0"/>
+              <a:t>Modo </a:t>
+            </a:r>
+            <a:r>
+              <a:rPr lang="es-ES" sz="2000" dirty="0"/>
+              <a:t>transversal</a:t>
+            </a:r>
+            <a:r>
+              <a:rPr lang="es-ES" dirty="0"/>
+              <a:t> magnético</a:t>
             </a:r>
           </a:p>
         </p:txBody>
@@ -7013,7 +6316,7 @@
     </p:spTree>
     <p:extLst>
       <p:ext uri="{BB962C8B-B14F-4D97-AF65-F5344CB8AC3E}">
-        <p14:creationId xmlns:p14="http://schemas.microsoft.com/office/powerpoint/2010/main" val="3179186775"/>
+        <p14:creationId xmlns:p14="http://schemas.microsoft.com/office/powerpoint/2010/main" val="3850569127"/>
       </p:ext>
     </p:extLst>
   </p:cSld>
@@ -7045,7 +6348,7 @@
           <p:cNvPr id="2" name="Título 1">
             <a:extLst>
               <a:ext uri="{FF2B5EF4-FFF2-40B4-BE49-F238E27FC236}">
-                <a16:creationId xmlns:a16="http://schemas.microsoft.com/office/drawing/2014/main" id="{B789E712-24F9-6F4D-6158-24DCB4B90B9A}"/>
+                <a16:creationId xmlns:a16="http://schemas.microsoft.com/office/drawing/2014/main" id="{19B35C62-E1A1-3267-E548-3971B9D2D9CA}"/>
               </a:ext>
             </a:extLst>
           </p:cNvPr>
@@ -7070,10 +6373,10 @@
       </p:sp>
       <p:pic>
         <p:nvPicPr>
-          <p:cNvPr id="21" name="Marcador de contenido 20">
+          <p:cNvPr id="4" name="Marcador de contenido 3">
             <a:extLst>
               <a:ext uri="{FF2B5EF4-FFF2-40B4-BE49-F238E27FC236}">
-                <a16:creationId xmlns:a16="http://schemas.microsoft.com/office/drawing/2014/main" id="{CECA11D3-3848-BECF-994F-29FFA9A2167E}"/>
+                <a16:creationId xmlns:a16="http://schemas.microsoft.com/office/drawing/2014/main" id="{3024CD9F-0692-5821-162D-2EDD7115358F}"/>
               </a:ext>
             </a:extLst>
           </p:cNvPr>
@@ -7098,17 +6401,56 @@
         </p:blipFill>
         <p:spPr>
           <a:xfrm>
-            <a:off x="2206479" y="3429000"/>
-            <a:ext cx="7433291" cy="1967636"/>
-          </a:xfrm>
+            <a:off x="902277" y="2645496"/>
+            <a:ext cx="4762500" cy="2733675"/>
+          </a:xfrm>
+          <a:prstGeom prst="rect">
+            <a:avLst/>
+          </a:prstGeom>
         </p:spPr>
       </p:pic>
-      <p:sp>
-        <p:nvSpPr>
-          <p:cNvPr id="3" name="CuadroTexto 2">
+      <p:pic>
+        <p:nvPicPr>
+          <p:cNvPr id="6" name="Imagen 5">
             <a:extLst>
               <a:ext uri="{FF2B5EF4-FFF2-40B4-BE49-F238E27FC236}">
-                <a16:creationId xmlns:a16="http://schemas.microsoft.com/office/drawing/2014/main" id="{F82D1CD5-C728-824A-D392-342167E27D6A}"/>
+                <a16:creationId xmlns:a16="http://schemas.microsoft.com/office/drawing/2014/main" id="{48AD936C-F111-5C6F-D94F-9E59788F7191}"/>
+              </a:ext>
+            </a:extLst>
+          </p:cNvPr>
+          <p:cNvPicPr>
+            <a:picLocks noChangeAspect="1"/>
+          </p:cNvPicPr>
+          <p:nvPr/>
+        </p:nvPicPr>
+        <p:blipFill>
+          <a:blip r:embed="rId3">
+            <a:extLst>
+              <a:ext uri="{28A0092B-C50C-407E-A947-70E740481C1C}">
+                <a14:useLocalDpi xmlns:a14="http://schemas.microsoft.com/office/drawing/2010/main" val="0"/>
+              </a:ext>
+            </a:extLst>
+          </a:blip>
+          <a:stretch>
+            <a:fillRect/>
+          </a:stretch>
+        </p:blipFill>
+        <p:spPr>
+          <a:xfrm>
+            <a:off x="6225309" y="2649392"/>
+            <a:ext cx="4273261" cy="2929089"/>
+          </a:xfrm>
+          <a:prstGeom prst="rect">
+            <a:avLst/>
+          </a:prstGeom>
+        </p:spPr>
+      </p:pic>
+      <p:sp>
+        <p:nvSpPr>
+          <p:cNvPr id="7" name="CuadroTexto 6">
+            <a:extLst>
+              <a:ext uri="{FF2B5EF4-FFF2-40B4-BE49-F238E27FC236}">
+                <a16:creationId xmlns:a16="http://schemas.microsoft.com/office/drawing/2014/main" id="{652F3191-1B8F-AB35-B072-3D23DF81807A}"/>
               </a:ext>
             </a:extLst>
           </p:cNvPr>
@@ -7117,8 +6459,8 @@
         </p:nvSpPr>
         <p:spPr>
           <a:xfrm>
-            <a:off x="2668299" y="1986257"/>
-            <a:ext cx="7088864" cy="1107996"/>
+            <a:off x="1662545" y="2099126"/>
+            <a:ext cx="3241964" cy="369332"/>
           </a:xfrm>
           <a:prstGeom prst="rect">
             <a:avLst/>
@@ -7126,31 +6468,49 @@
           <a:noFill/>
         </p:spPr>
         <p:txBody>
+          <a:bodyPr wrap="square">
+            <a:spAutoFit/>
+          </a:bodyPr>
+          <a:lstStyle/>
+          <a:p>
+            <a:r>
+              <a:rPr lang="es-ES" dirty="0"/>
+              <a:t>Modo transversal magnético</a:t>
+            </a:r>
+          </a:p>
+        </p:txBody>
+      </p:sp>
+      <p:sp>
+        <p:nvSpPr>
+          <p:cNvPr id="5" name="CuadroTexto 4">
+            <a:extLst>
+              <a:ext uri="{FF2B5EF4-FFF2-40B4-BE49-F238E27FC236}">
+                <a16:creationId xmlns:a16="http://schemas.microsoft.com/office/drawing/2014/main" id="{0EDAE0E5-EB04-5F62-FE3E-CAF696266619}"/>
+              </a:ext>
+            </a:extLst>
+          </p:cNvPr>
+          <p:cNvSpPr txBox="1"/>
+          <p:nvPr/>
+        </p:nvSpPr>
+        <p:spPr>
+          <a:xfrm>
+            <a:off x="6825672" y="2099126"/>
+            <a:ext cx="3406382" cy="369332"/>
+          </a:xfrm>
+          <a:prstGeom prst="rect">
+            <a:avLst/>
+          </a:prstGeom>
+          <a:noFill/>
+        </p:spPr>
+        <p:txBody>
           <a:bodyPr wrap="none" rtlCol="0">
             <a:spAutoFit/>
           </a:bodyPr>
           <a:lstStyle/>
           <a:p>
             <a:r>
-              <a:rPr lang="es-ES" sz="2400" dirty="0"/>
-              <a:t>          Método de la diferencia central finita:</a:t>
-            </a:r>
-          </a:p>
-          <a:p>
-            <a:endParaRPr lang="es-ES" sz="2400" dirty="0"/>
-          </a:p>
-          <a:p>
-            <a:r>
               <a:rPr lang="es-ES" dirty="0"/>
-              <a:t>Desarrollo en serie de Taylor de una función y(x) en los puntos (</a:t>
-            </a:r>
-            <a:r>
-              <a:rPr lang="es-ES" dirty="0" err="1"/>
-              <a:t>x+h</a:t>
-            </a:r>
-            <a:r>
-              <a:rPr lang="es-ES" dirty="0"/>
-              <a:t>), (x-h)</a:t>
+              <a:t>Campos intercalados en el espacio</a:t>
             </a:r>
           </a:p>
         </p:txBody>
@@ -7158,7 +6518,7 @@
     </p:spTree>
     <p:extLst>
       <p:ext uri="{BB962C8B-B14F-4D97-AF65-F5344CB8AC3E}">
-        <p14:creationId xmlns:p14="http://schemas.microsoft.com/office/powerpoint/2010/main" val="641250783"/>
+        <p14:creationId xmlns:p14="http://schemas.microsoft.com/office/powerpoint/2010/main" val="1227228958"/>
       </p:ext>
     </p:extLst>
   </p:cSld>
@@ -7190,7 +6550,7 @@
           <p:cNvPr id="2" name="Título 1">
             <a:extLst>
               <a:ext uri="{FF2B5EF4-FFF2-40B4-BE49-F238E27FC236}">
-                <a16:creationId xmlns:a16="http://schemas.microsoft.com/office/drawing/2014/main" id="{B789E712-24F9-6F4D-6158-24DCB4B90B9A}"/>
+                <a16:creationId xmlns:a16="http://schemas.microsoft.com/office/drawing/2014/main" id="{CB15EEC0-2F32-9869-0402-4C55FBABA7AE}"/>
               </a:ext>
             </a:extLst>
           </p:cNvPr>
@@ -7208,17 +6568,17 @@
           <a:p>
             <a:r>
               <a:rPr lang="es-ES" dirty="0"/>
-              <a:t>MÉTODO DE LAS DIFERENCIAS FINITAS EN EL DOMINIO DEL TIEMPO</a:t>
+              <a:t>GPU</a:t>
             </a:r>
           </a:p>
         </p:txBody>
       </p:sp>
       <p:pic>
         <p:nvPicPr>
-          <p:cNvPr id="21" name="Marcador de contenido 20">
+          <p:cNvPr id="5" name="Marcador de contenido 4">
             <a:extLst>
               <a:ext uri="{FF2B5EF4-FFF2-40B4-BE49-F238E27FC236}">
-                <a16:creationId xmlns:a16="http://schemas.microsoft.com/office/drawing/2014/main" id="{CECA11D3-3848-BECF-994F-29FFA9A2167E}"/>
+                <a16:creationId xmlns:a16="http://schemas.microsoft.com/office/drawing/2014/main" id="{C46A613E-8E42-9DA4-1F4E-E4682D3B3B7D}"/>
               </a:ext>
             </a:extLst>
           </p:cNvPr>
@@ -7243,8 +6603,8 @@
         </p:blipFill>
         <p:spPr>
           <a:xfrm>
-            <a:off x="2261898" y="3156410"/>
-            <a:ext cx="7433291" cy="1967636"/>
+            <a:off x="2029723" y="1986742"/>
+            <a:ext cx="7997105" cy="4004771"/>
           </a:xfrm>
         </p:spPr>
       </p:pic>
@@ -7253,7 +6613,7 @@
           <p:cNvPr id="3" name="CuadroTexto 2">
             <a:extLst>
               <a:ext uri="{FF2B5EF4-FFF2-40B4-BE49-F238E27FC236}">
-                <a16:creationId xmlns:a16="http://schemas.microsoft.com/office/drawing/2014/main" id="{F82D1CD5-C728-824A-D392-342167E27D6A}"/>
+                <a16:creationId xmlns:a16="http://schemas.microsoft.com/office/drawing/2014/main" id="{1C9DAFF5-BA53-CDCA-F555-CD9C1E481836}"/>
               </a:ext>
             </a:extLst>
           </p:cNvPr>
@@ -7262,8 +6622,8 @@
         </p:nvSpPr>
         <p:spPr>
           <a:xfrm>
-            <a:off x="2606325" y="1892887"/>
-            <a:ext cx="7088864" cy="1107996"/>
+            <a:off x="3960553" y="5991513"/>
+            <a:ext cx="3369897" cy="369332"/>
           </a:xfrm>
           <a:prstGeom prst="rect">
             <a:avLst/>
@@ -7277,69 +6637,21 @@
           <a:lstStyle/>
           <a:p>
             <a:r>
-              <a:rPr lang="es-ES" sz="2400" dirty="0"/>
-              <a:t>         Método de la diferencia central finita:</a:t>
-            </a:r>
-          </a:p>
-          <a:p>
-            <a:endParaRPr lang="es-ES" sz="2400" dirty="0"/>
-          </a:p>
-          <a:p>
-            <a:r>
               <a:rPr lang="es-ES" dirty="0"/>
-              <a:t>Desarrollo en serie de Taylor de una función y(x) en los puntos (</a:t>
+              <a:t>Fuente: Documentación de </a:t>
             </a:r>
             <a:r>
               <a:rPr lang="es-ES" dirty="0" err="1"/>
-              <a:t>x+h</a:t>
-            </a:r>
-            <a:r>
-              <a:rPr lang="es-ES" dirty="0"/>
-              <a:t>), (x-h)</a:t>
-            </a:r>
-          </a:p>
-        </p:txBody>
-      </p:sp>
-      <p:pic>
-        <p:nvPicPr>
-          <p:cNvPr id="5" name="Imagen 4">
-            <a:extLst>
-              <a:ext uri="{FF2B5EF4-FFF2-40B4-BE49-F238E27FC236}">
-                <a16:creationId xmlns:a16="http://schemas.microsoft.com/office/drawing/2014/main" id="{027A22C4-6124-190D-80AF-72056C3E188B}"/>
-              </a:ext>
-            </a:extLst>
-          </p:cNvPr>
-          <p:cNvPicPr>
-            <a:picLocks noChangeAspect="1"/>
-          </p:cNvPicPr>
-          <p:nvPr/>
-        </p:nvPicPr>
-        <p:blipFill>
-          <a:blip r:embed="rId3">
-            <a:extLst>
-              <a:ext uri="{28A0092B-C50C-407E-A947-70E740481C1C}">
-                <a14:useLocalDpi xmlns:a14="http://schemas.microsoft.com/office/drawing/2010/main" val="0"/>
-              </a:ext>
-            </a:extLst>
-          </a:blip>
-          <a:stretch>
-            <a:fillRect/>
-          </a:stretch>
-        </p:blipFill>
-        <p:spPr>
-          <a:xfrm>
-            <a:off x="2575100" y="4938527"/>
-            <a:ext cx="6654129" cy="1240600"/>
-          </a:xfrm>
-          <a:prstGeom prst="rect">
-            <a:avLst/>
-          </a:prstGeom>
-        </p:spPr>
-      </p:pic>
+              <a:t>Nvidia</a:t>
+            </a:r>
+            <a:endParaRPr lang="es-ES" dirty="0"/>
+          </a:p>
+        </p:txBody>
+      </p:sp>
     </p:spTree>
     <p:extLst>
       <p:ext uri="{BB962C8B-B14F-4D97-AF65-F5344CB8AC3E}">
-        <p14:creationId xmlns:p14="http://schemas.microsoft.com/office/powerpoint/2010/main" val="2088113416"/>
+        <p14:creationId xmlns:p14="http://schemas.microsoft.com/office/powerpoint/2010/main" val="254445952"/>
       </p:ext>
     </p:extLst>
   </p:cSld>
@@ -7371,7 +6683,7 @@
           <p:cNvPr id="2" name="Título 1">
             <a:extLst>
               <a:ext uri="{FF2B5EF4-FFF2-40B4-BE49-F238E27FC236}">
-                <a16:creationId xmlns:a16="http://schemas.microsoft.com/office/drawing/2014/main" id="{B0FD935F-1AF3-F700-BAC7-0E6A41D4422C}"/>
+                <a16:creationId xmlns:a16="http://schemas.microsoft.com/office/drawing/2014/main" id="{D5D26131-75A9-E62C-0F0F-BEAD5153D68D}"/>
               </a:ext>
             </a:extLst>
           </p:cNvPr>
@@ -7389,7 +6701,7 @@
           <a:p>
             <a:r>
               <a:rPr lang="es-ES" dirty="0"/>
-              <a:t>MÉTODO DE LAS DIFERENCIAS FINITAS EN EL DOMINIO DEL TIEMPO</a:t>
+              <a:t>GPU</a:t>
             </a:r>
           </a:p>
         </p:txBody>
@@ -7399,7 +6711,7 @@
           <p:cNvPr id="5" name="Marcador de contenido 4">
             <a:extLst>
               <a:ext uri="{FF2B5EF4-FFF2-40B4-BE49-F238E27FC236}">
-                <a16:creationId xmlns:a16="http://schemas.microsoft.com/office/drawing/2014/main" id="{59D951A0-62E2-235B-5035-D74FC8E86954}"/>
+                <a16:creationId xmlns:a16="http://schemas.microsoft.com/office/drawing/2014/main" id="{8601063A-95FC-C887-FA4F-7F7D1B866887}"/>
               </a:ext>
             </a:extLst>
           </p:cNvPr>
@@ -7424,17 +6736,17 @@
         </p:blipFill>
         <p:spPr>
           <a:xfrm>
-            <a:off x="1289628" y="3028888"/>
-            <a:ext cx="4215245" cy="2772694"/>
+            <a:off x="3858349" y="1875906"/>
+            <a:ext cx="5008562" cy="4239613"/>
           </a:xfrm>
         </p:spPr>
       </p:pic>
       <p:sp>
         <p:nvSpPr>
-          <p:cNvPr id="3" name="CuadroTexto 2">
+          <p:cNvPr id="6" name="CuadroTexto 5">
             <a:extLst>
               <a:ext uri="{FF2B5EF4-FFF2-40B4-BE49-F238E27FC236}">
-                <a16:creationId xmlns:a16="http://schemas.microsoft.com/office/drawing/2014/main" id="{D32FD2E6-BD13-C9AE-8ACA-186A5C31DCE4}"/>
+                <a16:creationId xmlns:a16="http://schemas.microsoft.com/office/drawing/2014/main" id="{9C3F0DBE-8BB0-7B07-18E3-E667F1E3BA7F}"/>
               </a:ext>
             </a:extLst>
           </p:cNvPr>
@@ -7443,8 +6755,8 @@
         </p:nvSpPr>
         <p:spPr>
           <a:xfrm>
-            <a:off x="1289628" y="2029181"/>
-            <a:ext cx="5360554" cy="707886"/>
+            <a:off x="1348509" y="1942357"/>
+            <a:ext cx="1976582" cy="400110"/>
           </a:xfrm>
           <a:prstGeom prst="rect">
             <a:avLst/>
@@ -7459,15 +6771,55 @@
           <a:p>
             <a:r>
               <a:rPr lang="es-ES" sz="2000" dirty="0"/>
-              <a:t>Ecuaciones rotacionales de Maxwell para el campo electromagnético:</a:t>
-            </a:r>
+              <a:t>Estructura GPU</a:t>
+            </a:r>
+          </a:p>
+        </p:txBody>
+      </p:sp>
+      <p:sp>
+        <p:nvSpPr>
+          <p:cNvPr id="8" name="CuadroTexto 7">
+            <a:extLst>
+              <a:ext uri="{FF2B5EF4-FFF2-40B4-BE49-F238E27FC236}">
+                <a16:creationId xmlns:a16="http://schemas.microsoft.com/office/drawing/2014/main" id="{A37BE914-B232-4047-54CF-2AEF926733F4}"/>
+              </a:ext>
+            </a:extLst>
+          </p:cNvPr>
+          <p:cNvSpPr txBox="1"/>
+          <p:nvPr/>
+        </p:nvSpPr>
+        <p:spPr>
+          <a:xfrm>
+            <a:off x="4729018" y="5999079"/>
+            <a:ext cx="6096000" cy="369332"/>
+          </a:xfrm>
+          <a:prstGeom prst="rect">
+            <a:avLst/>
+          </a:prstGeom>
+          <a:noFill/>
+        </p:spPr>
+        <p:txBody>
+          <a:bodyPr wrap="square">
+            <a:spAutoFit/>
+          </a:bodyPr>
+          <a:lstStyle/>
+          <a:p>
+            <a:r>
+              <a:rPr lang="es-ES" dirty="0"/>
+              <a:t>Fuente: Documentación de </a:t>
+            </a:r>
+            <a:r>
+              <a:rPr lang="es-ES" dirty="0" err="1"/>
+              <a:t>Nvidia</a:t>
+            </a:r>
+            <a:endParaRPr lang="es-ES" dirty="0"/>
           </a:p>
         </p:txBody>
       </p:sp>
     </p:spTree>
     <p:extLst>
       <p:ext uri="{BB962C8B-B14F-4D97-AF65-F5344CB8AC3E}">
-        <p14:creationId xmlns:p14="http://schemas.microsoft.com/office/powerpoint/2010/main" val="4143661912"/>
+        <p14:creationId xmlns:p14="http://schemas.microsoft.com/office/powerpoint/2010/main" val="601610041"/>
       </p:ext>
     </p:extLst>
   </p:cSld>
